--- a/demo/스마트 휴먼케어.pptx
+++ b/demo/스마트 휴먼케어.pptx
@@ -2,23 +2,23 @@
 <file path=ppt/presentation.xml><?xml version="1.0" encoding="utf-8"?>
 <p:presentation xmlns:a="http://schemas.openxmlformats.org/drawingml/2006/main" xmlns:r="http://schemas.openxmlformats.org/officeDocument/2006/relationships" xmlns:mc="http://schemas.openxmlformats.org/markup-compatibility/2006" xmlns:mv="urn:schemas-microsoft-com:mac:vml" xmlns:p="http://schemas.openxmlformats.org/presentationml/2006/main" xmlns:c="http://schemas.openxmlformats.org/drawingml/2006/chart" xmlns:dgm="http://schemas.openxmlformats.org/drawingml/2006/diagram" xmlns:o="urn:schemas-microsoft-com:office:office" xmlns:v="urn:schemas-microsoft-com:vml" xmlns:pvml="urn:schemas-microsoft-com:office:powerpoint" xmlns:com="http://schemas.openxmlformats.org/drawingml/2006/compatibility" xmlns:p14="http://schemas.microsoft.com/office/powerpoint/2010/main" xmlns:p15="http://schemas.microsoft.com/office/powerpoint/2012/main" xmlns:ahyp="http://schemas.microsoft.com/office/drawing/2018/hyperlinkcolor" autoCompressPictures="0" embedTrueTypeFonts="1" strictFirstAndLastChars="0" saveSubsetFonts="1">
   <p:sldMasterIdLst>
-    <p:sldMasterId id="2147483823" r:id="rId49"/>
-    <p:sldMasterId id="2147483824" r:id="rId51"/>
+    <p:sldMasterId id="2147483825" r:id="rId49"/>
+    <p:sldMasterId id="2147483826" r:id="rId50"/>
   </p:sldMasterIdLst>
   <p:notesMasterIdLst>
-    <p:notesMasterId r:id="rId53"/>
+    <p:notesMasterId r:id="rId52"/>
   </p:notesMasterIdLst>
   <p:sldIdLst>
-    <p:sldId id="256" r:id="rId55"/>
-    <p:sldId id="264" r:id="rId57"/>
-    <p:sldId id="258" r:id="rId58"/>
-    <p:sldId id="259" r:id="rId60"/>
-    <p:sldId id="306" r:id="rId62"/>
-    <p:sldId id="307" r:id="rId64"/>
-    <p:sldId id="309" r:id="rId66"/>
-    <p:sldId id="310" r:id="rId68"/>
-    <p:sldId id="311" r:id="rId70"/>
-    <p:sldId id="312" r:id="rId72"/>
+    <p:sldId id="256" r:id="rId54"/>
+    <p:sldId id="264" r:id="rId55"/>
+    <p:sldId id="258" r:id="rId57"/>
+    <p:sldId id="259" r:id="rId58"/>
+    <p:sldId id="306" r:id="rId59"/>
+    <p:sldId id="307" r:id="rId60"/>
+    <p:sldId id="309" r:id="rId61"/>
+    <p:sldId id="310" r:id="rId62"/>
+    <p:sldId id="311" r:id="rId63"/>
+    <p:sldId id="312" r:id="rId64"/>
   </p:sldIdLst>
   <p:sldSz cx="9144000" cy="5143500"/>
   <p:notesSz cx="6858000" cy="9144000"/>
@@ -21750,7 +21750,7 @@
 </file>
 
 <file path=ppt/slides/slide10.xml><?xml version="1.0" encoding="utf-8"?>
-<p:sld xmlns:a="http://schemas.openxmlformats.org/drawingml/2006/main" xmlns:r="http://schemas.openxmlformats.org/officeDocument/2006/relationships" xmlns:p="http://schemas.openxmlformats.org/presentationml/2006/main">
+<p:sld xmlns:a="http://schemas.openxmlformats.org/drawingml/2006/main" xmlns:r="http://schemas.openxmlformats.org/officeDocument/2006/relationships" xmlns:p="http://schemas.openxmlformats.org/presentationml/2006/main" xmlns:p14="http://schemas.microsoft.com/office/powerpoint/2010/main">
   <p:cSld>
     <p:spTree>
       <p:nvGrpSpPr>
@@ -21768,7 +21768,7 @@
       </p:grpSpPr>
       <p:pic>
         <p:nvPicPr>
-          <p:cNvPr id="12" name="그림 61" descr="C:/Users/sonhaewook/AppData/Roaming/PolarisOffice/ETemp/19252_14927264/fImage32930131383281.png"/>
+          <p:cNvPr id="12" name="그림 61"/>
           <p:cNvPicPr>
             <a:picLocks noChangeAspect="1"/>
           </p:cNvPicPr>
@@ -21851,7 +21851,7 @@
         <p:spPr>
           <a:xfrm rot="0">
             <a:off x="1014095" y="778510"/>
-            <a:ext cx="1600835" cy="363855"/>
+            <a:ext cx="1601470" cy="364490"/>
           </a:xfrm>
           <a:prstGeom prst="wedgeRectCallout">
             <a:avLst>
@@ -21861,26 +21861,26 @@
           </a:prstGeom>
         </p:spPr>
         <p:style>
-          <a:lnRef idx="3">
-            <a:schemeClr val="lt1"/>
+          <a:lnRef idx="2">
+            <a:schemeClr val="dk1"/>
           </a:lnRef>
           <a:fillRef idx="1">
-            <a:schemeClr val="accent5"/>
+            <a:schemeClr val="lt1"/>
           </a:fillRef>
-          <a:effectRef idx="1">
-            <a:schemeClr val="accent5"/>
+          <a:effectRef idx="0">
+            <a:schemeClr val="dk1"/>
           </a:effectRef>
           <a:fontRef idx="minor">
-            <a:schemeClr val="lt1"/>
+            <a:schemeClr val="dk1"/>
           </a:fontRef>
         </p:style>
         <p:txBody>
-          <a:bodyPr wrap="square" lIns="91440" tIns="45720" rIns="91440" bIns="45720" vert="horz" anchor="ctr">
+          <a:bodyPr wrap="square" lIns="91440" tIns="45720" rIns="91440" bIns="45720" numCol="1" vert="horz" anchor="ctr">
             <a:noAutofit/>
           </a:bodyPr>
           <a:lstStyle/>
           <a:p>
-            <a:pPr marL="0" indent="0" algn="ctr" hangingPunct="1"/>
+            <a:pPr marL="0" indent="0" algn="ctr" latinLnBrk="0" hangingPunct="1"/>
             <a:endParaRPr lang="ko-KR" altLang="en-US" sz="1800">
               <a:latin typeface="맑은 고딕" charset="0"/>
               <a:ea typeface="맑은 고딕" charset="0"/>
@@ -22415,7 +22415,7 @@
       </p:grpSpPr>
       <p:pic>
         <p:nvPicPr>
-          <p:cNvPr id="2" name="그림 4" descr="C:/Users/sonhaewook/AppData/Roaming/PolarisOffice/ETemp/19252_14927264/fImage324920130139169.png"/>
+          <p:cNvPr id="2" name="그림 4"/>
           <p:cNvPicPr>
             <a:picLocks noChangeAspect="1"/>
           </p:cNvPicPr>
@@ -22578,7 +22578,7 @@
         <p:spPr>
           <a:xfrm rot="0">
             <a:off x="3120390" y="966470"/>
-            <a:ext cx="1362075" cy="357505"/>
+            <a:ext cx="1362710" cy="358140"/>
           </a:xfrm>
           <a:prstGeom prst="wedgeRectCallout">
             <a:avLst>
@@ -22586,28 +22586,36 @@
               <a:gd name="adj2" fmla="val 6421"/>
             </a:avLst>
           </a:prstGeom>
+          <a:ln w="12700" cap="flat" cmpd="sng">
+            <a:solidFill>
+              <a:schemeClr val="tx1">
+                <a:alpha val="100000"/>
+              </a:schemeClr>
+            </a:solidFill>
+            <a:prstDash val="solid"/>
+          </a:ln>
         </p:spPr>
         <p:style>
-          <a:lnRef idx="3">
-            <a:schemeClr val="lt1"/>
+          <a:lnRef idx="2">
+            <a:schemeClr val="dk1"/>
           </a:lnRef>
           <a:fillRef idx="1">
-            <a:schemeClr val="accent5"/>
+            <a:schemeClr val="lt1"/>
           </a:fillRef>
-          <a:effectRef idx="1">
-            <a:schemeClr val="accent5"/>
+          <a:effectRef idx="0">
+            <a:schemeClr val="dk1"/>
           </a:effectRef>
           <a:fontRef idx="minor">
-            <a:schemeClr val="lt1"/>
+            <a:schemeClr val="dk1"/>
           </a:fontRef>
         </p:style>
         <p:txBody>
-          <a:bodyPr wrap="square" lIns="91440" tIns="45720" rIns="91440" bIns="45720" vert="horz" anchor="ctr">
+          <a:bodyPr wrap="square" lIns="91440" tIns="45720" rIns="91440" bIns="45720" numCol="1" vert="horz" anchor="ctr">
             <a:noAutofit/>
           </a:bodyPr>
           <a:lstStyle/>
           <a:p>
-            <a:pPr marL="0" indent="0" algn="ctr" hangingPunct="1"/>
+            <a:pPr marL="0" indent="0" algn="ctr" latinLnBrk="0" hangingPunct="1"/>
             <a:endParaRPr lang="ko-KR" altLang="en-US" sz="1800">
               <a:latin typeface="맑은 고딕" charset="0"/>
               <a:ea typeface="맑은 고딕" charset="0"/>
@@ -22671,7 +22679,7 @@
         <p:spPr>
           <a:xfrm rot="0">
             <a:off x="7492365" y="3976370"/>
-            <a:ext cx="1362075" cy="357505"/>
+            <a:ext cx="1362710" cy="358140"/>
           </a:xfrm>
           <a:prstGeom prst="wedgeRectCallout">
             <a:avLst>
@@ -22681,26 +22689,26 @@
           </a:prstGeom>
         </p:spPr>
         <p:style>
-          <a:lnRef idx="3">
-            <a:schemeClr val="lt1"/>
+          <a:lnRef idx="2">
+            <a:schemeClr val="dk1"/>
           </a:lnRef>
           <a:fillRef idx="1">
-            <a:schemeClr val="accent5"/>
+            <a:schemeClr val="lt1"/>
           </a:fillRef>
-          <a:effectRef idx="1">
-            <a:schemeClr val="accent5"/>
+          <a:effectRef idx="0">
+            <a:schemeClr val="dk1"/>
           </a:effectRef>
           <a:fontRef idx="minor">
-            <a:schemeClr val="lt1"/>
+            <a:schemeClr val="dk1"/>
           </a:fontRef>
         </p:style>
         <p:txBody>
-          <a:bodyPr wrap="square" lIns="91440" tIns="45720" rIns="91440" bIns="45720" vert="horz" anchor="ctr">
+          <a:bodyPr wrap="square" lIns="91440" tIns="45720" rIns="91440" bIns="45720" numCol="1" vert="horz" anchor="ctr">
             <a:noAutofit/>
           </a:bodyPr>
           <a:lstStyle/>
           <a:p>
-            <a:pPr marL="0" indent="0" algn="ctr" hangingPunct="1"/>
+            <a:pPr marL="0" indent="0" algn="ctr" latinLnBrk="0" hangingPunct="1"/>
             <a:endParaRPr lang="ko-KR" altLang="en-US" sz="1800">
               <a:latin typeface="맑은 고딕" charset="0"/>
               <a:ea typeface="맑은 고딕" charset="0"/>
@@ -22795,7 +22803,7 @@
       </p:grpSpPr>
       <p:pic>
         <p:nvPicPr>
-          <p:cNvPr id="2" name="그림 25" descr="C:/Users/sonhaewook/AppData/Roaming/PolarisOffice/ETemp/19252_14927264/fImage39196130415724.png"/>
+          <p:cNvPr id="2" name="그림 25"/>
           <p:cNvPicPr>
             <a:picLocks noChangeAspect="1"/>
           </p:cNvPicPr>
@@ -22833,7 +22841,7 @@
         <p:spPr>
           <a:xfrm rot="0">
             <a:off x="2893695" y="3749040"/>
-            <a:ext cx="1362075" cy="357505"/>
+            <a:ext cx="1362710" cy="358140"/>
           </a:xfrm>
           <a:prstGeom prst="wedgeRectCallout">
             <a:avLst>
@@ -22843,26 +22851,26 @@
           </a:prstGeom>
         </p:spPr>
         <p:style>
-          <a:lnRef idx="3">
-            <a:schemeClr val="lt1"/>
+          <a:lnRef idx="2">
+            <a:schemeClr val="dk1"/>
           </a:lnRef>
           <a:fillRef idx="1">
-            <a:schemeClr val="accent5"/>
+            <a:schemeClr val="lt1"/>
           </a:fillRef>
-          <a:effectRef idx="1">
-            <a:schemeClr val="accent5"/>
+          <a:effectRef idx="0">
+            <a:schemeClr val="dk1"/>
           </a:effectRef>
           <a:fontRef idx="minor">
-            <a:schemeClr val="lt1"/>
+            <a:schemeClr val="dk1"/>
           </a:fontRef>
         </p:style>
         <p:txBody>
-          <a:bodyPr wrap="square" lIns="91440" tIns="45720" rIns="91440" bIns="45720" vert="horz" anchor="ctr">
+          <a:bodyPr wrap="square" lIns="91440" tIns="45720" rIns="91440" bIns="45720" numCol="1" vert="horz" anchor="ctr">
             <a:noAutofit/>
           </a:bodyPr>
           <a:lstStyle/>
           <a:p>
-            <a:pPr marL="0" indent="0" algn="ctr" hangingPunct="1"/>
+            <a:pPr marL="0" indent="0" algn="ctr" latinLnBrk="0" hangingPunct="1"/>
             <a:endParaRPr lang="ko-KR" altLang="en-US" sz="1800">
               <a:latin typeface="맑은 고딕" charset="0"/>
               <a:ea typeface="맑은 고딕" charset="0"/>
@@ -22926,7 +22934,7 @@
         <p:spPr>
           <a:xfrm rot="0">
             <a:off x="4918075" y="1096645"/>
-            <a:ext cx="1362075" cy="357505"/>
+            <a:ext cx="1362710" cy="358140"/>
           </a:xfrm>
           <a:prstGeom prst="wedgeRectCallout">
             <a:avLst>
@@ -22936,26 +22944,26 @@
           </a:prstGeom>
         </p:spPr>
         <p:style>
-          <a:lnRef idx="3">
-            <a:schemeClr val="lt1"/>
+          <a:lnRef idx="2">
+            <a:schemeClr val="dk1"/>
           </a:lnRef>
           <a:fillRef idx="1">
-            <a:schemeClr val="accent5"/>
+            <a:schemeClr val="lt1"/>
           </a:fillRef>
-          <a:effectRef idx="1">
-            <a:schemeClr val="accent5"/>
+          <a:effectRef idx="0">
+            <a:schemeClr val="dk1"/>
           </a:effectRef>
           <a:fontRef idx="minor">
-            <a:schemeClr val="lt1"/>
+            <a:schemeClr val="dk1"/>
           </a:fontRef>
         </p:style>
         <p:txBody>
-          <a:bodyPr wrap="square" lIns="91440" tIns="45720" rIns="91440" bIns="45720" vert="horz" anchor="ctr">
+          <a:bodyPr wrap="square" lIns="91440" tIns="45720" rIns="91440" bIns="45720" numCol="1" vert="horz" anchor="ctr">
             <a:noAutofit/>
           </a:bodyPr>
           <a:lstStyle/>
           <a:p>
-            <a:pPr marL="0" indent="0" algn="ctr" hangingPunct="1"/>
+            <a:pPr marL="0" indent="0" algn="ctr" latinLnBrk="0" hangingPunct="1"/>
             <a:endParaRPr lang="ko-KR" altLang="en-US" sz="1800">
               <a:latin typeface="맑은 고딕" charset="0"/>
               <a:ea typeface="맑은 고딕" charset="0"/>
@@ -23019,7 +23027,7 @@
         <p:spPr>
           <a:xfrm rot="0">
             <a:off x="6092190" y="4048125"/>
-            <a:ext cx="1362075" cy="357505"/>
+            <a:ext cx="1362710" cy="358140"/>
           </a:xfrm>
           <a:prstGeom prst="wedgeRectCallout">
             <a:avLst>
@@ -23029,26 +23037,26 @@
           </a:prstGeom>
         </p:spPr>
         <p:style>
-          <a:lnRef idx="3">
-            <a:schemeClr val="lt1"/>
+          <a:lnRef idx="2">
+            <a:schemeClr val="dk1"/>
           </a:lnRef>
           <a:fillRef idx="1">
-            <a:schemeClr val="accent5"/>
+            <a:schemeClr val="lt1"/>
           </a:fillRef>
-          <a:effectRef idx="1">
-            <a:schemeClr val="accent5"/>
+          <a:effectRef idx="0">
+            <a:schemeClr val="dk1"/>
           </a:effectRef>
           <a:fontRef idx="minor">
-            <a:schemeClr val="lt1"/>
+            <a:schemeClr val="dk1"/>
           </a:fontRef>
         </p:style>
         <p:txBody>
-          <a:bodyPr wrap="square" lIns="91440" tIns="45720" rIns="91440" bIns="45720" vert="horz" anchor="ctr">
+          <a:bodyPr wrap="square" lIns="91440" tIns="45720" rIns="91440" bIns="45720" numCol="1" vert="horz" anchor="ctr">
             <a:noAutofit/>
           </a:bodyPr>
           <a:lstStyle/>
           <a:p>
-            <a:pPr marL="0" indent="0" algn="ctr" hangingPunct="1"/>
+            <a:pPr marL="0" indent="0" algn="ctr" latinLnBrk="0" hangingPunct="1"/>
             <a:endParaRPr lang="ko-KR" altLang="en-US" sz="1800">
               <a:latin typeface="맑은 고딕" charset="0"/>
               <a:ea typeface="맑은 고딕" charset="0"/>
@@ -23170,7 +23178,7 @@
 </file>
 
 <file path=ppt/slides/slide5.xml><?xml version="1.0" encoding="utf-8"?>
-<p:sld xmlns:a="http://schemas.openxmlformats.org/drawingml/2006/main" xmlns:r="http://schemas.openxmlformats.org/officeDocument/2006/relationships" xmlns:p="http://schemas.openxmlformats.org/presentationml/2006/main">
+<p:sld xmlns:a="http://schemas.openxmlformats.org/drawingml/2006/main" xmlns:r="http://schemas.openxmlformats.org/officeDocument/2006/relationships" xmlns:p="http://schemas.openxmlformats.org/presentationml/2006/main" xmlns:p14="http://schemas.microsoft.com/office/powerpoint/2010/main">
   <p:cSld>
     <p:spTree>
       <p:nvGrpSpPr>
@@ -23188,7 +23196,7 @@
       </p:grpSpPr>
       <p:pic>
         <p:nvPicPr>
-          <p:cNvPr id="2" name="그림 26" descr="C:/Users/sonhaewook/AppData/Roaming/PolarisOffice/ETemp/19252_14927264/fImage27826130611478.png"/>
+          <p:cNvPr id="2" name="그림 26"/>
           <p:cNvPicPr>
             <a:picLocks noChangeAspect="1"/>
           </p:cNvPicPr>
@@ -23271,7 +23279,7 @@
         <p:spPr>
           <a:xfrm rot="0">
             <a:off x="5527675" y="2809240"/>
-            <a:ext cx="1464945" cy="357505"/>
+            <a:ext cx="1465580" cy="358140"/>
           </a:xfrm>
           <a:prstGeom prst="wedgeRectCallout">
             <a:avLst>
@@ -23281,26 +23289,26 @@
           </a:prstGeom>
         </p:spPr>
         <p:style>
-          <a:lnRef idx="3">
-            <a:schemeClr val="lt1"/>
+          <a:lnRef idx="2">
+            <a:schemeClr val="dk1"/>
           </a:lnRef>
           <a:fillRef idx="1">
-            <a:schemeClr val="accent5"/>
+            <a:schemeClr val="lt1"/>
           </a:fillRef>
-          <a:effectRef idx="1">
-            <a:schemeClr val="accent5"/>
+          <a:effectRef idx="0">
+            <a:schemeClr val="dk1"/>
           </a:effectRef>
           <a:fontRef idx="minor">
-            <a:schemeClr val="lt1"/>
+            <a:schemeClr val="dk1"/>
           </a:fontRef>
         </p:style>
         <p:txBody>
-          <a:bodyPr wrap="square" lIns="91440" tIns="45720" rIns="91440" bIns="45720" vert="horz" anchor="ctr">
+          <a:bodyPr wrap="square" lIns="91440" tIns="45720" rIns="91440" bIns="45720" numCol="1" vert="horz" anchor="ctr">
             <a:noAutofit/>
           </a:bodyPr>
           <a:lstStyle/>
           <a:p>
-            <a:pPr marL="0" indent="0" algn="ctr" hangingPunct="1"/>
+            <a:pPr marL="0" indent="0" algn="ctr" latinLnBrk="0" hangingPunct="1"/>
             <a:endParaRPr lang="ko-KR" altLang="en-US" sz="1800">
               <a:latin typeface="맑은 고딕" charset="0"/>
               <a:ea typeface="맑은 고딕" charset="0"/>
@@ -23377,7 +23385,7 @@
 </file>
 
 <file path=ppt/slides/slide6.xml><?xml version="1.0" encoding="utf-8"?>
-<p:sld xmlns:a="http://schemas.openxmlformats.org/drawingml/2006/main" xmlns:r="http://schemas.openxmlformats.org/officeDocument/2006/relationships" xmlns:p="http://schemas.openxmlformats.org/presentationml/2006/main">
+<p:sld xmlns:a="http://schemas.openxmlformats.org/drawingml/2006/main" xmlns:r="http://schemas.openxmlformats.org/officeDocument/2006/relationships" xmlns:p="http://schemas.openxmlformats.org/presentationml/2006/main" xmlns:p14="http://schemas.microsoft.com/office/powerpoint/2010/main">
   <p:cSld>
     <p:spTree>
       <p:nvGrpSpPr>
@@ -23395,7 +23403,7 @@
       </p:grpSpPr>
       <p:pic>
         <p:nvPicPr>
-          <p:cNvPr id="2" name="그림 27" descr="C:/Users/sonhaewook/AppData/Roaming/PolarisOffice/ETemp/19252_14927264/fImage38575130629358.png"/>
+          <p:cNvPr id="2" name="그림 27"/>
           <p:cNvPicPr>
             <a:picLocks noChangeAspect="1"/>
           </p:cNvPicPr>
@@ -23478,7 +23486,7 @@
         <p:spPr>
           <a:xfrm rot="0">
             <a:off x="2420620" y="1447165"/>
-            <a:ext cx="1464945" cy="357505"/>
+            <a:ext cx="1465580" cy="358140"/>
           </a:xfrm>
           <a:prstGeom prst="wedgeRectCallout">
             <a:avLst>
@@ -23488,26 +23496,26 @@
           </a:prstGeom>
         </p:spPr>
         <p:style>
-          <a:lnRef idx="3">
-            <a:schemeClr val="lt1"/>
+          <a:lnRef idx="2">
+            <a:schemeClr val="dk1"/>
           </a:lnRef>
           <a:fillRef idx="1">
-            <a:schemeClr val="accent5"/>
+            <a:schemeClr val="lt1"/>
           </a:fillRef>
-          <a:effectRef idx="1">
-            <a:schemeClr val="accent5"/>
+          <a:effectRef idx="0">
+            <a:schemeClr val="dk1"/>
           </a:effectRef>
           <a:fontRef idx="minor">
-            <a:schemeClr val="lt1"/>
+            <a:schemeClr val="dk1"/>
           </a:fontRef>
         </p:style>
         <p:txBody>
-          <a:bodyPr wrap="square" lIns="91440" tIns="45720" rIns="91440" bIns="45720" vert="horz" anchor="ctr">
+          <a:bodyPr wrap="square" lIns="91440" tIns="45720" rIns="91440" bIns="45720" numCol="1" vert="horz" anchor="ctr">
             <a:noAutofit/>
           </a:bodyPr>
           <a:lstStyle/>
           <a:p>
-            <a:pPr marL="0" indent="0" algn="ctr" hangingPunct="1"/>
+            <a:pPr marL="0" indent="0" algn="ctr" latinLnBrk="0" hangingPunct="1"/>
             <a:endParaRPr lang="ko-KR" altLang="en-US" sz="1800">
               <a:latin typeface="맑은 고딕" charset="0"/>
               <a:ea typeface="맑은 고딕" charset="0"/>
@@ -23584,7 +23592,7 @@
 </file>
 
 <file path=ppt/slides/slide7.xml><?xml version="1.0" encoding="utf-8"?>
-<p:sld xmlns:a="http://schemas.openxmlformats.org/drawingml/2006/main" xmlns:r="http://schemas.openxmlformats.org/officeDocument/2006/relationships" xmlns:p="http://schemas.openxmlformats.org/presentationml/2006/main">
+<p:sld xmlns:a="http://schemas.openxmlformats.org/drawingml/2006/main" xmlns:r="http://schemas.openxmlformats.org/officeDocument/2006/relationships" xmlns:p="http://schemas.openxmlformats.org/presentationml/2006/main" xmlns:p14="http://schemas.microsoft.com/office/powerpoint/2010/main">
   <p:cSld>
     <p:spTree>
       <p:nvGrpSpPr>
@@ -23602,7 +23610,7 @@
       </p:grpSpPr>
       <p:pic>
         <p:nvPicPr>
-          <p:cNvPr id="4" name="그림 43" descr="C:/Users/sonhaewook/AppData/Roaming/PolarisOffice/ETemp/19252_14927264/fImage26934130904464.png"/>
+          <p:cNvPr id="4" name="그림 43"/>
           <p:cNvPicPr>
             <a:picLocks noChangeAspect="1"/>
           </p:cNvPicPr>
@@ -23685,7 +23693,7 @@
         <p:spPr>
           <a:xfrm rot="0">
             <a:off x="6286500" y="2893695"/>
-            <a:ext cx="1464945" cy="357505"/>
+            <a:ext cx="1465580" cy="358140"/>
           </a:xfrm>
           <a:prstGeom prst="wedgeRectCallout">
             <a:avLst>
@@ -23695,26 +23703,26 @@
           </a:prstGeom>
         </p:spPr>
         <p:style>
-          <a:lnRef idx="3">
-            <a:schemeClr val="lt1"/>
+          <a:lnRef idx="2">
+            <a:schemeClr val="dk1"/>
           </a:lnRef>
           <a:fillRef idx="1">
-            <a:schemeClr val="accent5"/>
+            <a:schemeClr val="lt1"/>
           </a:fillRef>
-          <a:effectRef idx="1">
-            <a:schemeClr val="accent5"/>
+          <a:effectRef idx="0">
+            <a:schemeClr val="dk1"/>
           </a:effectRef>
           <a:fontRef idx="minor">
-            <a:schemeClr val="lt1"/>
+            <a:schemeClr val="dk1"/>
           </a:fontRef>
         </p:style>
         <p:txBody>
-          <a:bodyPr wrap="square" lIns="91440" tIns="45720" rIns="91440" bIns="45720" vert="horz" anchor="ctr">
+          <a:bodyPr wrap="square" lIns="91440" tIns="45720" rIns="91440" bIns="45720" numCol="1" vert="horz" anchor="ctr">
             <a:noAutofit/>
           </a:bodyPr>
           <a:lstStyle/>
           <a:p>
-            <a:pPr marL="0" indent="0" algn="ctr" hangingPunct="1"/>
+            <a:pPr marL="0" indent="0" algn="ctr" latinLnBrk="0" hangingPunct="1"/>
             <a:endParaRPr lang="ko-KR" altLang="en-US" sz="1800">
               <a:latin typeface="맑은 고딕" charset="0"/>
               <a:ea typeface="맑은 고딕" charset="0"/>
@@ -23791,7 +23799,7 @@
 </file>
 
 <file path=ppt/slides/slide8.xml><?xml version="1.0" encoding="utf-8"?>
-<p:sld xmlns:a="http://schemas.openxmlformats.org/drawingml/2006/main" xmlns:r="http://schemas.openxmlformats.org/officeDocument/2006/relationships" xmlns:p="http://schemas.openxmlformats.org/presentationml/2006/main">
+<p:sld xmlns:a="http://schemas.openxmlformats.org/drawingml/2006/main" xmlns:r="http://schemas.openxmlformats.org/officeDocument/2006/relationships" xmlns:p="http://schemas.openxmlformats.org/presentationml/2006/main" xmlns:p14="http://schemas.microsoft.com/office/powerpoint/2010/main">
   <p:cSld>
     <p:spTree>
       <p:nvGrpSpPr>
@@ -23902,7 +23910,7 @@
       </p:sp>
       <p:pic>
         <p:nvPicPr>
-          <p:cNvPr id="8" name="그림 48" descr="C:/Users/sonhaewook/AppData/Roaming/PolarisOffice/ETemp/19252_14927264/fImage30437131075705.png"/>
+          <p:cNvPr id="8" name="그림 48"/>
           <p:cNvPicPr>
             <a:picLocks noChangeAspect="1"/>
           </p:cNvPicPr>
@@ -23985,7 +23993,7 @@
         <p:spPr>
           <a:xfrm rot="0">
             <a:off x="3089275" y="920750"/>
-            <a:ext cx="2502535" cy="363855"/>
+            <a:ext cx="2503170" cy="364490"/>
           </a:xfrm>
           <a:prstGeom prst="wedgeRectCallout">
             <a:avLst>
@@ -23995,26 +24003,26 @@
           </a:prstGeom>
         </p:spPr>
         <p:style>
-          <a:lnRef idx="3">
-            <a:schemeClr val="lt1"/>
+          <a:lnRef idx="2">
+            <a:schemeClr val="dk1"/>
           </a:lnRef>
           <a:fillRef idx="1">
-            <a:schemeClr val="accent5"/>
+            <a:schemeClr val="lt1"/>
           </a:fillRef>
-          <a:effectRef idx="1">
-            <a:schemeClr val="accent5"/>
+          <a:effectRef idx="0">
+            <a:schemeClr val="dk1"/>
           </a:effectRef>
           <a:fontRef idx="minor">
-            <a:schemeClr val="lt1"/>
+            <a:schemeClr val="dk1"/>
           </a:fontRef>
         </p:style>
         <p:txBody>
-          <a:bodyPr wrap="square" lIns="91440" tIns="45720" rIns="91440" bIns="45720" vert="horz" anchor="ctr">
+          <a:bodyPr wrap="square" lIns="91440" tIns="45720" rIns="91440" bIns="45720" numCol="1" vert="horz" anchor="ctr">
             <a:noAutofit/>
           </a:bodyPr>
           <a:lstStyle/>
           <a:p>
-            <a:pPr marL="0" indent="0" algn="ctr" hangingPunct="1"/>
+            <a:pPr marL="0" indent="0" algn="ctr" latinLnBrk="0" hangingPunct="1"/>
             <a:endParaRPr lang="ko-KR" altLang="en-US" sz="1800">
               <a:latin typeface="맑은 고딕" charset="0"/>
               <a:ea typeface="맑은 고딕" charset="0"/>
@@ -24078,7 +24086,7 @@
         <p:spPr>
           <a:xfrm rot="0">
             <a:off x="80010" y="2386965"/>
-            <a:ext cx="1302385" cy="363855"/>
+            <a:ext cx="1303020" cy="364490"/>
           </a:xfrm>
           <a:prstGeom prst="wedgeRectCallout">
             <a:avLst>
@@ -24088,26 +24096,26 @@
           </a:prstGeom>
         </p:spPr>
         <p:style>
-          <a:lnRef idx="3">
-            <a:schemeClr val="lt1"/>
+          <a:lnRef idx="2">
+            <a:schemeClr val="dk1"/>
           </a:lnRef>
           <a:fillRef idx="1">
-            <a:schemeClr val="accent5"/>
+            <a:schemeClr val="lt1"/>
           </a:fillRef>
-          <a:effectRef idx="1">
-            <a:schemeClr val="accent5"/>
+          <a:effectRef idx="0">
+            <a:schemeClr val="dk1"/>
           </a:effectRef>
           <a:fontRef idx="minor">
-            <a:schemeClr val="lt1"/>
+            <a:schemeClr val="dk1"/>
           </a:fontRef>
         </p:style>
         <p:txBody>
-          <a:bodyPr wrap="square" lIns="91440" tIns="45720" rIns="91440" bIns="45720" vert="horz" anchor="ctr">
+          <a:bodyPr wrap="square" lIns="91440" tIns="45720" rIns="91440" bIns="45720" numCol="1" vert="horz" anchor="ctr">
             <a:noAutofit/>
           </a:bodyPr>
           <a:lstStyle/>
           <a:p>
-            <a:pPr marL="0" indent="0" algn="ctr" hangingPunct="1"/>
+            <a:pPr marL="0" indent="0" algn="ctr" latinLnBrk="0" hangingPunct="1"/>
             <a:endParaRPr lang="ko-KR" altLang="en-US" sz="1800">
               <a:latin typeface="맑은 고딕" charset="0"/>
               <a:ea typeface="맑은 고딕" charset="0"/>
@@ -24184,7 +24192,7 @@
 </file>
 
 <file path=ppt/slides/slide9.xml><?xml version="1.0" encoding="utf-8"?>
-<p:sld xmlns:a="http://schemas.openxmlformats.org/drawingml/2006/main" xmlns:r="http://schemas.openxmlformats.org/officeDocument/2006/relationships" xmlns:p="http://schemas.openxmlformats.org/presentationml/2006/main">
+<p:sld xmlns:a="http://schemas.openxmlformats.org/drawingml/2006/main" xmlns:r="http://schemas.openxmlformats.org/officeDocument/2006/relationships" xmlns:p="http://schemas.openxmlformats.org/presentationml/2006/main" xmlns:p14="http://schemas.microsoft.com/office/powerpoint/2010/main">
   <p:cSld>
     <p:spTree>
       <p:nvGrpSpPr>
@@ -24202,7 +24210,7 @@
       </p:grpSpPr>
       <p:pic>
         <p:nvPicPr>
-          <p:cNvPr id="10" name="그림 54" descr="C:/Users/sonhaewook/AppData/Roaming/PolarisOffice/ETemp/19252_14927264/fImage29605131238145.png"/>
+          <p:cNvPr id="10" name="그림 54"/>
           <p:cNvPicPr>
             <a:picLocks noChangeAspect="1"/>
           </p:cNvPicPr>
@@ -24285,7 +24293,7 @@
         <p:spPr>
           <a:xfrm rot="0">
             <a:off x="125730" y="2082165"/>
-            <a:ext cx="1302385" cy="363855"/>
+            <a:ext cx="1303020" cy="364490"/>
           </a:xfrm>
           <a:prstGeom prst="wedgeRectCallout">
             <a:avLst>
@@ -24295,26 +24303,26 @@
           </a:prstGeom>
         </p:spPr>
         <p:style>
-          <a:lnRef idx="3">
-            <a:schemeClr val="lt1"/>
+          <a:lnRef idx="2">
+            <a:schemeClr val="dk1"/>
           </a:lnRef>
           <a:fillRef idx="1">
-            <a:schemeClr val="accent5"/>
+            <a:schemeClr val="lt1"/>
           </a:fillRef>
-          <a:effectRef idx="1">
-            <a:schemeClr val="accent5"/>
+          <a:effectRef idx="0">
+            <a:schemeClr val="dk1"/>
           </a:effectRef>
           <a:fontRef idx="minor">
-            <a:schemeClr val="lt1"/>
+            <a:schemeClr val="dk1"/>
           </a:fontRef>
         </p:style>
         <p:txBody>
-          <a:bodyPr wrap="square" lIns="91440" tIns="45720" rIns="91440" bIns="45720" vert="horz" anchor="ctr">
+          <a:bodyPr wrap="square" lIns="91440" tIns="45720" rIns="91440" bIns="45720" numCol="1" vert="horz" anchor="ctr">
             <a:noAutofit/>
           </a:bodyPr>
           <a:lstStyle/>
           <a:p>
-            <a:pPr marL="0" indent="0" algn="ctr" hangingPunct="1"/>
+            <a:pPr marL="0" indent="0" algn="ctr" latinLnBrk="0" hangingPunct="1"/>
             <a:endParaRPr lang="ko-KR" altLang="en-US" sz="1800">
               <a:latin typeface="맑은 고딕" charset="0"/>
               <a:ea typeface="맑은 고딕" charset="0"/>
@@ -24378,7 +24386,7 @@
         <p:spPr>
           <a:xfrm rot="0">
             <a:off x="5568315" y="3917950"/>
-            <a:ext cx="1302385" cy="363855"/>
+            <a:ext cx="1303020" cy="364490"/>
           </a:xfrm>
           <a:prstGeom prst="wedgeRectCallout">
             <a:avLst>
@@ -24388,26 +24396,26 @@
           </a:prstGeom>
         </p:spPr>
         <p:style>
-          <a:lnRef idx="3">
-            <a:schemeClr val="lt1"/>
+          <a:lnRef idx="2">
+            <a:schemeClr val="dk1"/>
           </a:lnRef>
           <a:fillRef idx="1">
-            <a:schemeClr val="accent5"/>
+            <a:schemeClr val="lt1"/>
           </a:fillRef>
-          <a:effectRef idx="1">
-            <a:schemeClr val="accent5"/>
+          <a:effectRef idx="0">
+            <a:schemeClr val="dk1"/>
           </a:effectRef>
           <a:fontRef idx="minor">
-            <a:schemeClr val="lt1"/>
+            <a:schemeClr val="dk1"/>
           </a:fontRef>
         </p:style>
         <p:txBody>
-          <a:bodyPr wrap="square" lIns="91440" tIns="45720" rIns="91440" bIns="45720" vert="horz" anchor="ctr">
+          <a:bodyPr wrap="square" lIns="91440" tIns="45720" rIns="91440" bIns="45720" numCol="1" vert="horz" anchor="ctr">
             <a:noAutofit/>
           </a:bodyPr>
           <a:lstStyle/>
           <a:p>
-            <a:pPr marL="0" indent="0" algn="ctr" hangingPunct="1"/>
+            <a:pPr marL="0" indent="0" algn="ctr" latinLnBrk="0" hangingPunct="1"/>
             <a:endParaRPr lang="ko-KR" altLang="en-US" sz="1800">
               <a:latin typeface="맑은 고딕" charset="0"/>
               <a:ea typeface="맑은 고딕" charset="0"/>
@@ -24483,50 +24491,50 @@
 </p:sld>
 </file>
 
-<file path=ppt/theme/theme2.xml><?xml version="1.0" encoding="utf-8"?>
-<a:theme xmlns:a="http://schemas.openxmlformats.org/drawingml/2006/main" xmlns:r="http://schemas.openxmlformats.org/officeDocument/2006/relationships" name="Minimalist Hepatitis Clinical Case by Slidesgo">
+<file path=ppt/theme/theme1.xml><?xml version="1.0" encoding="utf-8"?>
+<a:theme xmlns:a="http://schemas.openxmlformats.org/drawingml/2006/main" name="Office theme">
   <a:themeElements>
-    <a:clrScheme name="Simple Light">
+    <a:clrScheme name="Office">
       <a:dk1>
-        <a:srgbClr val="000000"/>
+        <a:sysClr val="windowText" lastClr="000000"/>
       </a:dk1>
       <a:lt1>
-        <a:srgbClr val="FFFFFF"/>
+        <a:sysClr val="window" lastClr="FFFFFF"/>
       </a:lt1>
       <a:dk2>
-        <a:srgbClr val="06688E"/>
+        <a:srgbClr val="44546A"/>
       </a:dk2>
       <a:lt2>
-        <a:srgbClr val="FFFFFF"/>
+        <a:srgbClr val="E7E6E6"/>
       </a:lt2>
       <a:accent1>
-        <a:srgbClr val="FFFFFF"/>
+        <a:srgbClr val="5B9BD5"/>
       </a:accent1>
       <a:accent2>
-        <a:srgbClr val="FFFFFF"/>
+        <a:srgbClr val="ED7D31"/>
       </a:accent2>
       <a:accent3>
-        <a:srgbClr val="FFFFFF"/>
+        <a:srgbClr val="A5A5A5"/>
       </a:accent3>
       <a:accent4>
-        <a:srgbClr val="FFFFFF"/>
+        <a:srgbClr val="FFC000"/>
       </a:accent4>
       <a:accent5>
-        <a:srgbClr val="FFFFFF"/>
+        <a:srgbClr val="4472C4"/>
       </a:accent5>
       <a:accent6>
-        <a:srgbClr val="FFFFFF"/>
+        <a:srgbClr val="70AD47"/>
       </a:accent6>
       <a:hlink>
-        <a:srgbClr val="000000"/>
+        <a:srgbClr val="0563C1"/>
       </a:hlink>
       <a:folHlink>
-        <a:srgbClr val="0097A7"/>
+        <a:srgbClr val="954F72"/>
       </a:folHlink>
     </a:clrScheme>
     <a:fontScheme name="Office">
       <a:majorFont>
-        <a:latin typeface="Arial"/>
+        <a:latin typeface="맑은 고딕" panose="020F0302020204030204"/>
         <a:ea typeface=""/>
         <a:cs typeface=""/>
         <a:font script="Jpan" typeface="ＭＳ Ｐゴシック"/>
@@ -24561,7 +24569,7 @@
         <a:font script="Geor" typeface="Sylfaen"/>
       </a:majorFont>
       <a:minorFont>
-        <a:latin typeface="Arial"/>
+        <a:latin typeface="맑은 고딕" panose="020F0502020204030204"/>
         <a:ea typeface=""/>
         <a:cs typeface=""/>
         <a:font script="Jpan" typeface="ＭＳ Ｐゴシック"/>
@@ -24605,160 +24613,142 @@
           <a:gsLst>
             <a:gs pos="0">
               <a:schemeClr val="phClr">
-                <a:tint val="50000"/>
-                <a:satMod val="300000"/>
+                <a:lumMod val="110000"/>
+                <a:satMod val="105000"/>
+                <a:tint val="67000"/>
               </a:schemeClr>
             </a:gs>
-            <a:gs pos="35000">
+            <a:gs pos="50000">
               <a:schemeClr val="phClr">
-                <a:tint val="37000"/>
-                <a:satMod val="300000"/>
+                <a:lumMod val="105000"/>
+                <a:satMod val="103000"/>
+                <a:tint val="73000"/>
               </a:schemeClr>
             </a:gs>
             <a:gs pos="100000">
               <a:schemeClr val="phClr">
-                <a:tint val="15000"/>
-                <a:satMod val="350000"/>
+                <a:lumMod val="105000"/>
+                <a:satMod val="109000"/>
+                <a:tint val="81000"/>
               </a:schemeClr>
             </a:gs>
           </a:gsLst>
-          <a:lin ang="16200000" scaled="1"/>
+          <a:lin ang="5400000" scaled="0"/>
         </a:gradFill>
         <a:gradFill rotWithShape="1">
           <a:gsLst>
             <a:gs pos="0">
               <a:schemeClr val="phClr">
-                <a:tint val="100000"/>
+                <a:satMod val="103000"/>
+                <a:lumMod val="102000"/>
+                <a:tint val="94000"/>
+              </a:schemeClr>
+            </a:gs>
+            <a:gs pos="50000">
+              <a:schemeClr val="phClr">
+                <a:satMod val="110000"/>
+                <a:lumMod val="100000"/>
                 <a:shade val="100000"/>
-                <a:satMod val="130000"/>
               </a:schemeClr>
             </a:gs>
             <a:gs pos="100000">
               <a:schemeClr val="phClr">
-                <a:tint val="50000"/>
-                <a:shade val="100000"/>
-                <a:satMod val="350000"/>
+                <a:lumMod val="99000"/>
+                <a:satMod val="120000"/>
+                <a:shade val="78000"/>
               </a:schemeClr>
             </a:gs>
           </a:gsLst>
-          <a:lin ang="16200000" scaled="0"/>
+          <a:lin ang="5400000" scaled="0"/>
         </a:gradFill>
       </a:fillStyleLst>
       <a:lnStyleLst>
-        <a:ln w="9525" cap="flat" cmpd="sng" algn="ctr">
-          <a:solidFill>
-            <a:schemeClr val="phClr">
-              <a:shade val="95000"/>
-              <a:satMod val="105000"/>
-            </a:schemeClr>
-          </a:solidFill>
-          <a:prstDash val="solid"/>
-        </a:ln>
-        <a:ln w="25400" cap="flat" cmpd="sng" algn="ctr">
+        <a:ln w="6350" cap="flat" cmpd="sng" algn="ctr">
           <a:solidFill>
             <a:schemeClr val="phClr"/>
           </a:solidFill>
           <a:prstDash val="solid"/>
+          <a:miter lim="800000"/>
         </a:ln>
-        <a:ln w="38100" cap="flat" cmpd="sng" algn="ctr">
+        <a:ln w="12700" cap="flat" cmpd="sng" algn="ctr">
           <a:solidFill>
             <a:schemeClr val="phClr"/>
           </a:solidFill>
           <a:prstDash val="solid"/>
+          <a:miter lim="800000"/>
+        </a:ln>
+        <a:ln w="19050" cap="flat" cmpd="sng" algn="ctr">
+          <a:solidFill>
+            <a:schemeClr val="phClr"/>
+          </a:solidFill>
+          <a:prstDash val="solid"/>
+          <a:miter lim="800000"/>
         </a:ln>
       </a:lnStyleLst>
       <a:effectStyleLst>
         <a:effectStyle>
+          <a:effectLst/>
+        </a:effectStyle>
+        <a:effectStyle>
+          <a:effectLst/>
+        </a:effectStyle>
+        <a:effectStyle>
           <a:effectLst>
-            <a:outerShdw blurRad="40000" dist="20000" dir="5400000" rotWithShape="0">
+            <a:outerShdw blurRad="57150" dist="19050" dir="5400000" algn="ctr" rotWithShape="0">
               <a:srgbClr val="000000">
-                <a:alpha val="38000"/>
+                <a:alpha val="63000"/>
               </a:srgbClr>
             </a:outerShdw>
           </a:effectLst>
-        </a:effectStyle>
-        <a:effectStyle>
-          <a:effectLst>
-            <a:outerShdw blurRad="40000" dist="23000" dir="5400000" rotWithShape="0">
-              <a:srgbClr val="000000">
-                <a:alpha val="35000"/>
-              </a:srgbClr>
-            </a:outerShdw>
-          </a:effectLst>
-        </a:effectStyle>
-        <a:effectStyle>
-          <a:effectLst>
-            <a:outerShdw blurRad="40000" dist="23000" dir="5400000" rotWithShape="0">
-              <a:srgbClr val="000000">
-                <a:alpha val="35000"/>
-              </a:srgbClr>
-            </a:outerShdw>
-          </a:effectLst>
-          <a:scene3d>
-            <a:camera prst="orthographicFront">
-              <a:rot lat="0" lon="0" rev="0"/>
-            </a:camera>
-            <a:lightRig rig="threePt" dir="t">
-              <a:rot lat="0" lon="0" rev="1200000"/>
-            </a:lightRig>
-          </a:scene3d>
-          <a:sp3d>
-            <a:bevelT w="63500" h="25400"/>
-          </a:sp3d>
         </a:effectStyle>
       </a:effectStyleLst>
       <a:bgFillStyleLst>
         <a:solidFill>
           <a:schemeClr val="phClr"/>
         </a:solidFill>
+        <a:solidFill>
+          <a:schemeClr val="phClr">
+            <a:tint val="95000"/>
+            <a:satMod val="170000"/>
+          </a:schemeClr>
+        </a:solidFill>
         <a:gradFill rotWithShape="1">
           <a:gsLst>
             <a:gs pos="0">
               <a:schemeClr val="phClr">
-                <a:tint val="40000"/>
-                <a:satMod val="350000"/>
+                <a:tint val="93000"/>
+                <a:satMod val="150000"/>
+                <a:shade val="98000"/>
+                <a:lumMod val="102000"/>
               </a:schemeClr>
             </a:gs>
-            <a:gs pos="40000">
+            <a:gs pos="50000">
               <a:schemeClr val="phClr">
-                <a:tint val="45000"/>
-                <a:shade val="99000"/>
-                <a:satMod val="350000"/>
+                <a:tint val="98000"/>
+                <a:satMod val="130000"/>
+                <a:shade val="90000"/>
+                <a:lumMod val="103000"/>
               </a:schemeClr>
             </a:gs>
             <a:gs pos="100000">
               <a:schemeClr val="phClr">
-                <a:shade val="20000"/>
-                <a:satMod val="255000"/>
+                <a:shade val="63000"/>
+                <a:satMod val="120000"/>
               </a:schemeClr>
             </a:gs>
           </a:gsLst>
-          <a:path path="circle">
-            <a:fillToRect l="50000" t="-80000" r="50000" b="180000"/>
-          </a:path>
-        </a:gradFill>
-        <a:gradFill rotWithShape="1">
-          <a:gsLst>
-            <a:gs pos="0">
-              <a:schemeClr val="phClr">
-                <a:tint val="80000"/>
-                <a:satMod val="300000"/>
-              </a:schemeClr>
-            </a:gs>
-            <a:gs pos="100000">
-              <a:schemeClr val="phClr">
-                <a:shade val="30000"/>
-                <a:satMod val="200000"/>
-              </a:schemeClr>
-            </a:gs>
-          </a:gsLst>
-          <a:path path="circle">
-            <a:fillToRect l="50000" t="50000" r="50000" b="50000"/>
-          </a:path>
+          <a:lin ang="5400000" scaled="0"/>
         </a:gradFill>
       </a:bgFillStyleLst>
     </a:fmtScheme>
   </a:themeElements>
+  <a:objectDefaults/>
+  <a:extraClrSchemeLst/>
+  <a:extLst>
+    <a:ext uri="{05A4C25C-085E-4340-85A3-A5531E510DB2}">
+      <thm15:themeFamily xmlns:thm15="http://schemas.microsoft.com/office/thememl/2012/main" name="Office Theme" id="{62F939B6-93AF-4DB8-9C6B-D6C7DFDC589F}" vid="{4A3C46E8-61CC-4603-A589-7422A47A8E4A}"/>
+    </a:ext>
+  </a:extLst>
 </a:theme>
 </file>
 

--- a/demo/스마트 휴먼케어.pptx
+++ b/demo/스마트 휴먼케어.pptx
@@ -2,8 +2,8 @@
 <file path=ppt/presentation.xml><?xml version="1.0" encoding="utf-8"?>
 <p:presentation xmlns:a="http://schemas.openxmlformats.org/drawingml/2006/main" xmlns:r="http://schemas.openxmlformats.org/officeDocument/2006/relationships" xmlns:mc="http://schemas.openxmlformats.org/markup-compatibility/2006" xmlns:mv="urn:schemas-microsoft-com:mac:vml" xmlns:p="http://schemas.openxmlformats.org/presentationml/2006/main" xmlns:c="http://schemas.openxmlformats.org/drawingml/2006/chart" xmlns:dgm="http://schemas.openxmlformats.org/drawingml/2006/diagram" xmlns:o="urn:schemas-microsoft-com:office:office" xmlns:v="urn:schemas-microsoft-com:vml" xmlns:pvml="urn:schemas-microsoft-com:office:powerpoint" xmlns:com="http://schemas.openxmlformats.org/drawingml/2006/compatibility" xmlns:p14="http://schemas.microsoft.com/office/powerpoint/2010/main" xmlns:p15="http://schemas.microsoft.com/office/powerpoint/2012/main" xmlns:ahyp="http://schemas.microsoft.com/office/drawing/2018/hyperlinkcolor" autoCompressPictures="0" embedTrueTypeFonts="1" strictFirstAndLastChars="0" saveSubsetFonts="1">
   <p:sldMasterIdLst>
-    <p:sldMasterId id="2147483825" r:id="rId49"/>
-    <p:sldMasterId id="2147483826" r:id="rId50"/>
+    <p:sldMasterId id="2147483827" r:id="rId49"/>
+    <p:sldMasterId id="2147483828" r:id="rId51"/>
   </p:sldMasterIdLst>
   <p:notesMasterIdLst>
     <p:notesMasterId r:id="rId52"/>
@@ -13,12 +13,12 @@
     <p:sldId id="264" r:id="rId55"/>
     <p:sldId id="258" r:id="rId57"/>
     <p:sldId id="259" r:id="rId58"/>
-    <p:sldId id="306" r:id="rId59"/>
-    <p:sldId id="307" r:id="rId60"/>
-    <p:sldId id="309" r:id="rId61"/>
-    <p:sldId id="310" r:id="rId62"/>
-    <p:sldId id="311" r:id="rId63"/>
-    <p:sldId id="312" r:id="rId64"/>
+    <p:sldId id="306" r:id="rId60"/>
+    <p:sldId id="307" r:id="rId62"/>
+    <p:sldId id="309" r:id="rId64"/>
+    <p:sldId id="310" r:id="rId66"/>
+    <p:sldId id="311" r:id="rId68"/>
+    <p:sldId id="312" r:id="rId70"/>
   </p:sldIdLst>
   <p:sldSz cx="9144000" cy="5143500"/>
   <p:notesSz cx="6858000" cy="9144000"/>
@@ -22494,31 +22494,31 @@
         <p:spPr>
           <a:xfrm rot="0">
             <a:off x="1199515" y="518795"/>
-            <a:ext cx="1661795" cy="448310"/>
+            <a:ext cx="1662430" cy="448945"/>
           </a:xfrm>
           <a:prstGeom prst="rect"/>
         </p:spPr>
         <p:style>
-          <a:lnRef idx="3">
-            <a:schemeClr val="lt1"/>
+          <a:lnRef idx="2">
+            <a:schemeClr val="dk1"/>
           </a:lnRef>
           <a:fillRef idx="1">
-            <a:schemeClr val="accent3"/>
+            <a:schemeClr val="lt1"/>
           </a:fillRef>
-          <a:effectRef idx="1">
-            <a:schemeClr val="accent3"/>
+          <a:effectRef idx="0">
+            <a:schemeClr val="dk1"/>
           </a:effectRef>
           <a:fontRef idx="minor">
-            <a:schemeClr val="lt1"/>
+            <a:schemeClr val="dk1"/>
           </a:fontRef>
         </p:style>
         <p:txBody>
-          <a:bodyPr wrap="square" lIns="91440" tIns="45720" rIns="91440" bIns="45720" vert="horz" anchor="ctr">
+          <a:bodyPr wrap="square" lIns="91440" tIns="45720" rIns="91440" bIns="45720" numCol="1" vert="horz" anchor="ctr">
             <a:noAutofit/>
           </a:bodyPr>
           <a:lstStyle/>
           <a:p>
-            <a:pPr marL="0" indent="0" algn="ctr" hangingPunct="1"/>
+            <a:pPr marL="0" indent="0" algn="ctr" latinLnBrk="0" hangingPunct="1"/>
             <a:endParaRPr lang="ko-KR" altLang="en-US" sz="1800">
               <a:latin typeface="맑은 고딕" charset="0"/>
               <a:ea typeface="맑은 고딕" charset="0"/>
@@ -24492,6 +24492,267 @@
 </file>
 
 <file path=ppt/theme/theme1.xml><?xml version="1.0" encoding="utf-8"?>
+<a:theme xmlns:a="http://schemas.openxmlformats.org/drawingml/2006/main" name="Office theme">
+  <a:themeElements>
+    <a:clrScheme name="Office">
+      <a:dk1>
+        <a:sysClr val="windowText" lastClr="000000"/>
+      </a:dk1>
+      <a:lt1>
+        <a:sysClr val="window" lastClr="FFFFFF"/>
+      </a:lt1>
+      <a:dk2>
+        <a:srgbClr val="44546A"/>
+      </a:dk2>
+      <a:lt2>
+        <a:srgbClr val="E7E6E6"/>
+      </a:lt2>
+      <a:accent1>
+        <a:srgbClr val="5B9BD5"/>
+      </a:accent1>
+      <a:accent2>
+        <a:srgbClr val="ED7D31"/>
+      </a:accent2>
+      <a:accent3>
+        <a:srgbClr val="A5A5A5"/>
+      </a:accent3>
+      <a:accent4>
+        <a:srgbClr val="FFC000"/>
+      </a:accent4>
+      <a:accent5>
+        <a:srgbClr val="4472C4"/>
+      </a:accent5>
+      <a:accent6>
+        <a:srgbClr val="70AD47"/>
+      </a:accent6>
+      <a:hlink>
+        <a:srgbClr val="0563C1"/>
+      </a:hlink>
+      <a:folHlink>
+        <a:srgbClr val="954F72"/>
+      </a:folHlink>
+    </a:clrScheme>
+    <a:fontScheme name="Office">
+      <a:majorFont>
+        <a:latin typeface="맑은 고딕" panose="020F0302020204030204"/>
+        <a:ea typeface=""/>
+        <a:cs typeface=""/>
+        <a:font script="Jpan" typeface="ＭＳ Ｐゴシック"/>
+        <a:font script="Hang" typeface="맑은 고딕"/>
+        <a:font script="Hans" typeface="宋体"/>
+        <a:font script="Hant" typeface="新細明體"/>
+        <a:font script="Arab" typeface="Times New Roman"/>
+        <a:font script="Hebr" typeface="Times New Roman"/>
+        <a:font script="Thai" typeface="Angsana New"/>
+        <a:font script="Ethi" typeface="Nyala"/>
+        <a:font script="Beng" typeface="Vrinda"/>
+        <a:font script="Gujr" typeface="Shruti"/>
+        <a:font script="Khmr" typeface="MoolBoran"/>
+        <a:font script="Knda" typeface="Tunga"/>
+        <a:font script="Guru" typeface="Raavi"/>
+        <a:font script="Cans" typeface="Euphemia"/>
+        <a:font script="Cher" typeface="Plantagenet Cherokee"/>
+        <a:font script="Yiii" typeface="Microsoft Yi Baiti"/>
+        <a:font script="Tibt" typeface="Microsoft Himalaya"/>
+        <a:font script="Thaa" typeface="MV Boli"/>
+        <a:font script="Deva" typeface="Mangal"/>
+        <a:font script="Telu" typeface="Gautami"/>
+        <a:font script="Taml" typeface="Latha"/>
+        <a:font script="Syrc" typeface="Estrangelo Edessa"/>
+        <a:font script="Orya" typeface="Kalinga"/>
+        <a:font script="Mlym" typeface="Kartika"/>
+        <a:font script="Laoo" typeface="DokChampa"/>
+        <a:font script="Sinh" typeface="Iskoola Pota"/>
+        <a:font script="Mong" typeface="Mongolian Baiti"/>
+        <a:font script="Viet" typeface="Times New Roman"/>
+        <a:font script="Uigh" typeface="Microsoft Uighur"/>
+        <a:font script="Geor" typeface="Sylfaen"/>
+      </a:majorFont>
+      <a:minorFont>
+        <a:latin typeface="맑은 고딕" panose="020F0502020204030204"/>
+        <a:ea typeface=""/>
+        <a:cs typeface=""/>
+        <a:font script="Jpan" typeface="ＭＳ Ｐゴシック"/>
+        <a:font script="Hang" typeface="맑은 고딕"/>
+        <a:font script="Hans" typeface="宋体"/>
+        <a:font script="Hant" typeface="新細明體"/>
+        <a:font script="Arab" typeface="Arial"/>
+        <a:font script="Hebr" typeface="Arial"/>
+        <a:font script="Thai" typeface="Cordia New"/>
+        <a:font script="Ethi" typeface="Nyala"/>
+        <a:font script="Beng" typeface="Vrinda"/>
+        <a:font script="Gujr" typeface="Shruti"/>
+        <a:font script="Khmr" typeface="DaunPenh"/>
+        <a:font script="Knda" typeface="Tunga"/>
+        <a:font script="Guru" typeface="Raavi"/>
+        <a:font script="Cans" typeface="Euphemia"/>
+        <a:font script="Cher" typeface="Plantagenet Cherokee"/>
+        <a:font script="Yiii" typeface="Microsoft Yi Baiti"/>
+        <a:font script="Tibt" typeface="Microsoft Himalaya"/>
+        <a:font script="Thaa" typeface="MV Boli"/>
+        <a:font script="Deva" typeface="Mangal"/>
+        <a:font script="Telu" typeface="Gautami"/>
+        <a:font script="Taml" typeface="Latha"/>
+        <a:font script="Syrc" typeface="Estrangelo Edessa"/>
+        <a:font script="Orya" typeface="Kalinga"/>
+        <a:font script="Mlym" typeface="Kartika"/>
+        <a:font script="Laoo" typeface="DokChampa"/>
+        <a:font script="Sinh" typeface="Iskoola Pota"/>
+        <a:font script="Mong" typeface="Mongolian Baiti"/>
+        <a:font script="Viet" typeface="Arial"/>
+        <a:font script="Uigh" typeface="Microsoft Uighur"/>
+        <a:font script="Geor" typeface="Sylfaen"/>
+      </a:minorFont>
+    </a:fontScheme>
+    <a:fmtScheme name="Office">
+      <a:fillStyleLst>
+        <a:solidFill>
+          <a:schemeClr val="phClr"/>
+        </a:solidFill>
+        <a:gradFill rotWithShape="1">
+          <a:gsLst>
+            <a:gs pos="0">
+              <a:schemeClr val="phClr">
+                <a:lumMod val="110000"/>
+                <a:satMod val="105000"/>
+                <a:tint val="67000"/>
+              </a:schemeClr>
+            </a:gs>
+            <a:gs pos="50000">
+              <a:schemeClr val="phClr">
+                <a:lumMod val="105000"/>
+                <a:satMod val="103000"/>
+                <a:tint val="73000"/>
+              </a:schemeClr>
+            </a:gs>
+            <a:gs pos="100000">
+              <a:schemeClr val="phClr">
+                <a:lumMod val="105000"/>
+                <a:satMod val="109000"/>
+                <a:tint val="81000"/>
+              </a:schemeClr>
+            </a:gs>
+          </a:gsLst>
+          <a:lin ang="5400000" scaled="0"/>
+        </a:gradFill>
+        <a:gradFill rotWithShape="1">
+          <a:gsLst>
+            <a:gs pos="0">
+              <a:schemeClr val="phClr">
+                <a:satMod val="103000"/>
+                <a:lumMod val="102000"/>
+                <a:tint val="94000"/>
+              </a:schemeClr>
+            </a:gs>
+            <a:gs pos="50000">
+              <a:schemeClr val="phClr">
+                <a:satMod val="110000"/>
+                <a:lumMod val="100000"/>
+                <a:shade val="100000"/>
+              </a:schemeClr>
+            </a:gs>
+            <a:gs pos="100000">
+              <a:schemeClr val="phClr">
+                <a:lumMod val="99000"/>
+                <a:satMod val="120000"/>
+                <a:shade val="78000"/>
+              </a:schemeClr>
+            </a:gs>
+          </a:gsLst>
+          <a:lin ang="5400000" scaled="0"/>
+        </a:gradFill>
+      </a:fillStyleLst>
+      <a:lnStyleLst>
+        <a:ln w="6350" cap="flat" cmpd="sng" algn="ctr">
+          <a:solidFill>
+            <a:schemeClr val="phClr"/>
+          </a:solidFill>
+          <a:prstDash val="solid"/>
+          <a:miter lim="800000"/>
+        </a:ln>
+        <a:ln w="12700" cap="flat" cmpd="sng" algn="ctr">
+          <a:solidFill>
+            <a:schemeClr val="phClr"/>
+          </a:solidFill>
+          <a:prstDash val="solid"/>
+          <a:miter lim="800000"/>
+        </a:ln>
+        <a:ln w="19050" cap="flat" cmpd="sng" algn="ctr">
+          <a:solidFill>
+            <a:schemeClr val="phClr"/>
+          </a:solidFill>
+          <a:prstDash val="solid"/>
+          <a:miter lim="800000"/>
+        </a:ln>
+      </a:lnStyleLst>
+      <a:effectStyleLst>
+        <a:effectStyle>
+          <a:effectLst/>
+        </a:effectStyle>
+        <a:effectStyle>
+          <a:effectLst/>
+        </a:effectStyle>
+        <a:effectStyle>
+          <a:effectLst>
+            <a:outerShdw blurRad="57150" dist="19050" dir="5400000" algn="ctr" rotWithShape="0">
+              <a:srgbClr val="000000">
+                <a:alpha val="63000"/>
+              </a:srgbClr>
+            </a:outerShdw>
+          </a:effectLst>
+        </a:effectStyle>
+      </a:effectStyleLst>
+      <a:bgFillStyleLst>
+        <a:solidFill>
+          <a:schemeClr val="phClr"/>
+        </a:solidFill>
+        <a:solidFill>
+          <a:schemeClr val="phClr">
+            <a:tint val="95000"/>
+            <a:satMod val="170000"/>
+          </a:schemeClr>
+        </a:solidFill>
+        <a:gradFill rotWithShape="1">
+          <a:gsLst>
+            <a:gs pos="0">
+              <a:schemeClr val="phClr">
+                <a:tint val="93000"/>
+                <a:satMod val="150000"/>
+                <a:shade val="98000"/>
+                <a:lumMod val="102000"/>
+              </a:schemeClr>
+            </a:gs>
+            <a:gs pos="50000">
+              <a:schemeClr val="phClr">
+                <a:tint val="98000"/>
+                <a:satMod val="130000"/>
+                <a:shade val="90000"/>
+                <a:lumMod val="103000"/>
+              </a:schemeClr>
+            </a:gs>
+            <a:gs pos="100000">
+              <a:schemeClr val="phClr">
+                <a:shade val="63000"/>
+                <a:satMod val="120000"/>
+              </a:schemeClr>
+            </a:gs>
+          </a:gsLst>
+          <a:lin ang="5400000" scaled="0"/>
+        </a:gradFill>
+      </a:bgFillStyleLst>
+    </a:fmtScheme>
+  </a:themeElements>
+  <a:objectDefaults/>
+  <a:extraClrSchemeLst/>
+  <a:extLst>
+    <a:ext uri="{05A4C25C-085E-4340-85A3-A5531E510DB2}">
+      <thm15:themeFamily xmlns:thm15="http://schemas.microsoft.com/office/thememl/2012/main" name="Office Theme" id="{62F939B6-93AF-4DB8-9C6B-D6C7DFDC589F}" vid="{4A3C46E8-61CC-4603-A589-7422A47A8E4A}"/>
+    </a:ext>
+  </a:extLst>
+</a:theme>
+</file>
+
+<file path=ppt/theme/theme2.xml><?xml version="1.0" encoding="utf-8"?>
 <a:theme xmlns:a="http://schemas.openxmlformats.org/drawingml/2006/main" name="Office theme">
   <a:themeElements>
     <a:clrScheme name="Office">

--- a/demo/스마트 휴먼케어.pptx
+++ b/demo/스마트 휴먼케어.pptx
@@ -2,23 +2,32 @@
 <file path=ppt/presentation.xml><?xml version="1.0" encoding="utf-8"?>
 <p:presentation xmlns:a="http://schemas.openxmlformats.org/drawingml/2006/main" xmlns:r="http://schemas.openxmlformats.org/officeDocument/2006/relationships" xmlns:mc="http://schemas.openxmlformats.org/markup-compatibility/2006" xmlns:mv="urn:schemas-microsoft-com:mac:vml" xmlns:p="http://schemas.openxmlformats.org/presentationml/2006/main" xmlns:c="http://schemas.openxmlformats.org/drawingml/2006/chart" xmlns:dgm="http://schemas.openxmlformats.org/drawingml/2006/diagram" xmlns:o="urn:schemas-microsoft-com:office:office" xmlns:v="urn:schemas-microsoft-com:vml" xmlns:pvml="urn:schemas-microsoft-com:office:powerpoint" xmlns:com="http://schemas.openxmlformats.org/drawingml/2006/compatibility" xmlns:p14="http://schemas.microsoft.com/office/powerpoint/2010/main" xmlns:p15="http://schemas.microsoft.com/office/powerpoint/2012/main" xmlns:ahyp="http://schemas.microsoft.com/office/drawing/2018/hyperlinkcolor" autoCompressPictures="0" embedTrueTypeFonts="1" strictFirstAndLastChars="0" saveSubsetFonts="1">
   <p:sldMasterIdLst>
-    <p:sldMasterId id="2147483827" r:id="rId49"/>
-    <p:sldMasterId id="2147483828" r:id="rId51"/>
+    <p:sldMasterId id="2147483845" r:id="rId49"/>
+    <p:sldMasterId id="2147483846" r:id="rId51"/>
   </p:sldMasterIdLst>
   <p:notesMasterIdLst>
-    <p:notesMasterId r:id="rId52"/>
+    <p:notesMasterId r:id="rId53"/>
   </p:notesMasterIdLst>
   <p:sldIdLst>
-    <p:sldId id="256" r:id="rId54"/>
-    <p:sldId id="264" r:id="rId55"/>
+    <p:sldId id="256" r:id="rId55"/>
+    <p:sldId id="264" r:id="rId56"/>
     <p:sldId id="258" r:id="rId57"/>
-    <p:sldId id="259" r:id="rId58"/>
-    <p:sldId id="306" r:id="rId60"/>
-    <p:sldId id="307" r:id="rId62"/>
+    <p:sldId id="313" r:id="rId58"/>
+    <p:sldId id="259" r:id="rId59"/>
+    <p:sldId id="307" r:id="rId60"/>
+    <p:sldId id="314" r:id="rId61"/>
+    <p:sldId id="306" r:id="rId62"/>
+    <p:sldId id="315" r:id="rId63"/>
     <p:sldId id="309" r:id="rId64"/>
+    <p:sldId id="316" r:id="rId65"/>
     <p:sldId id="310" r:id="rId66"/>
-    <p:sldId id="311" r:id="rId68"/>
-    <p:sldId id="312" r:id="rId70"/>
+    <p:sldId id="312" r:id="rId67"/>
+    <p:sldId id="317" r:id="rId68"/>
+    <p:sldId id="311" r:id="rId69"/>
+    <p:sldId id="320" r:id="rId70"/>
+    <p:sldId id="321" r:id="rId71"/>
+    <p:sldId id="318" r:id="rId72"/>
+    <p:sldId id="319" r:id="rId73"/>
   </p:sldIdLst>
   <p:sldSz cx="9144000" cy="5143500"/>
   <p:notesSz cx="6858000" cy="9144000"/>
@@ -978,12 +987,12 @@
 </p:notes>
 </file>
 
-<file path=ppt/notesSlides/notesSlide2.xml><?xml version="1.0" encoding="utf-8"?>
-<p:notes xmlns:a="http://schemas.openxmlformats.org/drawingml/2006/main" xmlns:r="http://schemas.openxmlformats.org/officeDocument/2006/relationships" xmlns:mc="http://schemas.openxmlformats.org/markup-compatibility/2006" xmlns:mv="urn:schemas-microsoft-com:mac:vml" xmlns:p="http://schemas.openxmlformats.org/presentationml/2006/main" xmlns:c="http://schemas.openxmlformats.org/drawingml/2006/chart" xmlns:dgm="http://schemas.openxmlformats.org/drawingml/2006/diagram" xmlns:o="urn:schemas-microsoft-com:office:office" xmlns:v="urn:schemas-microsoft-com:vml" xmlns:pvml="urn:schemas-microsoft-com:office:powerpoint" xmlns:com="http://schemas.openxmlformats.org/drawingml/2006/compatibility" xmlns:p14="http://schemas.microsoft.com/office/powerpoint/2010/main" xmlns:p15="http://schemas.microsoft.com/office/powerpoint/2012/main" xmlns:ahyp="http://schemas.microsoft.com/office/drawing/2018/hyperlinkcolor" showMasterPhAnim="0" showMasterSp="0">
+<file path=ppt/notesSlides/notesSlide11.xml><?xml version="1.0" encoding="utf-8"?>
+<p:notes xmlns:a="http://schemas.openxmlformats.org/drawingml/2006/main" xmlns:r="http://schemas.openxmlformats.org/officeDocument/2006/relationships" xmlns:p="http://schemas.openxmlformats.org/presentationml/2006/main">
   <p:cSld>
     <p:spTree>
       <p:nvGrpSpPr>
-        <p:cNvPr id="345" name="Shape 345"/>
+        <p:cNvPr id="1" name=""/>
         <p:cNvGrpSpPr/>
         <p:nvPr/>
       </p:nvGrpSpPr>
@@ -997,21 +1006,47 @@
       </p:grpSpPr>
       <p:sp>
         <p:nvSpPr>
-          <p:cNvPr id="346" name="Google Shape;346;gd4db157b90_0_24:notes"/>
-          <p:cNvSpPr/>
+          <p:cNvPr id="278" name="Google Shape;278;gd3c3787e4d_0_56:notes"/>
+          <p:cNvSpPr>
+            <a:spLocks/>
+          </p:cNvSpPr>
           <p:nvPr>
-            <p:ph idx="2" type="sldImg"/>
+            <p:ph type="sldImg"/>
           </p:nvPr>
         </p:nvSpPr>
         <p:spPr>
-          <a:xfrm>
-            <a:off x="381300" y="685800"/>
-            <a:ext cx="6096000" cy="3429000"/>
+          <a:xfrm rot="0">
+            <a:off x="381000" y="685800"/>
+            <a:ext cx="6097270" cy="3430270"/>
           </a:xfrm>
           <a:custGeom>
-            <a:rect b="b" l="l" r="r" t="t"/>
+            <a:gdLst>
+              <a:gd fmla="*/ 0 w 120002" name="TX0"/>
+              <a:gd fmla="*/ 0 h 120002" name="TY0"/>
+              <a:gd fmla="*/ 120000 w 120002" name="TX1"/>
+              <a:gd fmla="*/ 0 h 120002" name="TY1"/>
+              <a:gd fmla="*/ 120000 w 120002" name="TX2"/>
+              <a:gd fmla="*/ 120000 h 120002" name="TY2"/>
+              <a:gd fmla="*/ 0 w 120002" name="TX3"/>
+              <a:gd fmla="*/ 120000 h 120002" name="TY3"/>
+            </a:gdLst>
+            <a:cxnLst>
+              <a:cxn ang="0">
+                <a:pos x="TX0" y="TY0"/>
+              </a:cxn>
+              <a:cxn ang="0">
+                <a:pos x="TX1" y="TY1"/>
+              </a:cxn>
+              <a:cxn ang="0">
+                <a:pos x="TX2" y="TY2"/>
+              </a:cxn>
+              <a:cxn ang="0">
+                <a:pos x="TX3" y="TY3"/>
+              </a:cxn>
+            </a:cxnLst>
+            <a:rect l="l" t="t" r="r" b="b"/>
             <a:pathLst>
-              <a:path extrusionOk="0" h="120000" w="120000">
+              <a:path w="120002" h="120002">
                 <a:moveTo>
                   <a:pt x="0" y="0"/>
                 </a:moveTo>
@@ -1028,44 +1063,65 @@
               </a:path>
             </a:pathLst>
           </a:custGeom>
-        </p:spPr>
-      </p:sp>
-      <p:sp>
-        <p:nvSpPr>
-          <p:cNvPr id="347" name="Google Shape;347;gd4db157b90_0_24:notes"/>
-          <p:cNvSpPr txBox="1"/>
-          <p:nvPr>
-            <p:ph idx="1" type="body"/>
-          </p:nvPr>
-        </p:nvSpPr>
-        <p:spPr>
-          <a:xfrm>
-            <a:off x="685800" y="4343400"/>
-            <a:ext cx="5486400" cy="4114800"/>
-          </a:xfrm>
-          <a:prstGeom prst="rect">
-            <a:avLst/>
-          </a:prstGeom>
+          <a:noFill/>
+          <a:ln w="9525" cap="flat" cmpd="sng">
+            <a:solidFill>
+              <a:srgbClr val="000000">
+                <a:alpha val="100000"/>
+              </a:srgbClr>
+            </a:solidFill>
+            <a:prstDash val="solid"/>
+            <a:round/>
+          </a:ln>
         </p:spPr>
         <p:txBody>
-          <a:bodyPr anchorCtr="0" anchor="t" bIns="91425" lIns="91425" spcFirstLastPara="1" rIns="91425" wrap="square" tIns="91425">
+          <a:bodyPr wrap="square" lIns="0" tIns="0" rIns="0" bIns="0" numCol="1" vert="horz" anchor="t">
             <a:noAutofit/>
           </a:bodyPr>
           <a:lstStyle/>
           <a:p>
-            <a:pPr indent="0" lvl="0" marL="0" rtl="0" algn="l">
-              <a:spcBef>
-                <a:spcPts val="0"/>
-              </a:spcBef>
-              <a:spcAft>
-                <a:spcPts val="0"/>
-              </a:spcAft>
+            <a:pPr marL="0" indent="0" latinLnBrk="0"/>
+          </a:p>
+        </p:txBody>
+      </p:sp>
+      <p:sp>
+        <p:nvSpPr>
+          <p:cNvPr id="279" name="Google Shape;279;gd3c3787e4d_0_56:notes"/>
+          <p:cNvSpPr txBox="1">
+            <a:spLocks/>
+          </p:cNvSpPr>
+          <p:nvPr>
+            <p:ph type="body" idx="1"/>
+          </p:nvPr>
+        </p:nvSpPr>
+        <p:spPr>
+          <a:xfrm rot="0">
+            <a:off x="685800" y="4343400"/>
+            <a:ext cx="5487670" cy="4116070"/>
+          </a:xfrm>
+          <a:prstGeom prst="rect"/>
+          <a:noFill/>
+          <a:ln w="0">
+            <a:noFill/>
+            <a:prstDash/>
+          </a:ln>
+        </p:spPr>
+        <p:txBody>
+          <a:bodyPr wrap="square" lIns="91440" tIns="91440" rIns="91440" bIns="91440" numCol="1" vert="horz" anchor="t">
+            <a:noAutofit/>
+          </a:bodyPr>
+          <a:lstStyle/>
+          <a:p>
+            <a:pPr marL="0" indent="0" rtl="0" algn="l" latinLnBrk="0">
+              <a:spcBef>
+                <a:spcPts val="0"/>
+              </a:spcBef>
+              <a:spcAft>
+                <a:spcPts val="0"/>
+              </a:spcAft>
+              <a:buFontTx/>
               <a:buNone/>
             </a:pPr>
-            <a:r>
-              <a:t/>
-            </a:r>
-            <a:endParaRPr/>
           </a:p>
         </p:txBody>
       </p:sp>
@@ -1074,208 +1130,18 @@
   <p:clrMapOvr>
     <a:masterClrMapping/>
   </p:clrMapOvr>
+  <mc:AlternateContent xmlns:mc="http://schemas.openxmlformats.org/markup-compatibility/2006">
+    <mc:Choice xmlns:p14="http://schemas.microsoft.com/office/powerpoint/2010/main" Requires="p14">
+      <p:transition spd="slow" p14:dur="0"/>
+    </mc:Choice>
+    <mc:Fallback>
+      <p:transition spd="slow"/>
+    </mc:Fallback>
+  </mc:AlternateContent>
 </p:notes>
 </file>
 
-<file path=ppt/notesSlides/notesSlide3.xml><?xml version="1.0" encoding="utf-8"?>
-<p:notes xmlns:a="http://schemas.openxmlformats.org/drawingml/2006/main" xmlns:r="http://schemas.openxmlformats.org/officeDocument/2006/relationships" xmlns:mc="http://schemas.openxmlformats.org/markup-compatibility/2006" xmlns:mv="urn:schemas-microsoft-com:mac:vml" xmlns:p="http://schemas.openxmlformats.org/presentationml/2006/main" xmlns:c="http://schemas.openxmlformats.org/drawingml/2006/chart" xmlns:dgm="http://schemas.openxmlformats.org/drawingml/2006/diagram" xmlns:o="urn:schemas-microsoft-com:office:office" xmlns:v="urn:schemas-microsoft-com:vml" xmlns:pvml="urn:schemas-microsoft-com:office:powerpoint" xmlns:com="http://schemas.openxmlformats.org/drawingml/2006/compatibility" xmlns:p14="http://schemas.microsoft.com/office/powerpoint/2010/main" xmlns:p15="http://schemas.microsoft.com/office/powerpoint/2012/main" xmlns:ahyp="http://schemas.microsoft.com/office/drawing/2018/hyperlinkcolor" showMasterPhAnim="0" showMasterSp="0">
-  <p:cSld>
-    <p:spTree>
-      <p:nvGrpSpPr>
-        <p:cNvPr id="257" name="Shape 257"/>
-        <p:cNvGrpSpPr/>
-        <p:nvPr/>
-      </p:nvGrpSpPr>
-      <p:grpSpPr>
-        <a:xfrm>
-          <a:off x="0" y="0"/>
-          <a:ext cx="0" cy="0"/>
-          <a:chOff x="0" y="0"/>
-          <a:chExt cx="0" cy="0"/>
-        </a:xfrm>
-      </p:grpSpPr>
-      <p:sp>
-        <p:nvSpPr>
-          <p:cNvPr id="258" name="Google Shape;258;gd3c3787e4d_0_30:notes"/>
-          <p:cNvSpPr/>
-          <p:nvPr>
-            <p:ph idx="2" type="sldImg"/>
-          </p:nvPr>
-        </p:nvSpPr>
-        <p:spPr>
-          <a:xfrm>
-            <a:off x="381300" y="685800"/>
-            <a:ext cx="6096000" cy="3429000"/>
-          </a:xfrm>
-          <a:custGeom>
-            <a:rect b="b" l="l" r="r" t="t"/>
-            <a:pathLst>
-              <a:path extrusionOk="0" h="120000" w="120000">
-                <a:moveTo>
-                  <a:pt x="0" y="0"/>
-                </a:moveTo>
-                <a:lnTo>
-                  <a:pt x="120000" y="0"/>
-                </a:lnTo>
-                <a:lnTo>
-                  <a:pt x="120000" y="120000"/>
-                </a:lnTo>
-                <a:lnTo>
-                  <a:pt x="0" y="120000"/>
-                </a:lnTo>
-                <a:close/>
-              </a:path>
-            </a:pathLst>
-          </a:custGeom>
-        </p:spPr>
-      </p:sp>
-      <p:sp>
-        <p:nvSpPr>
-          <p:cNvPr id="259" name="Google Shape;259;gd3c3787e4d_0_30:notes"/>
-          <p:cNvSpPr txBox="1"/>
-          <p:nvPr>
-            <p:ph idx="1" type="body"/>
-          </p:nvPr>
-        </p:nvSpPr>
-        <p:spPr>
-          <a:xfrm>
-            <a:off x="685800" y="4343400"/>
-            <a:ext cx="5486400" cy="4114800"/>
-          </a:xfrm>
-          <a:prstGeom prst="rect">
-            <a:avLst/>
-          </a:prstGeom>
-        </p:spPr>
-        <p:txBody>
-          <a:bodyPr anchorCtr="0" anchor="t" bIns="91425" lIns="91425" spcFirstLastPara="1" rIns="91425" wrap="square" tIns="91425">
-            <a:noAutofit/>
-          </a:bodyPr>
-          <a:lstStyle/>
-          <a:p>
-            <a:pPr indent="0" lvl="0" marL="0" rtl="0" algn="l">
-              <a:spcBef>
-                <a:spcPts val="0"/>
-              </a:spcBef>
-              <a:spcAft>
-                <a:spcPts val="0"/>
-              </a:spcAft>
-              <a:buNone/>
-            </a:pPr>
-            <a:r>
-              <a:t/>
-            </a:r>
-            <a:endParaRPr/>
-          </a:p>
-        </p:txBody>
-      </p:sp>
-    </p:spTree>
-  </p:cSld>
-  <p:clrMapOvr>
-    <a:masterClrMapping/>
-  </p:clrMapOvr>
-</p:notes>
-</file>
-
-<file path=ppt/notesSlides/notesSlide4.xml><?xml version="1.0" encoding="utf-8"?>
-<p:notes xmlns:a="http://schemas.openxmlformats.org/drawingml/2006/main" xmlns:r="http://schemas.openxmlformats.org/officeDocument/2006/relationships" xmlns:mc="http://schemas.openxmlformats.org/markup-compatibility/2006" xmlns:mv="urn:schemas-microsoft-com:mac:vml" xmlns:p="http://schemas.openxmlformats.org/presentationml/2006/main" xmlns:c="http://schemas.openxmlformats.org/drawingml/2006/chart" xmlns:dgm="http://schemas.openxmlformats.org/drawingml/2006/diagram" xmlns:o="urn:schemas-microsoft-com:office:office" xmlns:v="urn:schemas-microsoft-com:vml" xmlns:pvml="urn:schemas-microsoft-com:office:powerpoint" xmlns:com="http://schemas.openxmlformats.org/drawingml/2006/compatibility" xmlns:p14="http://schemas.microsoft.com/office/powerpoint/2010/main" xmlns:p15="http://schemas.microsoft.com/office/powerpoint/2012/main" xmlns:ahyp="http://schemas.microsoft.com/office/drawing/2018/hyperlinkcolor" showMasterPhAnim="0" showMasterSp="0">
-  <p:cSld>
-    <p:spTree>
-      <p:nvGrpSpPr>
-        <p:cNvPr id="277" name="Shape 277"/>
-        <p:cNvGrpSpPr/>
-        <p:nvPr/>
-      </p:nvGrpSpPr>
-      <p:grpSpPr>
-        <a:xfrm>
-          <a:off x="0" y="0"/>
-          <a:ext cx="0" cy="0"/>
-          <a:chOff x="0" y="0"/>
-          <a:chExt cx="0" cy="0"/>
-        </a:xfrm>
-      </p:grpSpPr>
-      <p:sp>
-        <p:nvSpPr>
-          <p:cNvPr id="278" name="Google Shape;278;gd3c3787e4d_0_56:notes"/>
-          <p:cNvSpPr/>
-          <p:nvPr>
-            <p:ph idx="2" type="sldImg"/>
-          </p:nvPr>
-        </p:nvSpPr>
-        <p:spPr>
-          <a:xfrm>
-            <a:off x="381300" y="685800"/>
-            <a:ext cx="6096000" cy="3429000"/>
-          </a:xfrm>
-          <a:custGeom>
-            <a:rect b="b" l="l" r="r" t="t"/>
-            <a:pathLst>
-              <a:path extrusionOk="0" h="120000" w="120000">
-                <a:moveTo>
-                  <a:pt x="0" y="0"/>
-                </a:moveTo>
-                <a:lnTo>
-                  <a:pt x="120000" y="0"/>
-                </a:lnTo>
-                <a:lnTo>
-                  <a:pt x="120000" y="120000"/>
-                </a:lnTo>
-                <a:lnTo>
-                  <a:pt x="0" y="120000"/>
-                </a:lnTo>
-                <a:close/>
-              </a:path>
-            </a:pathLst>
-          </a:custGeom>
-        </p:spPr>
-      </p:sp>
-      <p:sp>
-        <p:nvSpPr>
-          <p:cNvPr id="279" name="Google Shape;279;gd3c3787e4d_0_56:notes"/>
-          <p:cNvSpPr txBox="1"/>
-          <p:nvPr>
-            <p:ph idx="1" type="body"/>
-          </p:nvPr>
-        </p:nvSpPr>
-        <p:spPr>
-          <a:xfrm>
-            <a:off x="685800" y="4343400"/>
-            <a:ext cx="5486400" cy="4114800"/>
-          </a:xfrm>
-          <a:prstGeom prst="rect">
-            <a:avLst/>
-          </a:prstGeom>
-        </p:spPr>
-        <p:txBody>
-          <a:bodyPr anchorCtr="0" anchor="t" bIns="91425" lIns="91425" spcFirstLastPara="1" rIns="91425" wrap="square" tIns="91425">
-            <a:noAutofit/>
-          </a:bodyPr>
-          <a:lstStyle/>
-          <a:p>
-            <a:pPr indent="0" lvl="0" marL="0" rtl="0" algn="l">
-              <a:spcBef>
-                <a:spcPts val="0"/>
-              </a:spcBef>
-              <a:spcAft>
-                <a:spcPts val="0"/>
-              </a:spcAft>
-              <a:buNone/>
-            </a:pPr>
-            <a:r>
-              <a:t/>
-            </a:r>
-            <a:endParaRPr/>
-          </a:p>
-        </p:txBody>
-      </p:sp>
-    </p:spTree>
-  </p:cSld>
-  <p:clrMapOvr>
-    <a:masterClrMapping/>
-  </p:clrMapOvr>
-</p:notes>
-</file>
-
-<file path=ppt/notesSlides/notesSlide5.xml><?xml version="1.0" encoding="utf-8"?>
+<file path=ppt/notesSlides/notesSlide12.xml><?xml version="1.0" encoding="utf-8"?>
 <p:notes xmlns:a="http://schemas.openxmlformats.org/drawingml/2006/main" xmlns:r="http://schemas.openxmlformats.org/officeDocument/2006/relationships" xmlns:p="http://schemas.openxmlformats.org/presentationml/2006/main">
   <p:cSld>
     <p:spTree>
@@ -1429,7 +1295,7 @@
 </p:notes>
 </file>
 
-<file path=ppt/notesSlides/notesSlide6.xml><?xml version="1.0" encoding="utf-8"?>
+<file path=ppt/notesSlides/notesSlide13.xml><?xml version="1.0" encoding="utf-8"?>
 <p:notes xmlns:a="http://schemas.openxmlformats.org/drawingml/2006/main" xmlns:r="http://schemas.openxmlformats.org/officeDocument/2006/relationships" xmlns:p="http://schemas.openxmlformats.org/presentationml/2006/main">
   <p:cSld>
     <p:spTree>
@@ -1583,7 +1449,161 @@
 </p:notes>
 </file>
 
-<file path=ppt/notesSlides/notesSlide7.xml><?xml version="1.0" encoding="utf-8"?>
+<file path=ppt/notesSlides/notesSlide14.xml><?xml version="1.0" encoding="utf-8"?>
+<p:notes xmlns:a="http://schemas.openxmlformats.org/drawingml/2006/main" xmlns:r="http://schemas.openxmlformats.org/officeDocument/2006/relationships" xmlns:p="http://schemas.openxmlformats.org/presentationml/2006/main">
+  <p:cSld>
+    <p:spTree>
+      <p:nvGrpSpPr>
+        <p:cNvPr id="1" name=""/>
+        <p:cNvGrpSpPr/>
+        <p:nvPr/>
+      </p:nvGrpSpPr>
+      <p:grpSpPr>
+        <a:xfrm>
+          <a:off x="0" y="0"/>
+          <a:ext cx="0" cy="0"/>
+          <a:chOff x="0" y="0"/>
+          <a:chExt cx="0" cy="0"/>
+        </a:xfrm>
+      </p:grpSpPr>
+      <p:sp>
+        <p:nvSpPr>
+          <p:cNvPr id="278" name="Google Shape;278;gd3c3787e4d_0_56:notes"/>
+          <p:cNvSpPr>
+            <a:spLocks/>
+          </p:cNvSpPr>
+          <p:nvPr>
+            <p:ph type="sldImg"/>
+          </p:nvPr>
+        </p:nvSpPr>
+        <p:spPr>
+          <a:xfrm rot="0">
+            <a:off x="381000" y="685800"/>
+            <a:ext cx="6097270" cy="3430270"/>
+          </a:xfrm>
+          <a:custGeom>
+            <a:gdLst>
+              <a:gd fmla="*/ 0 w 120002" name="TX0"/>
+              <a:gd fmla="*/ 0 h 120002" name="TY0"/>
+              <a:gd fmla="*/ 120000 w 120002" name="TX1"/>
+              <a:gd fmla="*/ 0 h 120002" name="TY1"/>
+              <a:gd fmla="*/ 120000 w 120002" name="TX2"/>
+              <a:gd fmla="*/ 120000 h 120002" name="TY2"/>
+              <a:gd fmla="*/ 0 w 120002" name="TX3"/>
+              <a:gd fmla="*/ 120000 h 120002" name="TY3"/>
+            </a:gdLst>
+            <a:cxnLst>
+              <a:cxn ang="0">
+                <a:pos x="TX0" y="TY0"/>
+              </a:cxn>
+              <a:cxn ang="0">
+                <a:pos x="TX1" y="TY1"/>
+              </a:cxn>
+              <a:cxn ang="0">
+                <a:pos x="TX2" y="TY2"/>
+              </a:cxn>
+              <a:cxn ang="0">
+                <a:pos x="TX3" y="TY3"/>
+              </a:cxn>
+            </a:cxnLst>
+            <a:rect l="l" t="t" r="r" b="b"/>
+            <a:pathLst>
+              <a:path w="120002" h="120002">
+                <a:moveTo>
+                  <a:pt x="0" y="0"/>
+                </a:moveTo>
+                <a:lnTo>
+                  <a:pt x="120000" y="0"/>
+                </a:lnTo>
+                <a:lnTo>
+                  <a:pt x="120000" y="120000"/>
+                </a:lnTo>
+                <a:lnTo>
+                  <a:pt x="0" y="120000"/>
+                </a:lnTo>
+                <a:close/>
+              </a:path>
+            </a:pathLst>
+          </a:custGeom>
+          <a:noFill/>
+          <a:ln w="9525" cap="flat" cmpd="sng">
+            <a:solidFill>
+              <a:srgbClr val="000000">
+                <a:alpha val="100000"/>
+              </a:srgbClr>
+            </a:solidFill>
+            <a:prstDash val="solid"/>
+            <a:round/>
+          </a:ln>
+        </p:spPr>
+        <p:txBody>
+          <a:bodyPr wrap="square" lIns="0" tIns="0" rIns="0" bIns="0" numCol="1" vert="horz" anchor="t">
+            <a:noAutofit/>
+          </a:bodyPr>
+          <a:lstStyle/>
+          <a:p>
+            <a:pPr marL="0" indent="0" latinLnBrk="0"/>
+          </a:p>
+        </p:txBody>
+      </p:sp>
+      <p:sp>
+        <p:nvSpPr>
+          <p:cNvPr id="279" name="Google Shape;279;gd3c3787e4d_0_56:notes"/>
+          <p:cNvSpPr txBox="1">
+            <a:spLocks/>
+          </p:cNvSpPr>
+          <p:nvPr>
+            <p:ph type="body" idx="1"/>
+          </p:nvPr>
+        </p:nvSpPr>
+        <p:spPr>
+          <a:xfrm rot="0">
+            <a:off x="685800" y="4343400"/>
+            <a:ext cx="5487670" cy="4116070"/>
+          </a:xfrm>
+          <a:prstGeom prst="rect"/>
+          <a:noFill/>
+          <a:ln w="0">
+            <a:noFill/>
+            <a:prstDash/>
+          </a:ln>
+        </p:spPr>
+        <p:txBody>
+          <a:bodyPr wrap="square" lIns="91440" tIns="91440" rIns="91440" bIns="91440" numCol="1" vert="horz" anchor="t">
+            <a:noAutofit/>
+          </a:bodyPr>
+          <a:lstStyle/>
+          <a:p>
+            <a:pPr marL="0" indent="0" rtl="0" algn="l" latinLnBrk="0">
+              <a:spcBef>
+                <a:spcPts val="0"/>
+              </a:spcBef>
+              <a:spcAft>
+                <a:spcPts val="0"/>
+              </a:spcAft>
+              <a:buFontTx/>
+              <a:buNone/>
+            </a:pPr>
+          </a:p>
+        </p:txBody>
+      </p:sp>
+    </p:spTree>
+  </p:cSld>
+  <p:clrMapOvr>
+    <a:masterClrMapping/>
+  </p:clrMapOvr>
+  <mc:AlternateContent xmlns:mc="http://schemas.openxmlformats.org/markup-compatibility/2006">
+    <mc:Choice xmlns:p14="http://schemas.microsoft.com/office/powerpoint/2010/main" Requires="p14">
+      <p:transition spd="slow" p14:dur="0"/>
+    </mc:Choice>
+    <mc:Fallback>
+      <p:transition spd="slow"/>
+    </mc:Fallback>
+  </mc:AlternateContent>
+</p:notes>
+</file>
+
+<file path=ppt/notesSlides/notesSlide15.xml><?xml version="1.0" encoding="utf-8"?>
 <p:notes xmlns:a="http://schemas.openxmlformats.org/drawingml/2006/main" xmlns:r="http://schemas.openxmlformats.org/officeDocument/2006/relationships" xmlns:p="http://schemas.openxmlformats.org/presentationml/2006/main">
   <p:cSld>
     <p:spTree>
@@ -1737,7 +1757,920 @@
 </p:notes>
 </file>
 
-<file path=ppt/notesSlides/notesSlide8.xml><?xml version="1.0" encoding="utf-8"?>
+<file path=ppt/notesSlides/notesSlide16.xml><?xml version="1.0" encoding="utf-8"?>
+<p:notes xmlns:a="http://schemas.openxmlformats.org/drawingml/2006/main" xmlns:r="http://schemas.openxmlformats.org/officeDocument/2006/relationships" xmlns:p="http://schemas.openxmlformats.org/presentationml/2006/main">
+  <p:cSld>
+    <p:spTree>
+      <p:nvGrpSpPr>
+        <p:cNvPr id="1" name=""/>
+        <p:cNvGrpSpPr/>
+        <p:nvPr/>
+      </p:nvGrpSpPr>
+      <p:grpSpPr>
+        <a:xfrm>
+          <a:off x="0" y="0"/>
+          <a:ext cx="0" cy="0"/>
+          <a:chOff x="0" y="0"/>
+          <a:chExt cx="0" cy="0"/>
+        </a:xfrm>
+      </p:grpSpPr>
+      <p:sp>
+        <p:nvSpPr>
+          <p:cNvPr id="278" name="Google Shape;278;gd3c3787e4d_0_56:notes"/>
+          <p:cNvSpPr>
+            <a:spLocks/>
+          </p:cNvSpPr>
+          <p:nvPr>
+            <p:ph type="sldImg"/>
+          </p:nvPr>
+        </p:nvSpPr>
+        <p:spPr>
+          <a:xfrm rot="0">
+            <a:off x="381000" y="685800"/>
+            <a:ext cx="6097270" cy="3430270"/>
+          </a:xfrm>
+          <a:custGeom>
+            <a:gdLst>
+              <a:gd fmla="*/ 0 w 120002" name="TX0"/>
+              <a:gd fmla="*/ 0 h 120002" name="TY0"/>
+              <a:gd fmla="*/ 120000 w 120002" name="TX1"/>
+              <a:gd fmla="*/ 0 h 120002" name="TY1"/>
+              <a:gd fmla="*/ 120000 w 120002" name="TX2"/>
+              <a:gd fmla="*/ 120000 h 120002" name="TY2"/>
+              <a:gd fmla="*/ 0 w 120002" name="TX3"/>
+              <a:gd fmla="*/ 120000 h 120002" name="TY3"/>
+            </a:gdLst>
+            <a:cxnLst>
+              <a:cxn ang="0">
+                <a:pos x="TX0" y="TY0"/>
+              </a:cxn>
+              <a:cxn ang="0">
+                <a:pos x="TX1" y="TY1"/>
+              </a:cxn>
+              <a:cxn ang="0">
+                <a:pos x="TX2" y="TY2"/>
+              </a:cxn>
+              <a:cxn ang="0">
+                <a:pos x="TX3" y="TY3"/>
+              </a:cxn>
+            </a:cxnLst>
+            <a:rect l="l" t="t" r="r" b="b"/>
+            <a:pathLst>
+              <a:path w="120002" h="120002">
+                <a:moveTo>
+                  <a:pt x="0" y="0"/>
+                </a:moveTo>
+                <a:lnTo>
+                  <a:pt x="120000" y="0"/>
+                </a:lnTo>
+                <a:lnTo>
+                  <a:pt x="120000" y="120000"/>
+                </a:lnTo>
+                <a:lnTo>
+                  <a:pt x="0" y="120000"/>
+                </a:lnTo>
+                <a:close/>
+              </a:path>
+            </a:pathLst>
+          </a:custGeom>
+          <a:noFill/>
+          <a:ln w="9525" cap="flat" cmpd="sng">
+            <a:solidFill>
+              <a:srgbClr val="000000">
+                <a:alpha val="100000"/>
+              </a:srgbClr>
+            </a:solidFill>
+            <a:prstDash val="solid"/>
+            <a:round/>
+          </a:ln>
+        </p:spPr>
+        <p:txBody>
+          <a:bodyPr wrap="square" lIns="0" tIns="0" rIns="0" bIns="0" numCol="1" vert="horz" anchor="t">
+            <a:noAutofit/>
+          </a:bodyPr>
+          <a:lstStyle/>
+          <a:p>
+            <a:pPr marL="0" indent="0" latinLnBrk="0"/>
+          </a:p>
+        </p:txBody>
+      </p:sp>
+      <p:sp>
+        <p:nvSpPr>
+          <p:cNvPr id="279" name="Google Shape;279;gd3c3787e4d_0_56:notes"/>
+          <p:cNvSpPr txBox="1">
+            <a:spLocks/>
+          </p:cNvSpPr>
+          <p:nvPr>
+            <p:ph type="body" idx="1"/>
+          </p:nvPr>
+        </p:nvSpPr>
+        <p:spPr>
+          <a:xfrm rot="0">
+            <a:off x="685800" y="4343400"/>
+            <a:ext cx="5487670" cy="4116070"/>
+          </a:xfrm>
+          <a:prstGeom prst="rect"/>
+          <a:noFill/>
+          <a:ln w="0">
+            <a:noFill/>
+            <a:prstDash/>
+          </a:ln>
+        </p:spPr>
+        <p:txBody>
+          <a:bodyPr wrap="square" lIns="91440" tIns="91440" rIns="91440" bIns="91440" numCol="1" vert="horz" anchor="t">
+            <a:noAutofit/>
+          </a:bodyPr>
+          <a:lstStyle/>
+          <a:p>
+            <a:pPr marL="0" indent="0" rtl="0" algn="l" latinLnBrk="0">
+              <a:spcBef>
+                <a:spcPts val="0"/>
+              </a:spcBef>
+              <a:spcAft>
+                <a:spcPts val="0"/>
+              </a:spcAft>
+              <a:buFontTx/>
+              <a:buNone/>
+            </a:pPr>
+          </a:p>
+        </p:txBody>
+      </p:sp>
+    </p:spTree>
+  </p:cSld>
+  <p:clrMapOvr>
+    <a:masterClrMapping/>
+  </p:clrMapOvr>
+  <mc:AlternateContent xmlns:mc="http://schemas.openxmlformats.org/markup-compatibility/2006">
+    <mc:Choice xmlns:p14="http://schemas.microsoft.com/office/powerpoint/2010/main" Requires="p14">
+      <p:transition spd="slow" p14:dur="0"/>
+    </mc:Choice>
+    <mc:Fallback>
+      <p:transition spd="slow"/>
+    </mc:Fallback>
+  </mc:AlternateContent>
+</p:notes>
+</file>
+
+<file path=ppt/notesSlides/notesSlide17.xml><?xml version="1.0" encoding="utf-8"?>
+<p:notes xmlns:a="http://schemas.openxmlformats.org/drawingml/2006/main" xmlns:r="http://schemas.openxmlformats.org/officeDocument/2006/relationships" xmlns:p="http://schemas.openxmlformats.org/presentationml/2006/main">
+  <p:cSld>
+    <p:spTree>
+      <p:nvGrpSpPr>
+        <p:cNvPr id="1" name=""/>
+        <p:cNvGrpSpPr/>
+        <p:nvPr/>
+      </p:nvGrpSpPr>
+      <p:grpSpPr>
+        <a:xfrm>
+          <a:off x="0" y="0"/>
+          <a:ext cx="0" cy="0"/>
+          <a:chOff x="0" y="0"/>
+          <a:chExt cx="0" cy="0"/>
+        </a:xfrm>
+      </p:grpSpPr>
+      <p:sp>
+        <p:nvSpPr>
+          <p:cNvPr id="278" name="Google Shape;278;gd3c3787e4d_0_56:notes"/>
+          <p:cNvSpPr>
+            <a:spLocks/>
+          </p:cNvSpPr>
+          <p:nvPr>
+            <p:ph type="sldImg"/>
+          </p:nvPr>
+        </p:nvSpPr>
+        <p:spPr>
+          <a:xfrm rot="0">
+            <a:off x="381000" y="685800"/>
+            <a:ext cx="6097270" cy="3430270"/>
+          </a:xfrm>
+          <a:custGeom>
+            <a:gdLst>
+              <a:gd fmla="*/ 0 w 120002" name="TX0"/>
+              <a:gd fmla="*/ 0 h 120002" name="TY0"/>
+              <a:gd fmla="*/ 120000 w 120002" name="TX1"/>
+              <a:gd fmla="*/ 0 h 120002" name="TY1"/>
+              <a:gd fmla="*/ 120000 w 120002" name="TX2"/>
+              <a:gd fmla="*/ 120000 h 120002" name="TY2"/>
+              <a:gd fmla="*/ 0 w 120002" name="TX3"/>
+              <a:gd fmla="*/ 120000 h 120002" name="TY3"/>
+            </a:gdLst>
+            <a:cxnLst>
+              <a:cxn ang="0">
+                <a:pos x="TX0" y="TY0"/>
+              </a:cxn>
+              <a:cxn ang="0">
+                <a:pos x="TX1" y="TY1"/>
+              </a:cxn>
+              <a:cxn ang="0">
+                <a:pos x="TX2" y="TY2"/>
+              </a:cxn>
+              <a:cxn ang="0">
+                <a:pos x="TX3" y="TY3"/>
+              </a:cxn>
+            </a:cxnLst>
+            <a:rect l="l" t="t" r="r" b="b"/>
+            <a:pathLst>
+              <a:path w="120002" h="120002">
+                <a:moveTo>
+                  <a:pt x="0" y="0"/>
+                </a:moveTo>
+                <a:lnTo>
+                  <a:pt x="120000" y="0"/>
+                </a:lnTo>
+                <a:lnTo>
+                  <a:pt x="120000" y="120000"/>
+                </a:lnTo>
+                <a:lnTo>
+                  <a:pt x="0" y="120000"/>
+                </a:lnTo>
+                <a:close/>
+              </a:path>
+            </a:pathLst>
+          </a:custGeom>
+          <a:noFill/>
+          <a:ln w="9525" cap="flat" cmpd="sng">
+            <a:solidFill>
+              <a:srgbClr val="000000">
+                <a:alpha val="100000"/>
+              </a:srgbClr>
+            </a:solidFill>
+            <a:prstDash val="solid"/>
+            <a:round/>
+          </a:ln>
+        </p:spPr>
+        <p:txBody>
+          <a:bodyPr wrap="square" lIns="0" tIns="0" rIns="0" bIns="0" numCol="1" vert="horz" anchor="t">
+            <a:noAutofit/>
+          </a:bodyPr>
+          <a:lstStyle/>
+          <a:p>
+            <a:pPr marL="0" indent="0" latinLnBrk="0"/>
+          </a:p>
+        </p:txBody>
+      </p:sp>
+      <p:sp>
+        <p:nvSpPr>
+          <p:cNvPr id="279" name="Google Shape;279;gd3c3787e4d_0_56:notes"/>
+          <p:cNvSpPr txBox="1">
+            <a:spLocks/>
+          </p:cNvSpPr>
+          <p:nvPr>
+            <p:ph type="body" idx="1"/>
+          </p:nvPr>
+        </p:nvSpPr>
+        <p:spPr>
+          <a:xfrm rot="0">
+            <a:off x="685800" y="4343400"/>
+            <a:ext cx="5487670" cy="4116070"/>
+          </a:xfrm>
+          <a:prstGeom prst="rect"/>
+          <a:noFill/>
+          <a:ln w="0">
+            <a:noFill/>
+            <a:prstDash/>
+          </a:ln>
+        </p:spPr>
+        <p:txBody>
+          <a:bodyPr wrap="square" lIns="91440" tIns="91440" rIns="91440" bIns="91440" numCol="1" vert="horz" anchor="t">
+            <a:noAutofit/>
+          </a:bodyPr>
+          <a:lstStyle/>
+          <a:p>
+            <a:pPr marL="0" indent="0" rtl="0" algn="l" latinLnBrk="0">
+              <a:spcBef>
+                <a:spcPts val="0"/>
+              </a:spcBef>
+              <a:spcAft>
+                <a:spcPts val="0"/>
+              </a:spcAft>
+              <a:buFontTx/>
+              <a:buNone/>
+            </a:pPr>
+          </a:p>
+        </p:txBody>
+      </p:sp>
+    </p:spTree>
+  </p:cSld>
+  <p:clrMapOvr>
+    <a:masterClrMapping/>
+  </p:clrMapOvr>
+  <mc:AlternateContent xmlns:mc="http://schemas.openxmlformats.org/markup-compatibility/2006">
+    <mc:Choice xmlns:p14="http://schemas.microsoft.com/office/powerpoint/2010/main" Requires="p14">
+      <p:transition spd="slow" p14:dur="0"/>
+    </mc:Choice>
+    <mc:Fallback>
+      <p:transition spd="slow"/>
+    </mc:Fallback>
+  </mc:AlternateContent>
+</p:notes>
+</file>
+
+<file path=ppt/notesSlides/notesSlide18.xml><?xml version="1.0" encoding="utf-8"?>
+<p:notes xmlns:a="http://schemas.openxmlformats.org/drawingml/2006/main" xmlns:r="http://schemas.openxmlformats.org/officeDocument/2006/relationships" xmlns:p="http://schemas.openxmlformats.org/presentationml/2006/main">
+  <p:cSld>
+    <p:spTree>
+      <p:nvGrpSpPr>
+        <p:cNvPr id="1" name=""/>
+        <p:cNvGrpSpPr/>
+        <p:nvPr/>
+      </p:nvGrpSpPr>
+      <p:grpSpPr>
+        <a:xfrm>
+          <a:off x="0" y="0"/>
+          <a:ext cx="0" cy="0"/>
+          <a:chOff x="0" y="0"/>
+          <a:chExt cx="0" cy="0"/>
+        </a:xfrm>
+      </p:grpSpPr>
+      <p:sp>
+        <p:nvSpPr>
+          <p:cNvPr id="278" name="Google Shape;278;gd3c3787e4d_0_56:notes"/>
+          <p:cNvSpPr>
+            <a:spLocks/>
+          </p:cNvSpPr>
+          <p:nvPr>
+            <p:ph type="sldImg"/>
+          </p:nvPr>
+        </p:nvSpPr>
+        <p:spPr>
+          <a:xfrm rot="0">
+            <a:off x="381000" y="685800"/>
+            <a:ext cx="6097270" cy="3430270"/>
+          </a:xfrm>
+          <a:custGeom>
+            <a:gdLst>
+              <a:gd fmla="*/ 0 w 120002" name="TX0"/>
+              <a:gd fmla="*/ 0 h 120002" name="TY0"/>
+              <a:gd fmla="*/ 120000 w 120002" name="TX1"/>
+              <a:gd fmla="*/ 0 h 120002" name="TY1"/>
+              <a:gd fmla="*/ 120000 w 120002" name="TX2"/>
+              <a:gd fmla="*/ 120000 h 120002" name="TY2"/>
+              <a:gd fmla="*/ 0 w 120002" name="TX3"/>
+              <a:gd fmla="*/ 120000 h 120002" name="TY3"/>
+            </a:gdLst>
+            <a:cxnLst>
+              <a:cxn ang="0">
+                <a:pos x="TX0" y="TY0"/>
+              </a:cxn>
+              <a:cxn ang="0">
+                <a:pos x="TX1" y="TY1"/>
+              </a:cxn>
+              <a:cxn ang="0">
+                <a:pos x="TX2" y="TY2"/>
+              </a:cxn>
+              <a:cxn ang="0">
+                <a:pos x="TX3" y="TY3"/>
+              </a:cxn>
+            </a:cxnLst>
+            <a:rect l="l" t="t" r="r" b="b"/>
+            <a:pathLst>
+              <a:path w="120002" h="120002">
+                <a:moveTo>
+                  <a:pt x="0" y="0"/>
+                </a:moveTo>
+                <a:lnTo>
+                  <a:pt x="120000" y="0"/>
+                </a:lnTo>
+                <a:lnTo>
+                  <a:pt x="120000" y="120000"/>
+                </a:lnTo>
+                <a:lnTo>
+                  <a:pt x="0" y="120000"/>
+                </a:lnTo>
+                <a:close/>
+              </a:path>
+            </a:pathLst>
+          </a:custGeom>
+          <a:noFill/>
+          <a:ln w="9525" cap="flat" cmpd="sng">
+            <a:solidFill>
+              <a:srgbClr val="000000">
+                <a:alpha val="100000"/>
+              </a:srgbClr>
+            </a:solidFill>
+            <a:prstDash val="solid"/>
+            <a:round/>
+          </a:ln>
+        </p:spPr>
+        <p:txBody>
+          <a:bodyPr wrap="square" lIns="0" tIns="0" rIns="0" bIns="0" numCol="1" vert="horz" anchor="t">
+            <a:noAutofit/>
+          </a:bodyPr>
+          <a:lstStyle/>
+          <a:p>
+            <a:pPr marL="0" indent="0" latinLnBrk="0"/>
+          </a:p>
+        </p:txBody>
+      </p:sp>
+      <p:sp>
+        <p:nvSpPr>
+          <p:cNvPr id="279" name="Google Shape;279;gd3c3787e4d_0_56:notes"/>
+          <p:cNvSpPr txBox="1">
+            <a:spLocks/>
+          </p:cNvSpPr>
+          <p:nvPr>
+            <p:ph type="body" idx="1"/>
+          </p:nvPr>
+        </p:nvSpPr>
+        <p:spPr>
+          <a:xfrm rot="0">
+            <a:off x="685800" y="4343400"/>
+            <a:ext cx="5487670" cy="4116070"/>
+          </a:xfrm>
+          <a:prstGeom prst="rect"/>
+          <a:noFill/>
+          <a:ln w="0">
+            <a:noFill/>
+            <a:prstDash/>
+          </a:ln>
+        </p:spPr>
+        <p:txBody>
+          <a:bodyPr wrap="square" lIns="91440" tIns="91440" rIns="91440" bIns="91440" numCol="1" vert="horz" anchor="t">
+            <a:noAutofit/>
+          </a:bodyPr>
+          <a:lstStyle/>
+          <a:p>
+            <a:pPr marL="0" indent="0" rtl="0" algn="l" latinLnBrk="0">
+              <a:spcBef>
+                <a:spcPts val="0"/>
+              </a:spcBef>
+              <a:spcAft>
+                <a:spcPts val="0"/>
+              </a:spcAft>
+              <a:buFontTx/>
+              <a:buNone/>
+            </a:pPr>
+          </a:p>
+        </p:txBody>
+      </p:sp>
+    </p:spTree>
+  </p:cSld>
+  <p:clrMapOvr>
+    <a:masterClrMapping/>
+  </p:clrMapOvr>
+  <mc:AlternateContent xmlns:mc="http://schemas.openxmlformats.org/markup-compatibility/2006">
+    <mc:Choice xmlns:p14="http://schemas.microsoft.com/office/powerpoint/2010/main" Requires="p14">
+      <p:transition spd="slow" p14:dur="0"/>
+    </mc:Choice>
+    <mc:Fallback>
+      <p:transition spd="slow"/>
+    </mc:Fallback>
+  </mc:AlternateContent>
+</p:notes>
+</file>
+
+<file path=ppt/notesSlides/notesSlide19.xml><?xml version="1.0" encoding="utf-8"?>
+<p:notes xmlns:a="http://schemas.openxmlformats.org/drawingml/2006/main" xmlns:r="http://schemas.openxmlformats.org/officeDocument/2006/relationships" xmlns:p="http://schemas.openxmlformats.org/presentationml/2006/main">
+  <p:cSld>
+    <p:spTree>
+      <p:nvGrpSpPr>
+        <p:cNvPr id="1" name=""/>
+        <p:cNvGrpSpPr/>
+        <p:nvPr/>
+      </p:nvGrpSpPr>
+      <p:grpSpPr>
+        <a:xfrm>
+          <a:off x="0" y="0"/>
+          <a:ext cx="0" cy="0"/>
+          <a:chOff x="0" y="0"/>
+          <a:chExt cx="0" cy="0"/>
+        </a:xfrm>
+      </p:grpSpPr>
+      <p:sp>
+        <p:nvSpPr>
+          <p:cNvPr id="278" name="Google Shape;278;gd3c3787e4d_0_56:notes"/>
+          <p:cNvSpPr>
+            <a:spLocks/>
+          </p:cNvSpPr>
+          <p:nvPr>
+            <p:ph type="sldImg"/>
+          </p:nvPr>
+        </p:nvSpPr>
+        <p:spPr>
+          <a:xfrm rot="0">
+            <a:off x="381000" y="685800"/>
+            <a:ext cx="6097270" cy="3430270"/>
+          </a:xfrm>
+          <a:custGeom>
+            <a:gdLst>
+              <a:gd fmla="*/ 0 w 120002" name="TX0"/>
+              <a:gd fmla="*/ 0 h 120002" name="TY0"/>
+              <a:gd fmla="*/ 120000 w 120002" name="TX1"/>
+              <a:gd fmla="*/ 0 h 120002" name="TY1"/>
+              <a:gd fmla="*/ 120000 w 120002" name="TX2"/>
+              <a:gd fmla="*/ 120000 h 120002" name="TY2"/>
+              <a:gd fmla="*/ 0 w 120002" name="TX3"/>
+              <a:gd fmla="*/ 120000 h 120002" name="TY3"/>
+            </a:gdLst>
+            <a:cxnLst>
+              <a:cxn ang="0">
+                <a:pos x="TX0" y="TY0"/>
+              </a:cxn>
+              <a:cxn ang="0">
+                <a:pos x="TX1" y="TY1"/>
+              </a:cxn>
+              <a:cxn ang="0">
+                <a:pos x="TX2" y="TY2"/>
+              </a:cxn>
+              <a:cxn ang="0">
+                <a:pos x="TX3" y="TY3"/>
+              </a:cxn>
+            </a:cxnLst>
+            <a:rect l="l" t="t" r="r" b="b"/>
+            <a:pathLst>
+              <a:path w="120002" h="120002">
+                <a:moveTo>
+                  <a:pt x="0" y="0"/>
+                </a:moveTo>
+                <a:lnTo>
+                  <a:pt x="120000" y="0"/>
+                </a:lnTo>
+                <a:lnTo>
+                  <a:pt x="120000" y="120000"/>
+                </a:lnTo>
+                <a:lnTo>
+                  <a:pt x="0" y="120000"/>
+                </a:lnTo>
+                <a:close/>
+              </a:path>
+            </a:pathLst>
+          </a:custGeom>
+          <a:noFill/>
+          <a:ln w="9525" cap="flat" cmpd="sng">
+            <a:solidFill>
+              <a:srgbClr val="000000">
+                <a:alpha val="100000"/>
+              </a:srgbClr>
+            </a:solidFill>
+            <a:prstDash val="solid"/>
+            <a:round/>
+          </a:ln>
+        </p:spPr>
+        <p:txBody>
+          <a:bodyPr wrap="square" lIns="0" tIns="0" rIns="0" bIns="0" numCol="1" vert="horz" anchor="t">
+            <a:noAutofit/>
+          </a:bodyPr>
+          <a:lstStyle/>
+          <a:p>
+            <a:pPr marL="0" indent="0" latinLnBrk="0"/>
+          </a:p>
+        </p:txBody>
+      </p:sp>
+      <p:sp>
+        <p:nvSpPr>
+          <p:cNvPr id="279" name="Google Shape;279;gd3c3787e4d_0_56:notes"/>
+          <p:cNvSpPr txBox="1">
+            <a:spLocks/>
+          </p:cNvSpPr>
+          <p:nvPr>
+            <p:ph type="body" idx="1"/>
+          </p:nvPr>
+        </p:nvSpPr>
+        <p:spPr>
+          <a:xfrm rot="0">
+            <a:off x="685800" y="4343400"/>
+            <a:ext cx="5487670" cy="4116070"/>
+          </a:xfrm>
+          <a:prstGeom prst="rect"/>
+          <a:noFill/>
+          <a:ln w="0">
+            <a:noFill/>
+            <a:prstDash/>
+          </a:ln>
+        </p:spPr>
+        <p:txBody>
+          <a:bodyPr wrap="square" lIns="91440" tIns="91440" rIns="91440" bIns="91440" numCol="1" vert="horz" anchor="t">
+            <a:noAutofit/>
+          </a:bodyPr>
+          <a:lstStyle/>
+          <a:p>
+            <a:pPr marL="0" indent="0" rtl="0" algn="l" latinLnBrk="0">
+              <a:spcBef>
+                <a:spcPts val="0"/>
+              </a:spcBef>
+              <a:spcAft>
+                <a:spcPts val="0"/>
+              </a:spcAft>
+              <a:buFontTx/>
+              <a:buNone/>
+            </a:pPr>
+          </a:p>
+        </p:txBody>
+      </p:sp>
+    </p:spTree>
+  </p:cSld>
+  <p:clrMapOvr>
+    <a:masterClrMapping/>
+  </p:clrMapOvr>
+  <mc:AlternateContent xmlns:mc="http://schemas.openxmlformats.org/markup-compatibility/2006">
+    <mc:Choice xmlns:p14="http://schemas.microsoft.com/office/powerpoint/2010/main" Requires="p14">
+      <p:transition spd="slow" p14:dur="0"/>
+    </mc:Choice>
+    <mc:Fallback>
+      <p:transition spd="slow"/>
+    </mc:Fallback>
+  </mc:AlternateContent>
+</p:notes>
+</file>
+
+<file path=ppt/notesSlides/notesSlide2.xml><?xml version="1.0" encoding="utf-8"?>
+<p:notes xmlns:a="http://schemas.openxmlformats.org/drawingml/2006/main" xmlns:r="http://schemas.openxmlformats.org/officeDocument/2006/relationships" xmlns:mc="http://schemas.openxmlformats.org/markup-compatibility/2006" xmlns:mv="urn:schemas-microsoft-com:mac:vml" xmlns:p="http://schemas.openxmlformats.org/presentationml/2006/main" xmlns:c="http://schemas.openxmlformats.org/drawingml/2006/chart" xmlns:dgm="http://schemas.openxmlformats.org/drawingml/2006/diagram" xmlns:o="urn:schemas-microsoft-com:office:office" xmlns:v="urn:schemas-microsoft-com:vml" xmlns:pvml="urn:schemas-microsoft-com:office:powerpoint" xmlns:com="http://schemas.openxmlformats.org/drawingml/2006/compatibility" xmlns:p14="http://schemas.microsoft.com/office/powerpoint/2010/main" xmlns:p15="http://schemas.microsoft.com/office/powerpoint/2012/main" xmlns:ahyp="http://schemas.microsoft.com/office/drawing/2018/hyperlinkcolor" showMasterPhAnim="0" showMasterSp="0">
+  <p:cSld>
+    <p:spTree>
+      <p:nvGrpSpPr>
+        <p:cNvPr id="345" name="Shape 345"/>
+        <p:cNvGrpSpPr/>
+        <p:nvPr/>
+      </p:nvGrpSpPr>
+      <p:grpSpPr>
+        <a:xfrm>
+          <a:off x="0" y="0"/>
+          <a:ext cx="0" cy="0"/>
+          <a:chOff x="0" y="0"/>
+          <a:chExt cx="0" cy="0"/>
+        </a:xfrm>
+      </p:grpSpPr>
+      <p:sp>
+        <p:nvSpPr>
+          <p:cNvPr id="346" name="Google Shape;346;gd4db157b90_0_24:notes"/>
+          <p:cNvSpPr/>
+          <p:nvPr>
+            <p:ph idx="2" type="sldImg"/>
+          </p:nvPr>
+        </p:nvSpPr>
+        <p:spPr>
+          <a:xfrm>
+            <a:off x="381300" y="685800"/>
+            <a:ext cx="6096000" cy="3429000"/>
+          </a:xfrm>
+          <a:custGeom>
+            <a:rect b="b" l="l" r="r" t="t"/>
+            <a:pathLst>
+              <a:path extrusionOk="0" h="120000" w="120000">
+                <a:moveTo>
+                  <a:pt x="0" y="0"/>
+                </a:moveTo>
+                <a:lnTo>
+                  <a:pt x="120000" y="0"/>
+                </a:lnTo>
+                <a:lnTo>
+                  <a:pt x="120000" y="120000"/>
+                </a:lnTo>
+                <a:lnTo>
+                  <a:pt x="0" y="120000"/>
+                </a:lnTo>
+                <a:close/>
+              </a:path>
+            </a:pathLst>
+          </a:custGeom>
+        </p:spPr>
+      </p:sp>
+      <p:sp>
+        <p:nvSpPr>
+          <p:cNvPr id="347" name="Google Shape;347;gd4db157b90_0_24:notes"/>
+          <p:cNvSpPr txBox="1"/>
+          <p:nvPr>
+            <p:ph idx="1" type="body"/>
+          </p:nvPr>
+        </p:nvSpPr>
+        <p:spPr>
+          <a:xfrm>
+            <a:off x="685800" y="4343400"/>
+            <a:ext cx="5486400" cy="4114800"/>
+          </a:xfrm>
+          <a:prstGeom prst="rect">
+            <a:avLst/>
+          </a:prstGeom>
+        </p:spPr>
+        <p:txBody>
+          <a:bodyPr anchorCtr="0" anchor="t" bIns="91425" lIns="91425" spcFirstLastPara="1" rIns="91425" wrap="square" tIns="91425">
+            <a:noAutofit/>
+          </a:bodyPr>
+          <a:lstStyle/>
+          <a:p>
+            <a:pPr indent="0" lvl="0" marL="0" rtl="0" algn="l">
+              <a:spcBef>
+                <a:spcPts val="0"/>
+              </a:spcBef>
+              <a:spcAft>
+                <a:spcPts val="0"/>
+              </a:spcAft>
+              <a:buNone/>
+            </a:pPr>
+            <a:r>
+              <a:t/>
+            </a:r>
+            <a:endParaRPr/>
+          </a:p>
+        </p:txBody>
+      </p:sp>
+    </p:spTree>
+  </p:cSld>
+  <p:clrMapOvr>
+    <a:masterClrMapping/>
+  </p:clrMapOvr>
+</p:notes>
+</file>
+
+<file path=ppt/notesSlides/notesSlide3.xml><?xml version="1.0" encoding="utf-8"?>
+<p:notes xmlns:a="http://schemas.openxmlformats.org/drawingml/2006/main" xmlns:r="http://schemas.openxmlformats.org/officeDocument/2006/relationships" xmlns:mc="http://schemas.openxmlformats.org/markup-compatibility/2006" xmlns:mv="urn:schemas-microsoft-com:mac:vml" xmlns:p="http://schemas.openxmlformats.org/presentationml/2006/main" xmlns:c="http://schemas.openxmlformats.org/drawingml/2006/chart" xmlns:dgm="http://schemas.openxmlformats.org/drawingml/2006/diagram" xmlns:o="urn:schemas-microsoft-com:office:office" xmlns:v="urn:schemas-microsoft-com:vml" xmlns:pvml="urn:schemas-microsoft-com:office:powerpoint" xmlns:com="http://schemas.openxmlformats.org/drawingml/2006/compatibility" xmlns:p14="http://schemas.microsoft.com/office/powerpoint/2010/main" xmlns:p15="http://schemas.microsoft.com/office/powerpoint/2012/main" xmlns:ahyp="http://schemas.microsoft.com/office/drawing/2018/hyperlinkcolor" showMasterPhAnim="0" showMasterSp="0">
+  <p:cSld>
+    <p:spTree>
+      <p:nvGrpSpPr>
+        <p:cNvPr id="257" name="Shape 257"/>
+        <p:cNvGrpSpPr/>
+        <p:nvPr/>
+      </p:nvGrpSpPr>
+      <p:grpSpPr>
+        <a:xfrm>
+          <a:off x="0" y="0"/>
+          <a:ext cx="0" cy="0"/>
+          <a:chOff x="0" y="0"/>
+          <a:chExt cx="0" cy="0"/>
+        </a:xfrm>
+      </p:grpSpPr>
+      <p:sp>
+        <p:nvSpPr>
+          <p:cNvPr id="258" name="Google Shape;258;gd3c3787e4d_0_30:notes"/>
+          <p:cNvSpPr/>
+          <p:nvPr>
+            <p:ph idx="2" type="sldImg"/>
+          </p:nvPr>
+        </p:nvSpPr>
+        <p:spPr>
+          <a:xfrm>
+            <a:off x="381300" y="685800"/>
+            <a:ext cx="6096000" cy="3429000"/>
+          </a:xfrm>
+          <a:custGeom>
+            <a:rect b="b" l="l" r="r" t="t"/>
+            <a:pathLst>
+              <a:path extrusionOk="0" h="120000" w="120000">
+                <a:moveTo>
+                  <a:pt x="0" y="0"/>
+                </a:moveTo>
+                <a:lnTo>
+                  <a:pt x="120000" y="0"/>
+                </a:lnTo>
+                <a:lnTo>
+                  <a:pt x="120000" y="120000"/>
+                </a:lnTo>
+                <a:lnTo>
+                  <a:pt x="0" y="120000"/>
+                </a:lnTo>
+                <a:close/>
+              </a:path>
+            </a:pathLst>
+          </a:custGeom>
+        </p:spPr>
+      </p:sp>
+      <p:sp>
+        <p:nvSpPr>
+          <p:cNvPr id="259" name="Google Shape;259;gd3c3787e4d_0_30:notes"/>
+          <p:cNvSpPr txBox="1"/>
+          <p:nvPr>
+            <p:ph idx="1" type="body"/>
+          </p:nvPr>
+        </p:nvSpPr>
+        <p:spPr>
+          <a:xfrm>
+            <a:off x="685800" y="4343400"/>
+            <a:ext cx="5486400" cy="4114800"/>
+          </a:xfrm>
+          <a:prstGeom prst="rect">
+            <a:avLst/>
+          </a:prstGeom>
+        </p:spPr>
+        <p:txBody>
+          <a:bodyPr anchorCtr="0" anchor="t" bIns="91425" lIns="91425" spcFirstLastPara="1" rIns="91425" wrap="square" tIns="91425">
+            <a:noAutofit/>
+          </a:bodyPr>
+          <a:lstStyle/>
+          <a:p>
+            <a:pPr indent="0" lvl="0" marL="0" rtl="0" algn="l">
+              <a:spcBef>
+                <a:spcPts val="0"/>
+              </a:spcBef>
+              <a:spcAft>
+                <a:spcPts val="0"/>
+              </a:spcAft>
+              <a:buNone/>
+            </a:pPr>
+            <a:r>
+              <a:t/>
+            </a:r>
+            <a:endParaRPr/>
+          </a:p>
+        </p:txBody>
+      </p:sp>
+    </p:spTree>
+  </p:cSld>
+  <p:clrMapOvr>
+    <a:masterClrMapping/>
+  </p:clrMapOvr>
+</p:notes>
+</file>
+
+<file path=ppt/notesSlides/notesSlide5.xml><?xml version="1.0" encoding="utf-8"?>
+<p:notes xmlns:a="http://schemas.openxmlformats.org/drawingml/2006/main" xmlns:r="http://schemas.openxmlformats.org/officeDocument/2006/relationships" xmlns:mc="http://schemas.openxmlformats.org/markup-compatibility/2006" xmlns:mv="urn:schemas-microsoft-com:mac:vml" xmlns:p="http://schemas.openxmlformats.org/presentationml/2006/main" xmlns:c="http://schemas.openxmlformats.org/drawingml/2006/chart" xmlns:dgm="http://schemas.openxmlformats.org/drawingml/2006/diagram" xmlns:o="urn:schemas-microsoft-com:office:office" xmlns:v="urn:schemas-microsoft-com:vml" xmlns:pvml="urn:schemas-microsoft-com:office:powerpoint" xmlns:com="http://schemas.openxmlformats.org/drawingml/2006/compatibility" xmlns:p14="http://schemas.microsoft.com/office/powerpoint/2010/main" xmlns:p15="http://schemas.microsoft.com/office/powerpoint/2012/main" xmlns:ahyp="http://schemas.microsoft.com/office/drawing/2018/hyperlinkcolor" showMasterPhAnim="0" showMasterSp="0">
+  <p:cSld>
+    <p:spTree>
+      <p:nvGrpSpPr>
+        <p:cNvPr id="277" name="Shape 277"/>
+        <p:cNvGrpSpPr/>
+        <p:nvPr/>
+      </p:nvGrpSpPr>
+      <p:grpSpPr>
+        <a:xfrm>
+          <a:off x="0" y="0"/>
+          <a:ext cx="0" cy="0"/>
+          <a:chOff x="0" y="0"/>
+          <a:chExt cx="0" cy="0"/>
+        </a:xfrm>
+      </p:grpSpPr>
+      <p:sp>
+        <p:nvSpPr>
+          <p:cNvPr id="278" name="Google Shape;278;gd3c3787e4d_0_56:notes"/>
+          <p:cNvSpPr/>
+          <p:nvPr>
+            <p:ph idx="2" type="sldImg"/>
+          </p:nvPr>
+        </p:nvSpPr>
+        <p:spPr>
+          <a:xfrm>
+            <a:off x="381300" y="685800"/>
+            <a:ext cx="6096000" cy="3429000"/>
+          </a:xfrm>
+          <a:custGeom>
+            <a:rect b="b" l="l" r="r" t="t"/>
+            <a:pathLst>
+              <a:path extrusionOk="0" h="120000" w="120000">
+                <a:moveTo>
+                  <a:pt x="0" y="0"/>
+                </a:moveTo>
+                <a:lnTo>
+                  <a:pt x="120000" y="0"/>
+                </a:lnTo>
+                <a:lnTo>
+                  <a:pt x="120000" y="120000"/>
+                </a:lnTo>
+                <a:lnTo>
+                  <a:pt x="0" y="120000"/>
+                </a:lnTo>
+                <a:close/>
+              </a:path>
+            </a:pathLst>
+          </a:custGeom>
+        </p:spPr>
+      </p:sp>
+      <p:sp>
+        <p:nvSpPr>
+          <p:cNvPr id="279" name="Google Shape;279;gd3c3787e4d_0_56:notes"/>
+          <p:cNvSpPr txBox="1"/>
+          <p:nvPr>
+            <p:ph idx="1" type="body"/>
+          </p:nvPr>
+        </p:nvSpPr>
+        <p:spPr>
+          <a:xfrm>
+            <a:off x="685800" y="4343400"/>
+            <a:ext cx="5486400" cy="4114800"/>
+          </a:xfrm>
+          <a:prstGeom prst="rect">
+            <a:avLst/>
+          </a:prstGeom>
+        </p:spPr>
+        <p:txBody>
+          <a:bodyPr anchorCtr="0" anchor="t" bIns="91425" lIns="91425" spcFirstLastPara="1" rIns="91425" wrap="square" tIns="91425">
+            <a:noAutofit/>
+          </a:bodyPr>
+          <a:lstStyle/>
+          <a:p>
+            <a:pPr indent="0" lvl="0" marL="0" rtl="0" algn="l">
+              <a:spcBef>
+                <a:spcPts val="0"/>
+              </a:spcBef>
+              <a:spcAft>
+                <a:spcPts val="0"/>
+              </a:spcAft>
+              <a:buNone/>
+            </a:pPr>
+            <a:r>
+              <a:t/>
+            </a:r>
+            <a:endParaRPr/>
+          </a:p>
+        </p:txBody>
+      </p:sp>
+    </p:spTree>
+  </p:cSld>
+  <p:clrMapOvr>
+    <a:masterClrMapping/>
+  </p:clrMapOvr>
+</p:notes>
+</file>
+
+<file path=ppt/notesSlides/notesSlide6.xml><?xml version="1.0" encoding="utf-8"?>
 <p:notes xmlns:a="http://schemas.openxmlformats.org/drawingml/2006/main" xmlns:r="http://schemas.openxmlformats.org/officeDocument/2006/relationships" xmlns:p="http://schemas.openxmlformats.org/presentationml/2006/main">
   <p:cSld>
     <p:spTree>
@@ -1891,7 +2824,7 @@
 </p:notes>
 </file>
 
-<file path=ppt/notesSlides/notesSlide9.xml><?xml version="1.0" encoding="utf-8"?>
+<file path=ppt/notesSlides/notesSlide7.xml><?xml version="1.0" encoding="utf-8"?>
 <p:notes xmlns:a="http://schemas.openxmlformats.org/drawingml/2006/main" xmlns:r="http://schemas.openxmlformats.org/officeDocument/2006/relationships" xmlns:p="http://schemas.openxmlformats.org/presentationml/2006/main">
   <p:cSld>
     <p:spTree>
@@ -2002,6 +2935,314 @@
           <a:xfrm rot="0">
             <a:off x="685800" y="4343400"/>
             <a:ext cx="5487035" cy="4115435"/>
+          </a:xfrm>
+          <a:prstGeom prst="rect"/>
+          <a:noFill/>
+          <a:ln w="0">
+            <a:noFill/>
+            <a:prstDash/>
+          </a:ln>
+        </p:spPr>
+        <p:txBody>
+          <a:bodyPr wrap="square" lIns="91440" tIns="91440" rIns="91440" bIns="91440" numCol="1" vert="horz" anchor="t">
+            <a:noAutofit/>
+          </a:bodyPr>
+          <a:lstStyle/>
+          <a:p>
+            <a:pPr marL="0" indent="0" rtl="0" algn="l" latinLnBrk="0">
+              <a:spcBef>
+                <a:spcPts val="0"/>
+              </a:spcBef>
+              <a:spcAft>
+                <a:spcPts val="0"/>
+              </a:spcAft>
+              <a:buFontTx/>
+              <a:buNone/>
+            </a:pPr>
+          </a:p>
+        </p:txBody>
+      </p:sp>
+    </p:spTree>
+  </p:cSld>
+  <p:clrMapOvr>
+    <a:masterClrMapping/>
+  </p:clrMapOvr>
+  <mc:AlternateContent xmlns:mc="http://schemas.openxmlformats.org/markup-compatibility/2006">
+    <mc:Choice xmlns:p14="http://schemas.microsoft.com/office/powerpoint/2010/main" Requires="p14">
+      <p:transition spd="slow" p14:dur="0"/>
+    </mc:Choice>
+    <mc:Fallback>
+      <p:transition spd="slow"/>
+    </mc:Fallback>
+  </mc:AlternateContent>
+</p:notes>
+</file>
+
+<file path=ppt/notesSlides/notesSlide8.xml><?xml version="1.0" encoding="utf-8"?>
+<p:notes xmlns:a="http://schemas.openxmlformats.org/drawingml/2006/main" xmlns:r="http://schemas.openxmlformats.org/officeDocument/2006/relationships" xmlns:p="http://schemas.openxmlformats.org/presentationml/2006/main">
+  <p:cSld>
+    <p:spTree>
+      <p:nvGrpSpPr>
+        <p:cNvPr id="1" name=""/>
+        <p:cNvGrpSpPr/>
+        <p:nvPr/>
+      </p:nvGrpSpPr>
+      <p:grpSpPr>
+        <a:xfrm>
+          <a:off x="0" y="0"/>
+          <a:ext cx="0" cy="0"/>
+          <a:chOff x="0" y="0"/>
+          <a:chExt cx="0" cy="0"/>
+        </a:xfrm>
+      </p:grpSpPr>
+      <p:sp>
+        <p:nvSpPr>
+          <p:cNvPr id="278" name="Google Shape;278;gd3c3787e4d_0_56:notes"/>
+          <p:cNvSpPr>
+            <a:spLocks/>
+          </p:cNvSpPr>
+          <p:nvPr>
+            <p:ph type="sldImg"/>
+          </p:nvPr>
+        </p:nvSpPr>
+        <p:spPr>
+          <a:xfrm rot="0">
+            <a:off x="381000" y="685800"/>
+            <a:ext cx="6096635" cy="3429635"/>
+          </a:xfrm>
+          <a:custGeom>
+            <a:gdLst>
+              <a:gd fmla="*/ 0 w 120001" name="TX0"/>
+              <a:gd fmla="*/ 0 h 120001" name="TY0"/>
+              <a:gd fmla="*/ 120000 w 120001" name="TX1"/>
+              <a:gd fmla="*/ 0 h 120001" name="TY1"/>
+              <a:gd fmla="*/ 120000 w 120001" name="TX2"/>
+              <a:gd fmla="*/ 120000 h 120001" name="TY2"/>
+              <a:gd fmla="*/ 0 w 120001" name="TX3"/>
+              <a:gd fmla="*/ 120000 h 120001" name="TY3"/>
+            </a:gdLst>
+            <a:cxnLst>
+              <a:cxn ang="0">
+                <a:pos x="TX0" y="TY0"/>
+              </a:cxn>
+              <a:cxn ang="0">
+                <a:pos x="TX1" y="TY1"/>
+              </a:cxn>
+              <a:cxn ang="0">
+                <a:pos x="TX2" y="TY2"/>
+              </a:cxn>
+              <a:cxn ang="0">
+                <a:pos x="TX3" y="TY3"/>
+              </a:cxn>
+            </a:cxnLst>
+            <a:rect l="l" t="t" r="r" b="b"/>
+            <a:pathLst>
+              <a:path w="120001" h="120001">
+                <a:moveTo>
+                  <a:pt x="0" y="0"/>
+                </a:moveTo>
+                <a:lnTo>
+                  <a:pt x="120000" y="0"/>
+                </a:lnTo>
+                <a:lnTo>
+                  <a:pt x="120000" y="120000"/>
+                </a:lnTo>
+                <a:lnTo>
+                  <a:pt x="0" y="120000"/>
+                </a:lnTo>
+                <a:close/>
+              </a:path>
+            </a:pathLst>
+          </a:custGeom>
+          <a:noFill/>
+          <a:ln w="9525" cap="flat" cmpd="sng">
+            <a:solidFill>
+              <a:srgbClr val="000000">
+                <a:alpha val="100000"/>
+              </a:srgbClr>
+            </a:solidFill>
+            <a:prstDash val="solid"/>
+            <a:round/>
+          </a:ln>
+        </p:spPr>
+        <p:txBody>
+          <a:bodyPr wrap="square" lIns="0" tIns="0" rIns="0" bIns="0" vert="horz" anchor="t">
+            <a:noAutofit/>
+          </a:bodyPr>
+          <a:lstStyle/>
+          <a:p>
+            <a:pPr marL="0" indent="0"/>
+          </a:p>
+        </p:txBody>
+      </p:sp>
+      <p:sp>
+        <p:nvSpPr>
+          <p:cNvPr id="279" name="Google Shape;279;gd3c3787e4d_0_56:notes"/>
+          <p:cNvSpPr txBox="1">
+            <a:spLocks/>
+          </p:cNvSpPr>
+          <p:nvPr>
+            <p:ph type="body" idx="1"/>
+          </p:nvPr>
+        </p:nvSpPr>
+        <p:spPr>
+          <a:xfrm rot="0">
+            <a:off x="685800" y="4343400"/>
+            <a:ext cx="5487035" cy="4115435"/>
+          </a:xfrm>
+          <a:prstGeom prst="rect"/>
+          <a:noFill/>
+          <a:ln w="0">
+            <a:noFill/>
+            <a:prstDash/>
+          </a:ln>
+        </p:spPr>
+        <p:txBody>
+          <a:bodyPr wrap="square" lIns="91440" tIns="91440" rIns="91440" bIns="91440" numCol="1" vert="horz" anchor="t">
+            <a:noAutofit/>
+          </a:bodyPr>
+          <a:lstStyle/>
+          <a:p>
+            <a:pPr marL="0" indent="0" rtl="0" algn="l" latinLnBrk="0">
+              <a:spcBef>
+                <a:spcPts val="0"/>
+              </a:spcBef>
+              <a:spcAft>
+                <a:spcPts val="0"/>
+              </a:spcAft>
+              <a:buFontTx/>
+              <a:buNone/>
+            </a:pPr>
+          </a:p>
+        </p:txBody>
+      </p:sp>
+    </p:spTree>
+  </p:cSld>
+  <p:clrMapOvr>
+    <a:masterClrMapping/>
+  </p:clrMapOvr>
+  <mc:AlternateContent xmlns:mc="http://schemas.openxmlformats.org/markup-compatibility/2006">
+    <mc:Choice xmlns:p14="http://schemas.microsoft.com/office/powerpoint/2010/main" Requires="p14">
+      <p:transition spd="slow" p14:dur="0"/>
+    </mc:Choice>
+    <mc:Fallback>
+      <p:transition spd="slow"/>
+    </mc:Fallback>
+  </mc:AlternateContent>
+</p:notes>
+</file>
+
+<file path=ppt/notesSlides/notesSlide9.xml><?xml version="1.0" encoding="utf-8"?>
+<p:notes xmlns:a="http://schemas.openxmlformats.org/drawingml/2006/main" xmlns:r="http://schemas.openxmlformats.org/officeDocument/2006/relationships" xmlns:p="http://schemas.openxmlformats.org/presentationml/2006/main">
+  <p:cSld>
+    <p:spTree>
+      <p:nvGrpSpPr>
+        <p:cNvPr id="1" name=""/>
+        <p:cNvGrpSpPr/>
+        <p:nvPr/>
+      </p:nvGrpSpPr>
+      <p:grpSpPr>
+        <a:xfrm>
+          <a:off x="0" y="0"/>
+          <a:ext cx="0" cy="0"/>
+          <a:chOff x="0" y="0"/>
+          <a:chExt cx="0" cy="0"/>
+        </a:xfrm>
+      </p:grpSpPr>
+      <p:sp>
+        <p:nvSpPr>
+          <p:cNvPr id="278" name="Google Shape;278;gd3c3787e4d_0_56:notes"/>
+          <p:cNvSpPr>
+            <a:spLocks/>
+          </p:cNvSpPr>
+          <p:nvPr>
+            <p:ph type="sldImg"/>
+          </p:nvPr>
+        </p:nvSpPr>
+        <p:spPr>
+          <a:xfrm rot="0">
+            <a:off x="381000" y="685800"/>
+            <a:ext cx="6097270" cy="3430270"/>
+          </a:xfrm>
+          <a:custGeom>
+            <a:gdLst>
+              <a:gd fmla="*/ 0 w 120002" name="TX0"/>
+              <a:gd fmla="*/ 0 h 120002" name="TY0"/>
+              <a:gd fmla="*/ 120000 w 120002" name="TX1"/>
+              <a:gd fmla="*/ 0 h 120002" name="TY1"/>
+              <a:gd fmla="*/ 120000 w 120002" name="TX2"/>
+              <a:gd fmla="*/ 120000 h 120002" name="TY2"/>
+              <a:gd fmla="*/ 0 w 120002" name="TX3"/>
+              <a:gd fmla="*/ 120000 h 120002" name="TY3"/>
+            </a:gdLst>
+            <a:cxnLst>
+              <a:cxn ang="0">
+                <a:pos x="TX0" y="TY0"/>
+              </a:cxn>
+              <a:cxn ang="0">
+                <a:pos x="TX1" y="TY1"/>
+              </a:cxn>
+              <a:cxn ang="0">
+                <a:pos x="TX2" y="TY2"/>
+              </a:cxn>
+              <a:cxn ang="0">
+                <a:pos x="TX3" y="TY3"/>
+              </a:cxn>
+            </a:cxnLst>
+            <a:rect l="l" t="t" r="r" b="b"/>
+            <a:pathLst>
+              <a:path w="120002" h="120002">
+                <a:moveTo>
+                  <a:pt x="0" y="0"/>
+                </a:moveTo>
+                <a:lnTo>
+                  <a:pt x="120000" y="0"/>
+                </a:lnTo>
+                <a:lnTo>
+                  <a:pt x="120000" y="120000"/>
+                </a:lnTo>
+                <a:lnTo>
+                  <a:pt x="0" y="120000"/>
+                </a:lnTo>
+                <a:close/>
+              </a:path>
+            </a:pathLst>
+          </a:custGeom>
+          <a:noFill/>
+          <a:ln w="9525" cap="flat" cmpd="sng">
+            <a:solidFill>
+              <a:srgbClr val="000000">
+                <a:alpha val="100000"/>
+              </a:srgbClr>
+            </a:solidFill>
+            <a:prstDash val="solid"/>
+            <a:round/>
+          </a:ln>
+        </p:spPr>
+        <p:txBody>
+          <a:bodyPr wrap="square" lIns="0" tIns="0" rIns="0" bIns="0" numCol="1" vert="horz" anchor="t">
+            <a:noAutofit/>
+          </a:bodyPr>
+          <a:lstStyle/>
+          <a:p>
+            <a:pPr marL="0" indent="0" latinLnBrk="0"/>
+          </a:p>
+        </p:txBody>
+      </p:sp>
+      <p:sp>
+        <p:nvSpPr>
+          <p:cNvPr id="279" name="Google Shape;279;gd3c3787e4d_0_56:notes"/>
+          <p:cNvSpPr txBox="1">
+            <a:spLocks/>
+          </p:cNvSpPr>
+          <p:nvPr>
+            <p:ph type="body" idx="1"/>
+          </p:nvPr>
+        </p:nvSpPr>
+        <p:spPr>
+          <a:xfrm rot="0">
+            <a:off x="685800" y="4343400"/>
+            <a:ext cx="5487670" cy="4116070"/>
           </a:xfrm>
           <a:prstGeom prst="rect"/>
           <a:noFill/>
@@ -21768,6 +23009,756 @@
       </p:grpSpPr>
       <p:pic>
         <p:nvPicPr>
+          <p:cNvPr id="4" name="그림 43"/>
+          <p:cNvPicPr>
+            <a:picLocks noChangeAspect="1"/>
+          </p:cNvPicPr>
+          <p:nvPr/>
+        </p:nvPicPr>
+        <p:blipFill rotWithShape="1">
+          <a:blip r:embed="rId2" cstate="print">
+            <a:extLst>
+              <a:ext uri="{28A0092B-C50C-407E-A947-70E740481C1C}">
+                <a14:useLocalDpi xmlns:a14="http://schemas.microsoft.com/office/drawing/2010/main" val="0"/>
+              </a:ext>
+            </a:extLst>
+          </a:blip>
+          <a:stretch>
+            <a:fillRect/>
+          </a:stretch>
+        </p:blipFill>
+        <p:spPr>
+          <a:xfrm rot="0">
+            <a:off x="0" y="284480"/>
+            <a:ext cx="9144635" cy="4574540"/>
+          </a:xfrm>
+          <a:prstGeom prst="rect"/>
+          <a:noFill/>
+        </p:spPr>
+      </p:pic>
+      <p:sp>
+        <p:nvSpPr>
+          <p:cNvPr id="5" name="텍스트 상자 44"/>
+          <p:cNvSpPr txBox="1">
+            <a:spLocks/>
+          </p:cNvSpPr>
+          <p:nvPr/>
+        </p:nvSpPr>
+        <p:spPr>
+          <a:xfrm>
+            <a:off x="91440" y="104140"/>
+            <a:ext cx="3346450" cy="370205"/>
+          </a:xfrm>
+          <a:prstGeom prst="rect"/>
+          <a:noFill/>
+          <a:ln w="0" cap="flat" cmpd="sng">
+            <a:solidFill>
+              <a:srgbClr val="FFFFFF">
+                <a:alpha val="100000"/>
+              </a:srgbClr>
+            </a:solidFill>
+            <a:prstDash/>
+          </a:ln>
+        </p:spPr>
+        <p:txBody>
+          <a:bodyPr wrap="none" lIns="89535" tIns="46355" rIns="89535" bIns="46355" numCol="1" vert="horz" anchor="t">
+            <a:spAutoFit/>
+          </a:bodyPr>
+          <a:lstStyle/>
+          <a:p>
+            <a:pPr marL="0" indent="0" algn="l" latinLnBrk="0" hangingPunct="1"/>
+            <a:r>
+              <a:rPr lang="ko-KR" sz="1800">
+                <a:latin typeface="경기천년제목 Bold" charset="0"/>
+                <a:ea typeface="경기천년제목 Bold" charset="0"/>
+              </a:rPr>
+              <a:t>FAQ - 게시글 등록</a:t>
+            </a:r>
+            <a:r>
+              <a:rPr lang="ko-KR" sz="1800">
+                <a:latin typeface="경기천년제목 Bold" charset="0"/>
+                <a:ea typeface="경기천년제목 Bold" charset="0"/>
+              </a:rPr>
+              <a:t> - /faq/form</a:t>
+            </a:r>
+            <a:endParaRPr lang="ko-KR" altLang="en-US" sz="1800">
+              <a:latin typeface="경기천년제목 Bold" charset="0"/>
+              <a:ea typeface="경기천년제목 Bold" charset="0"/>
+            </a:endParaRPr>
+          </a:p>
+        </p:txBody>
+      </p:sp>
+      <p:sp>
+        <p:nvSpPr>
+          <p:cNvPr id="6" name="도형 45"/>
+          <p:cNvSpPr>
+            <a:spLocks/>
+          </p:cNvSpPr>
+          <p:nvPr/>
+        </p:nvSpPr>
+        <p:spPr>
+          <a:xfrm rot="0">
+            <a:off x="6286500" y="2893695"/>
+            <a:ext cx="1465580" cy="358140"/>
+          </a:xfrm>
+          <a:prstGeom prst="wedgeRectCallout">
+            <a:avLst>
+              <a:gd name="adj1" fmla="val 35255"/>
+              <a:gd name="adj2" fmla="val 128162"/>
+            </a:avLst>
+          </a:prstGeom>
+        </p:spPr>
+        <p:style>
+          <a:lnRef idx="2">
+            <a:schemeClr val="dk1"/>
+          </a:lnRef>
+          <a:fillRef idx="1">
+            <a:schemeClr val="lt1"/>
+          </a:fillRef>
+          <a:effectRef idx="0">
+            <a:schemeClr val="dk1"/>
+          </a:effectRef>
+          <a:fontRef idx="minor">
+            <a:schemeClr val="dk1"/>
+          </a:fontRef>
+        </p:style>
+        <p:txBody>
+          <a:bodyPr wrap="square" lIns="91440" tIns="45720" rIns="91440" bIns="45720" numCol="1" vert="horz" anchor="ctr">
+            <a:noAutofit/>
+          </a:bodyPr>
+          <a:lstStyle/>
+          <a:p>
+            <a:pPr marL="0" indent="0" algn="ctr" latinLnBrk="0" hangingPunct="1"/>
+            <a:endParaRPr lang="ko-KR" altLang="en-US" sz="1800">
+              <a:latin typeface="맑은 고딕" charset="0"/>
+              <a:ea typeface="맑은 고딕" charset="0"/>
+            </a:endParaRPr>
+          </a:p>
+        </p:txBody>
+      </p:sp>
+      <p:sp>
+        <p:nvSpPr>
+          <p:cNvPr id="7" name="텍스트 상자 46"/>
+          <p:cNvSpPr txBox="1">
+            <a:spLocks/>
+          </p:cNvSpPr>
+          <p:nvPr/>
+        </p:nvSpPr>
+        <p:spPr>
+          <a:xfrm rot="0">
+            <a:off x="6287135" y="2946400"/>
+            <a:ext cx="2037080" cy="247015"/>
+          </a:xfrm>
+          <a:prstGeom prst="rect"/>
+          <a:noFill/>
+          <a:ln w="0" cap="flat" cmpd="sng">
+            <a:solidFill>
+              <a:srgbClr val="FFFFFF">
+                <a:alpha val="100000"/>
+              </a:srgbClr>
+            </a:solidFill>
+            <a:prstDash/>
+          </a:ln>
+        </p:spPr>
+        <p:txBody>
+          <a:bodyPr wrap="square" lIns="89535" tIns="46355" rIns="89535" bIns="46355" vert="horz" anchor="t">
+            <a:spAutoFit/>
+          </a:bodyPr>
+          <a:lstStyle/>
+          <a:p>
+            <a:pPr marL="0" indent="0" algn="l" hangingPunct="1"/>
+            <a:r>
+              <a:rPr lang="ko-KR" sz="1000" cap="none" i="0" b="0" strike="noStrike">
+                <a:latin typeface="경기천년제목 Light" charset="0"/>
+                <a:ea typeface="경기천년제목 Light" charset="0"/>
+              </a:rPr>
+              <a:t>전체 리스트 페이지로 이동</a:t>
+            </a:r>
+            <a:endParaRPr lang="ko-KR" altLang="en-US" sz="1000" cap="none" i="0" b="0" strike="noStrike">
+              <a:latin typeface="경기천년제목 Light" charset="0"/>
+              <a:ea typeface="경기천년제목 Light" charset="0"/>
+            </a:endParaRPr>
+          </a:p>
+        </p:txBody>
+      </p:sp>
+    </p:spTree>
+  </p:cSld>
+  <p:clrMapOvr>
+    <a:masterClrMapping/>
+  </p:clrMapOvr>
+  <mc:AlternateContent xmlns:mc="http://schemas.openxmlformats.org/markup-compatibility/2006">
+    <mc:Choice xmlns:p14="http://schemas.microsoft.com/office/powerpoint/2010/main" Requires="p14">
+      <p:transition spd="slow" p14:dur="2000"/>
+    </mc:Choice>
+    <mc:Fallback>
+      <p:transition spd="slow"/>
+    </mc:Fallback>
+  </mc:AlternateContent>
+  <p:timing>
+    <p:tnLst>
+      <p:par>
+        <p:cTn id="1" dur="indefinite" restart="never" nodeType="tmRoot"/>
+      </p:par>
+    </p:tnLst>
+  </p:timing>
+</p:sld>
+</file>
+
+<file path=ppt/slides/slide11.xml><?xml version="1.0" encoding="utf-8"?>
+<p:sld xmlns:a="http://schemas.openxmlformats.org/drawingml/2006/main" xmlns:r="http://schemas.openxmlformats.org/officeDocument/2006/relationships" xmlns:p="http://schemas.openxmlformats.org/presentationml/2006/main">
+  <p:cSld>
+    <p:spTree>
+      <p:nvGrpSpPr>
+        <p:cNvPr id="1" name=""/>
+        <p:cNvGrpSpPr/>
+        <p:nvPr/>
+      </p:nvGrpSpPr>
+      <p:grpSpPr>
+        <a:xfrm>
+          <a:off x="0" y="0"/>
+          <a:ext cx="0" cy="0"/>
+          <a:chOff x="0" y="0"/>
+          <a:chExt cx="0" cy="0"/>
+        </a:xfrm>
+      </p:grpSpPr>
+      <p:sp>
+        <p:nvSpPr>
+          <p:cNvPr id="5" name="Rect 0"/>
+          <p:cNvSpPr txBox="1">
+            <a:spLocks/>
+          </p:cNvSpPr>
+          <p:nvPr/>
+        </p:nvSpPr>
+        <p:spPr>
+          <a:xfrm rot="0">
+            <a:off x="91440" y="104140"/>
+            <a:ext cx="1913890" cy="370840"/>
+          </a:xfrm>
+          <a:prstGeom prst="rect"/>
+          <a:noFill/>
+          <a:ln w="0" cap="flat" cmpd="sng">
+            <a:solidFill>
+              <a:srgbClr val="FFFFFF">
+                <a:alpha val="100000"/>
+              </a:srgbClr>
+            </a:solidFill>
+            <a:prstDash val="solid"/>
+          </a:ln>
+        </p:spPr>
+        <p:txBody>
+          <a:bodyPr wrap="none" lIns="89535" tIns="46355" rIns="89535" bIns="46355" numCol="1" vert="horz" anchor="t">
+            <a:spAutoFit/>
+          </a:bodyPr>
+          <a:lstStyle/>
+          <a:p>
+            <a:pPr marL="0" indent="0" algn="l" latinLnBrk="0" hangingPunct="1"/>
+            <a:r>
+              <a:rPr lang="ko-KR" sz="1800">
+                <a:latin typeface="경기천년제목 Bold" charset="0"/>
+                <a:ea typeface="경기천년제목 Bold" charset="0"/>
+              </a:rPr>
+              <a:t>FAQ - 게시글 등록</a:t>
+            </a:r>
+            <a:endParaRPr lang="ko-KR" altLang="en-US" sz="1800">
+              <a:latin typeface="경기천년제목 Bold" charset="0"/>
+              <a:ea typeface="경기천년제목 Bold" charset="0"/>
+            </a:endParaRPr>
+          </a:p>
+        </p:txBody>
+      </p:sp>
+      <p:pic>
+        <p:nvPicPr>
+          <p:cNvPr id="6" name="그림 10" descr="C:/Users/sonhaewook/AppData/Roaming/PolarisOffice/ETemp/13540_23563136/fImage299164051478.png"/>
+          <p:cNvPicPr>
+            <a:picLocks noChangeAspect="1"/>
+          </p:cNvPicPr>
+          <p:nvPr/>
+        </p:nvPicPr>
+        <p:blipFill rotWithShape="1">
+          <a:blip r:embed="rId2" cstate="print">
+            <a:extLst>
+              <a:ext uri="{28A0092B-C50C-407E-A947-70E740481C1C}">
+                <a14:useLocalDpi xmlns:a14="http://schemas.microsoft.com/office/drawing/2010/main" val="0"/>
+              </a:ext>
+            </a:extLst>
+          </a:blip>
+          <a:stretch>
+            <a:fillRect/>
+          </a:stretch>
+        </p:blipFill>
+        <p:spPr>
+          <a:xfrm rot="0">
+            <a:off x="92075" y="515620"/>
+            <a:ext cx="3709670" cy="1664335"/>
+          </a:xfrm>
+          <a:prstGeom prst="rect"/>
+          <a:noFill/>
+        </p:spPr>
+      </p:pic>
+      <p:pic>
+        <p:nvPicPr>
+          <p:cNvPr id="7" name="그림 11" descr="C:/Users/sonhaewook/AppData/Roaming/PolarisOffice/ETemp/13540_23563136/fImage733734069358.png"/>
+          <p:cNvPicPr>
+            <a:picLocks noChangeAspect="1"/>
+          </p:cNvPicPr>
+          <p:nvPr/>
+        </p:nvPicPr>
+        <p:blipFill rotWithShape="1">
+          <a:blip r:embed="rId3" cstate="print">
+            <a:extLst>
+              <a:ext uri="{28A0092B-C50C-407E-A947-70E740481C1C}">
+                <a14:useLocalDpi xmlns:a14="http://schemas.microsoft.com/office/drawing/2010/main" val="0"/>
+              </a:ext>
+            </a:extLst>
+          </a:blip>
+          <a:stretch>
+            <a:fillRect/>
+          </a:stretch>
+        </p:blipFill>
+        <p:spPr>
+          <a:xfrm rot="0">
+            <a:off x="90805" y="2166620"/>
+            <a:ext cx="5968365" cy="2854325"/>
+          </a:xfrm>
+          <a:prstGeom prst="rect"/>
+          <a:noFill/>
+        </p:spPr>
+      </p:pic>
+    </p:spTree>
+  </p:cSld>
+  <p:clrMapOvr>
+    <a:masterClrMapping/>
+  </p:clrMapOvr>
+  <mc:AlternateContent xmlns:mc="http://schemas.openxmlformats.org/markup-compatibility/2006">
+    <mc:Choice xmlns:p14="http://schemas.microsoft.com/office/powerpoint/2010/main" Requires="p14">
+      <p:transition spd="slow" p14:dur="2000"/>
+    </mc:Choice>
+    <mc:Fallback>
+      <p:transition spd="slow"/>
+    </mc:Fallback>
+  </mc:AlternateContent>
+  <p:timing>
+    <p:tnLst>
+      <p:par>
+        <p:cTn id="1" dur="indefinite" restart="never" nodeType="tmRoot"/>
+      </p:par>
+    </p:tnLst>
+  </p:timing>
+</p:sld>
+</file>
+
+<file path=ppt/slides/slide12.xml><?xml version="1.0" encoding="utf-8"?>
+<p:sld xmlns:a="http://schemas.openxmlformats.org/drawingml/2006/main" xmlns:r="http://schemas.openxmlformats.org/officeDocument/2006/relationships" xmlns:p="http://schemas.openxmlformats.org/presentationml/2006/main" xmlns:p14="http://schemas.microsoft.com/office/powerpoint/2010/main">
+  <p:cSld>
+    <p:spTree>
+      <p:nvGrpSpPr>
+        <p:cNvPr id="1" name=""/>
+        <p:cNvGrpSpPr/>
+        <p:nvPr/>
+      </p:nvGrpSpPr>
+      <p:grpSpPr>
+        <a:xfrm>
+          <a:off x="0" y="0"/>
+          <a:ext cx="0" cy="0"/>
+          <a:chOff x="0" y="0"/>
+          <a:chExt cx="0" cy="0"/>
+        </a:xfrm>
+      </p:grpSpPr>
+      <p:sp>
+        <p:nvSpPr>
+          <p:cNvPr id="6" name="Rect 0"/>
+          <p:cNvSpPr>
+            <a:spLocks/>
+          </p:cNvSpPr>
+          <p:nvPr/>
+        </p:nvSpPr>
+        <p:spPr>
+          <a:xfrm rot="0">
+            <a:off x="6286500" y="2893695"/>
+            <a:ext cx="1464945" cy="357505"/>
+          </a:xfrm>
+          <a:prstGeom prst="wedgeRectCallout">
+            <a:avLst>
+              <a:gd name="adj1" fmla="val 35255"/>
+              <a:gd name="adj2" fmla="val 128162"/>
+            </a:avLst>
+          </a:prstGeom>
+        </p:spPr>
+        <p:style>
+          <a:lnRef idx="3">
+            <a:schemeClr val="lt1"/>
+          </a:lnRef>
+          <a:fillRef idx="1">
+            <a:schemeClr val="accent5"/>
+          </a:fillRef>
+          <a:effectRef idx="1">
+            <a:schemeClr val="accent5"/>
+          </a:effectRef>
+          <a:fontRef idx="minor">
+            <a:schemeClr val="lt1"/>
+          </a:fontRef>
+        </p:style>
+        <p:txBody>
+          <a:bodyPr wrap="square" lIns="91440" tIns="45720" rIns="91440" bIns="45720" vert="horz" anchor="ctr">
+            <a:noAutofit/>
+          </a:bodyPr>
+          <a:lstStyle/>
+          <a:p>
+            <a:pPr marL="0" indent="0" algn="ctr" hangingPunct="1"/>
+            <a:endParaRPr lang="ko-KR" altLang="en-US" sz="1800">
+              <a:latin typeface="맑은 고딕" charset="0"/>
+              <a:ea typeface="맑은 고딕" charset="0"/>
+            </a:endParaRPr>
+          </a:p>
+        </p:txBody>
+      </p:sp>
+      <p:sp>
+        <p:nvSpPr>
+          <p:cNvPr id="7" name="Rect 0"/>
+          <p:cNvSpPr txBox="1">
+            <a:spLocks/>
+          </p:cNvSpPr>
+          <p:nvPr/>
+        </p:nvSpPr>
+        <p:spPr>
+          <a:xfrm rot="0">
+            <a:off x="6287135" y="2946400"/>
+            <a:ext cx="2037080" cy="247015"/>
+          </a:xfrm>
+          <a:prstGeom prst="rect"/>
+          <a:noFill/>
+          <a:ln w="0" cap="flat" cmpd="sng">
+            <a:solidFill>
+              <a:srgbClr val="FFFFFF">
+                <a:alpha val="100000"/>
+              </a:srgbClr>
+            </a:solidFill>
+            <a:prstDash/>
+          </a:ln>
+        </p:spPr>
+        <p:txBody>
+          <a:bodyPr wrap="square" lIns="89535" tIns="46355" rIns="89535" bIns="46355" vert="horz" anchor="t">
+            <a:spAutoFit/>
+          </a:bodyPr>
+          <a:lstStyle/>
+          <a:p>
+            <a:pPr marL="0" indent="0" algn="l" hangingPunct="1"/>
+            <a:r>
+              <a:rPr lang="ko-KR" sz="1000" cap="none" i="0" b="0" strike="noStrike">
+                <a:latin typeface="경기천년제목 Light" charset="0"/>
+                <a:ea typeface="경기천년제목 Light" charset="0"/>
+              </a:rPr>
+              <a:t>전체 리스트 페이지로 이동</a:t>
+            </a:r>
+            <a:endParaRPr lang="ko-KR" altLang="en-US" sz="1000" cap="none" i="0" b="0" strike="noStrike">
+              <a:latin typeface="경기천년제목 Light" charset="0"/>
+              <a:ea typeface="경기천년제목 Light" charset="0"/>
+            </a:endParaRPr>
+          </a:p>
+        </p:txBody>
+      </p:sp>
+      <p:pic>
+        <p:nvPicPr>
+          <p:cNvPr id="8" name="그림 48"/>
+          <p:cNvPicPr>
+            <a:picLocks noChangeAspect="1"/>
+          </p:cNvPicPr>
+          <p:nvPr/>
+        </p:nvPicPr>
+        <p:blipFill rotWithShape="1">
+          <a:blip r:embed="rId2" cstate="print">
+            <a:extLst>
+              <a:ext uri="{28A0092B-C50C-407E-A947-70E740481C1C}">
+                <a14:useLocalDpi xmlns:a14="http://schemas.microsoft.com/office/drawing/2010/main" val="0"/>
+              </a:ext>
+            </a:extLst>
+          </a:blip>
+          <a:stretch>
+            <a:fillRect/>
+          </a:stretch>
+        </p:blipFill>
+        <p:spPr>
+          <a:xfrm rot="0">
+            <a:off x="0" y="268605"/>
+            <a:ext cx="9144635" cy="4606290"/>
+          </a:xfrm>
+          <a:prstGeom prst="rect"/>
+          <a:noFill/>
+        </p:spPr>
+      </p:pic>
+      <p:sp>
+        <p:nvSpPr>
+          <p:cNvPr id="9" name="텍스트 상자 49"/>
+          <p:cNvSpPr txBox="1">
+            <a:spLocks/>
+          </p:cNvSpPr>
+          <p:nvPr/>
+        </p:nvSpPr>
+        <p:spPr>
+          <a:xfrm rot="0">
+            <a:off x="53340" y="85090"/>
+            <a:ext cx="3265805" cy="370205"/>
+          </a:xfrm>
+          <a:prstGeom prst="rect"/>
+          <a:noFill/>
+          <a:ln w="0" cap="flat" cmpd="sng">
+            <a:solidFill>
+              <a:srgbClr val="FFFFFF">
+                <a:alpha val="100000"/>
+              </a:srgbClr>
+            </a:solidFill>
+            <a:prstDash/>
+          </a:ln>
+        </p:spPr>
+        <p:txBody>
+          <a:bodyPr wrap="none" lIns="89535" tIns="46355" rIns="89535" bIns="46355" vert="horz" anchor="t">
+            <a:spAutoFit/>
+          </a:bodyPr>
+          <a:lstStyle/>
+          <a:p>
+            <a:pPr marL="0" indent="0" algn="l" hangingPunct="1"/>
+            <a:r>
+              <a:rPr lang="ko-KR" sz="1800">
+                <a:latin typeface="경기천년제목 Bold" charset="0"/>
+                <a:ea typeface="경기천년제목 Bold" charset="0"/>
+              </a:rPr>
+              <a:t>FAQ - 게시글 등록(validation)</a:t>
+            </a:r>
+            <a:endParaRPr lang="ko-KR" altLang="en-US" sz="1800">
+              <a:latin typeface="경기천년제목 Bold" charset="0"/>
+              <a:ea typeface="경기천년제목 Bold" charset="0"/>
+            </a:endParaRPr>
+          </a:p>
+        </p:txBody>
+      </p:sp>
+      <p:sp>
+        <p:nvSpPr>
+          <p:cNvPr id="10" name="도형 50"/>
+          <p:cNvSpPr>
+            <a:spLocks/>
+          </p:cNvSpPr>
+          <p:nvPr/>
+        </p:nvSpPr>
+        <p:spPr>
+          <a:xfrm rot="0">
+            <a:off x="3089275" y="920750"/>
+            <a:ext cx="2503170" cy="364490"/>
+          </a:xfrm>
+          <a:prstGeom prst="wedgeRectCallout">
+            <a:avLst>
+              <a:gd name="adj1" fmla="val -58176"/>
+              <a:gd name="adj2" fmla="val 93773"/>
+            </a:avLst>
+          </a:prstGeom>
+        </p:spPr>
+        <p:style>
+          <a:lnRef idx="2">
+            <a:schemeClr val="dk1"/>
+          </a:lnRef>
+          <a:fillRef idx="1">
+            <a:schemeClr val="lt1"/>
+          </a:fillRef>
+          <a:effectRef idx="0">
+            <a:schemeClr val="dk1"/>
+          </a:effectRef>
+          <a:fontRef idx="minor">
+            <a:schemeClr val="dk1"/>
+          </a:fontRef>
+        </p:style>
+        <p:txBody>
+          <a:bodyPr wrap="square" lIns="91440" tIns="45720" rIns="91440" bIns="45720" numCol="1" vert="horz" anchor="ctr">
+            <a:noAutofit/>
+          </a:bodyPr>
+          <a:lstStyle/>
+          <a:p>
+            <a:pPr marL="0" indent="0" algn="ctr" latinLnBrk="0" hangingPunct="1"/>
+            <a:endParaRPr lang="ko-KR" altLang="en-US" sz="1800">
+              <a:latin typeface="맑은 고딕" charset="0"/>
+              <a:ea typeface="맑은 고딕" charset="0"/>
+            </a:endParaRPr>
+          </a:p>
+        </p:txBody>
+      </p:sp>
+      <p:sp>
+        <p:nvSpPr>
+          <p:cNvPr id="11" name="텍스트 상자 51"/>
+          <p:cNvSpPr txBox="1">
+            <a:spLocks/>
+          </p:cNvSpPr>
+          <p:nvPr/>
+        </p:nvSpPr>
+        <p:spPr>
+          <a:xfrm rot="0">
+            <a:off x="3154680" y="981710"/>
+            <a:ext cx="3753485" cy="247015"/>
+          </a:xfrm>
+          <a:prstGeom prst="rect"/>
+          <a:noFill/>
+          <a:ln w="0" cap="flat" cmpd="sng">
+            <a:solidFill>
+              <a:srgbClr val="FFFFFF">
+                <a:alpha val="100000"/>
+              </a:srgbClr>
+            </a:solidFill>
+            <a:prstDash/>
+          </a:ln>
+        </p:spPr>
+        <p:txBody>
+          <a:bodyPr wrap="square" lIns="89535" tIns="46355" rIns="89535" bIns="46355" vert="horz" anchor="t">
+            <a:spAutoFit/>
+          </a:bodyPr>
+          <a:lstStyle/>
+          <a:p>
+            <a:pPr marL="0" indent="0" algn="l" hangingPunct="1"/>
+            <a:r>
+              <a:rPr lang="ko-KR" sz="1000" cap="none" i="0" b="0" strike="noStrike">
+                <a:latin typeface="경기천년제목 Light" charset="0"/>
+                <a:ea typeface="경기천년제목 Light" charset="0"/>
+              </a:rPr>
+              <a:t>게시글 작성 규칙과 맞지 않을 시 경고창 출력</a:t>
+            </a:r>
+            <a:endParaRPr lang="ko-KR" altLang="en-US" sz="1000" cap="none" i="0" b="0" strike="noStrike">
+              <a:latin typeface="경기천년제목 Light" charset="0"/>
+              <a:ea typeface="경기천년제목 Light" charset="0"/>
+            </a:endParaRPr>
+          </a:p>
+        </p:txBody>
+      </p:sp>
+      <p:sp>
+        <p:nvSpPr>
+          <p:cNvPr id="12" name="도형 52"/>
+          <p:cNvSpPr>
+            <a:spLocks/>
+          </p:cNvSpPr>
+          <p:nvPr/>
+        </p:nvSpPr>
+        <p:spPr>
+          <a:xfrm rot="0">
+            <a:off x="80010" y="2386965"/>
+            <a:ext cx="1303020" cy="364490"/>
+          </a:xfrm>
+          <a:prstGeom prst="wedgeRectCallout">
+            <a:avLst>
+              <a:gd name="adj1" fmla="val 49995"/>
+              <a:gd name="adj2" fmla="val 132153"/>
+            </a:avLst>
+          </a:prstGeom>
+        </p:spPr>
+        <p:style>
+          <a:lnRef idx="2">
+            <a:schemeClr val="dk1"/>
+          </a:lnRef>
+          <a:fillRef idx="1">
+            <a:schemeClr val="lt1"/>
+          </a:fillRef>
+          <a:effectRef idx="0">
+            <a:schemeClr val="dk1"/>
+          </a:effectRef>
+          <a:fontRef idx="minor">
+            <a:schemeClr val="dk1"/>
+          </a:fontRef>
+        </p:style>
+        <p:txBody>
+          <a:bodyPr wrap="square" lIns="91440" tIns="45720" rIns="91440" bIns="45720" numCol="1" vert="horz" anchor="ctr">
+            <a:noAutofit/>
+          </a:bodyPr>
+          <a:lstStyle/>
+          <a:p>
+            <a:pPr marL="0" indent="0" algn="ctr" latinLnBrk="0" hangingPunct="1"/>
+            <a:endParaRPr lang="ko-KR" altLang="en-US" sz="1800">
+              <a:latin typeface="맑은 고딕" charset="0"/>
+              <a:ea typeface="맑은 고딕" charset="0"/>
+            </a:endParaRPr>
+          </a:p>
+        </p:txBody>
+      </p:sp>
+      <p:sp>
+        <p:nvSpPr>
+          <p:cNvPr id="13" name="텍스트 상자 53"/>
+          <p:cNvSpPr txBox="1">
+            <a:spLocks/>
+          </p:cNvSpPr>
+          <p:nvPr/>
+        </p:nvSpPr>
+        <p:spPr>
+          <a:xfrm rot="0">
+            <a:off x="198755" y="2447925"/>
+            <a:ext cx="1255395" cy="247015"/>
+          </a:xfrm>
+          <a:prstGeom prst="rect"/>
+          <a:noFill/>
+          <a:ln w="0" cap="flat" cmpd="sng">
+            <a:solidFill>
+              <a:srgbClr val="FFFFFF">
+                <a:alpha val="100000"/>
+              </a:srgbClr>
+            </a:solidFill>
+            <a:prstDash/>
+          </a:ln>
+        </p:spPr>
+        <p:txBody>
+          <a:bodyPr wrap="square" lIns="89535" tIns="46355" rIns="89535" bIns="46355" vert="horz" anchor="t">
+            <a:spAutoFit/>
+          </a:bodyPr>
+          <a:lstStyle/>
+          <a:p>
+            <a:pPr marL="0" indent="0" algn="l" hangingPunct="1"/>
+            <a:r>
+              <a:rPr lang="ko-KR" sz="1000" cap="none" i="0" b="0" strike="noStrike">
+                <a:latin typeface="경기천년제목 Light" charset="0"/>
+                <a:ea typeface="경기천년제목 Light" charset="0"/>
+              </a:rPr>
+              <a:t>파일 등록은 자유</a:t>
+            </a:r>
+            <a:endParaRPr lang="ko-KR" altLang="en-US" sz="1000" cap="none" i="0" b="0" strike="noStrike">
+              <a:latin typeface="경기천년제목 Light" charset="0"/>
+              <a:ea typeface="경기천년제목 Light" charset="0"/>
+            </a:endParaRPr>
+          </a:p>
+        </p:txBody>
+      </p:sp>
+    </p:spTree>
+  </p:cSld>
+  <p:clrMapOvr>
+    <a:masterClrMapping/>
+  </p:clrMapOvr>
+  <mc:AlternateContent xmlns:mc="http://schemas.openxmlformats.org/markup-compatibility/2006">
+    <mc:Choice xmlns:p14="http://schemas.microsoft.com/office/powerpoint/2010/main" Requires="p14">
+      <p:transition spd="slow" p14:dur="2000"/>
+    </mc:Choice>
+    <mc:Fallback>
+      <p:transition spd="slow"/>
+    </mc:Fallback>
+  </mc:AlternateContent>
+  <p:timing>
+    <p:tnLst>
+      <p:par>
+        <p:cTn id="1" dur="indefinite" restart="never" nodeType="tmRoot"/>
+      </p:par>
+    </p:tnLst>
+  </p:timing>
+</p:sld>
+</file>
+
+<file path=ppt/slides/slide13.xml><?xml version="1.0" encoding="utf-8"?>
+<p:sld xmlns:a="http://schemas.openxmlformats.org/drawingml/2006/main" xmlns:r="http://schemas.openxmlformats.org/officeDocument/2006/relationships" xmlns:p="http://schemas.openxmlformats.org/presentationml/2006/main" xmlns:p14="http://schemas.microsoft.com/office/powerpoint/2010/main">
+  <p:cSld>
+    <p:spTree>
+      <p:nvGrpSpPr>
+        <p:cNvPr id="1" name=""/>
+        <p:cNvGrpSpPr/>
+        <p:nvPr/>
+      </p:nvGrpSpPr>
+      <p:grpSpPr>
+        <a:xfrm>
+          <a:off x="0" y="0"/>
+          <a:ext cx="0" cy="0"/>
+          <a:chOff x="0" y="0"/>
+          <a:chExt cx="0" cy="0"/>
+        </a:xfrm>
+      </p:grpSpPr>
+      <p:pic>
+        <p:nvPicPr>
           <p:cNvPr id="12" name="그림 61"/>
           <p:cNvPicPr>
             <a:picLocks noChangeAspect="1"/>
@@ -21929,6 +23920,1189 @@
             <a:endParaRPr lang="ko-KR" altLang="en-US" sz="1000" cap="none" i="0" b="0" strike="noStrike">
               <a:latin typeface="경기천년제목 Light" charset="0"/>
               <a:ea typeface="경기천년제목 Light" charset="0"/>
+            </a:endParaRPr>
+          </a:p>
+        </p:txBody>
+      </p:sp>
+    </p:spTree>
+  </p:cSld>
+  <p:clrMapOvr>
+    <a:masterClrMapping/>
+  </p:clrMapOvr>
+  <mc:AlternateContent xmlns:mc="http://schemas.openxmlformats.org/markup-compatibility/2006">
+    <mc:Choice xmlns:p14="http://schemas.microsoft.com/office/powerpoint/2010/main" Requires="p14">
+      <p:transition spd="slow" p14:dur="2000"/>
+    </mc:Choice>
+    <mc:Fallback>
+      <p:transition spd="slow"/>
+    </mc:Fallback>
+  </mc:AlternateContent>
+  <p:timing>
+    <p:tnLst>
+      <p:par>
+        <p:cTn id="1" dur="indefinite" restart="never" nodeType="tmRoot"/>
+      </p:par>
+    </p:tnLst>
+  </p:timing>
+</p:sld>
+</file>
+
+<file path=ppt/slides/slide14.xml><?xml version="1.0" encoding="utf-8"?>
+<p:sld xmlns:a="http://schemas.openxmlformats.org/drawingml/2006/main" xmlns:r="http://schemas.openxmlformats.org/officeDocument/2006/relationships" xmlns:p="http://schemas.openxmlformats.org/presentationml/2006/main">
+  <p:cSld>
+    <p:spTree>
+      <p:nvGrpSpPr>
+        <p:cNvPr id="1" name=""/>
+        <p:cNvGrpSpPr/>
+        <p:nvPr/>
+      </p:nvGrpSpPr>
+      <p:grpSpPr>
+        <a:xfrm>
+          <a:off x="0" y="0"/>
+          <a:ext cx="0" cy="0"/>
+          <a:chOff x="0" y="0"/>
+          <a:chExt cx="0" cy="0"/>
+        </a:xfrm>
+      </p:grpSpPr>
+      <p:sp>
+        <p:nvSpPr>
+          <p:cNvPr id="9" name="Rect 0"/>
+          <p:cNvSpPr txBox="1">
+            <a:spLocks/>
+          </p:cNvSpPr>
+          <p:nvPr/>
+        </p:nvSpPr>
+        <p:spPr>
+          <a:xfrm rot="0">
+            <a:off x="53340" y="85090"/>
+            <a:ext cx="3266440" cy="370840"/>
+          </a:xfrm>
+          <a:prstGeom prst="rect"/>
+          <a:noFill/>
+          <a:ln w="0" cap="flat" cmpd="sng">
+            <a:solidFill>
+              <a:srgbClr val="FFFFFF">
+                <a:alpha val="100000"/>
+              </a:srgbClr>
+            </a:solidFill>
+            <a:prstDash val="solid"/>
+          </a:ln>
+        </p:spPr>
+        <p:txBody>
+          <a:bodyPr wrap="none" lIns="89535" tIns="46355" rIns="89535" bIns="46355" numCol="1" vert="horz" anchor="t">
+            <a:spAutoFit/>
+          </a:bodyPr>
+          <a:lstStyle/>
+          <a:p>
+            <a:pPr marL="0" indent="0" algn="l" latinLnBrk="0" hangingPunct="1"/>
+            <a:r>
+              <a:rPr lang="ko-KR" sz="1800">
+                <a:latin typeface="경기천년제목 Bold" charset="0"/>
+                <a:ea typeface="경기천년제목 Bold" charset="0"/>
+              </a:rPr>
+              <a:t>FAQ - 게시글 등록(validation)</a:t>
+            </a:r>
+            <a:endParaRPr lang="ko-KR" altLang="en-US" sz="1800">
+              <a:latin typeface="경기천년제목 Bold" charset="0"/>
+              <a:ea typeface="경기천년제목 Bold" charset="0"/>
+            </a:endParaRPr>
+          </a:p>
+        </p:txBody>
+      </p:sp>
+      <p:pic>
+        <p:nvPicPr>
+          <p:cNvPr id="10" name="그림 12" descr="C:/Users/sonhaewook/AppData/Roaming/PolarisOffice/ETemp/13540_23563136/fImage386344176962.png"/>
+          <p:cNvPicPr>
+            <a:picLocks noChangeAspect="1"/>
+          </p:cNvPicPr>
+          <p:nvPr/>
+        </p:nvPicPr>
+        <p:blipFill rotWithShape="1">
+          <a:blip r:embed="rId2" cstate="print">
+            <a:extLst>
+              <a:ext uri="{28A0092B-C50C-407E-A947-70E740481C1C}">
+                <a14:useLocalDpi xmlns:a14="http://schemas.microsoft.com/office/drawing/2010/main" val="0"/>
+              </a:ext>
+            </a:extLst>
+          </a:blip>
+          <a:stretch>
+            <a:fillRect/>
+          </a:stretch>
+        </p:blipFill>
+        <p:spPr>
+          <a:xfrm rot="0">
+            <a:off x="97790" y="566420"/>
+            <a:ext cx="4287520" cy="1315085"/>
+          </a:xfrm>
+          <a:prstGeom prst="rect"/>
+          <a:noFill/>
+        </p:spPr>
+      </p:pic>
+      <p:pic>
+        <p:nvPicPr>
+          <p:cNvPr id="11" name="그림 13" descr="C:/Users/sonhaewook/AppData/Roaming/PolarisOffice/ETemp/13540_23563136/fImage631044184464.png"/>
+          <p:cNvPicPr>
+            <a:picLocks noChangeAspect="1"/>
+          </p:cNvPicPr>
+          <p:nvPr/>
+        </p:nvPicPr>
+        <p:blipFill rotWithShape="1">
+          <a:blip r:embed="rId3" cstate="print">
+            <a:extLst>
+              <a:ext uri="{28A0092B-C50C-407E-A947-70E740481C1C}">
+                <a14:useLocalDpi xmlns:a14="http://schemas.microsoft.com/office/drawing/2010/main" val="0"/>
+              </a:ext>
+            </a:extLst>
+          </a:blip>
+          <a:stretch>
+            <a:fillRect/>
+          </a:stretch>
+        </p:blipFill>
+        <p:spPr>
+          <a:xfrm rot="0">
+            <a:off x="4572635" y="564515"/>
+            <a:ext cx="4450715" cy="3840480"/>
+          </a:xfrm>
+          <a:prstGeom prst="rect"/>
+          <a:noFill/>
+        </p:spPr>
+      </p:pic>
+      <p:pic>
+        <p:nvPicPr>
+          <p:cNvPr id="12" name="그림 19" descr="C:/Users/sonhaewook/AppData/Roaming/PolarisOffice/ETemp/13540_23563136/fImage27294365705.png"/>
+          <p:cNvPicPr>
+            <a:picLocks noChangeAspect="1"/>
+          </p:cNvPicPr>
+          <p:nvPr/>
+        </p:nvPicPr>
+        <p:blipFill rotWithShape="1">
+          <a:blip r:embed="rId4" cstate="print">
+            <a:extLst>
+              <a:ext uri="{28A0092B-C50C-407E-A947-70E740481C1C}">
+                <a14:useLocalDpi xmlns:a14="http://schemas.microsoft.com/office/drawing/2010/main" val="0"/>
+              </a:ext>
+            </a:extLst>
+          </a:blip>
+          <a:stretch>
+            <a:fillRect/>
+          </a:stretch>
+        </p:blipFill>
+        <p:spPr>
+          <a:xfrm rot="0">
+            <a:off x="95250" y="2072005"/>
+            <a:ext cx="2324735" cy="715010"/>
+          </a:xfrm>
+          <a:prstGeom prst="rect"/>
+          <a:noFill/>
+        </p:spPr>
+      </p:pic>
+    </p:spTree>
+  </p:cSld>
+  <p:clrMapOvr>
+    <a:masterClrMapping/>
+  </p:clrMapOvr>
+  <mc:AlternateContent xmlns:mc="http://schemas.openxmlformats.org/markup-compatibility/2006">
+    <mc:Choice xmlns:p14="http://schemas.microsoft.com/office/powerpoint/2010/main" Requires="p14">
+      <p:transition spd="slow" p14:dur="2000"/>
+    </mc:Choice>
+    <mc:Fallback>
+      <p:transition spd="slow"/>
+    </mc:Fallback>
+  </mc:AlternateContent>
+  <p:timing>
+    <p:tnLst>
+      <p:par>
+        <p:cTn id="1" dur="indefinite" restart="never" nodeType="tmRoot"/>
+      </p:par>
+    </p:tnLst>
+  </p:timing>
+</p:sld>
+</file>
+
+<file path=ppt/slides/slide15.xml><?xml version="1.0" encoding="utf-8"?>
+<p:sld xmlns:a="http://schemas.openxmlformats.org/drawingml/2006/main" xmlns:r="http://schemas.openxmlformats.org/officeDocument/2006/relationships" xmlns:p="http://schemas.openxmlformats.org/presentationml/2006/main" xmlns:p14="http://schemas.microsoft.com/office/powerpoint/2010/main">
+  <p:cSld>
+    <p:spTree>
+      <p:nvGrpSpPr>
+        <p:cNvPr id="1" name=""/>
+        <p:cNvGrpSpPr/>
+        <p:nvPr/>
+      </p:nvGrpSpPr>
+      <p:grpSpPr>
+        <a:xfrm>
+          <a:off x="0" y="0"/>
+          <a:ext cx="0" cy="0"/>
+          <a:chOff x="0" y="0"/>
+          <a:chExt cx="0" cy="0"/>
+        </a:xfrm>
+      </p:grpSpPr>
+      <p:pic>
+        <p:nvPicPr>
+          <p:cNvPr id="10" name="그림 54"/>
+          <p:cNvPicPr>
+            <a:picLocks noChangeAspect="1"/>
+          </p:cNvPicPr>
+          <p:nvPr/>
+        </p:nvPicPr>
+        <p:blipFill rotWithShape="1">
+          <a:blip r:embed="rId2" cstate="print">
+            <a:extLst>
+              <a:ext uri="{28A0092B-C50C-407E-A947-70E740481C1C}">
+                <a14:useLocalDpi xmlns:a14="http://schemas.microsoft.com/office/drawing/2010/main" val="0"/>
+              </a:ext>
+            </a:extLst>
+          </a:blip>
+          <a:stretch>
+            <a:fillRect/>
+          </a:stretch>
+        </p:blipFill>
+        <p:spPr>
+          <a:xfrm rot="0">
+            <a:off x="0" y="260350"/>
+            <a:ext cx="9144635" cy="4622800"/>
+          </a:xfrm>
+          <a:prstGeom prst="rect"/>
+          <a:noFill/>
+        </p:spPr>
+      </p:pic>
+      <p:sp>
+        <p:nvSpPr>
+          <p:cNvPr id="11" name="텍스트 상자 55"/>
+          <p:cNvSpPr txBox="1">
+            <a:spLocks/>
+          </p:cNvSpPr>
+          <p:nvPr/>
+        </p:nvSpPr>
+        <p:spPr>
+          <a:xfrm>
+            <a:off x="40640" y="78740"/>
+            <a:ext cx="3472180" cy="370205"/>
+          </a:xfrm>
+          <a:prstGeom prst="rect"/>
+          <a:noFill/>
+          <a:ln w="0" cap="flat" cmpd="sng">
+            <a:solidFill>
+              <a:srgbClr val="FFFFFF">
+                <a:alpha val="100000"/>
+              </a:srgbClr>
+            </a:solidFill>
+            <a:prstDash/>
+          </a:ln>
+        </p:spPr>
+        <p:txBody>
+          <a:bodyPr wrap="none" lIns="89535" tIns="46355" rIns="89535" bIns="46355" numCol="1" vert="horz" anchor="t">
+            <a:spAutoFit/>
+          </a:bodyPr>
+          <a:lstStyle/>
+          <a:p>
+            <a:pPr marL="0" indent="0" algn="l" latinLnBrk="0" hangingPunct="1"/>
+            <a:r>
+              <a:rPr lang="ko-KR" sz="1800">
+                <a:latin typeface="경기천년제목 Bold" charset="0"/>
+                <a:ea typeface="경기천년제목 Bold" charset="0"/>
+              </a:rPr>
+              <a:t>FAQ - 게시글 보기</a:t>
+            </a:r>
+            <a:r>
+              <a:rPr lang="ko-KR" sz="1800">
+                <a:latin typeface="경기천년제목 Bold" charset="0"/>
+                <a:ea typeface="경기천년제목 Bold" charset="0"/>
+              </a:rPr>
+              <a:t> - /faq/detail</a:t>
+            </a:r>
+            <a:endParaRPr lang="ko-KR" altLang="en-US" sz="1800">
+              <a:latin typeface="경기천년제목 Bold" charset="0"/>
+              <a:ea typeface="경기천년제목 Bold" charset="0"/>
+            </a:endParaRPr>
+          </a:p>
+        </p:txBody>
+      </p:sp>
+      <p:sp>
+        <p:nvSpPr>
+          <p:cNvPr id="12" name="도형 56"/>
+          <p:cNvSpPr>
+            <a:spLocks/>
+          </p:cNvSpPr>
+          <p:nvPr/>
+        </p:nvSpPr>
+        <p:spPr>
+          <a:xfrm rot="0">
+            <a:off x="125730" y="2082165"/>
+            <a:ext cx="1303020" cy="364490"/>
+          </a:xfrm>
+          <a:prstGeom prst="wedgeRectCallout">
+            <a:avLst>
+              <a:gd name="adj1" fmla="val 49995"/>
+              <a:gd name="adj2" fmla="val 132153"/>
+            </a:avLst>
+          </a:prstGeom>
+        </p:spPr>
+        <p:style>
+          <a:lnRef idx="2">
+            <a:schemeClr val="dk1"/>
+          </a:lnRef>
+          <a:fillRef idx="1">
+            <a:schemeClr val="lt1"/>
+          </a:fillRef>
+          <a:effectRef idx="0">
+            <a:schemeClr val="dk1"/>
+          </a:effectRef>
+          <a:fontRef idx="minor">
+            <a:schemeClr val="dk1"/>
+          </a:fontRef>
+        </p:style>
+        <p:txBody>
+          <a:bodyPr wrap="square" lIns="91440" tIns="45720" rIns="91440" bIns="45720" numCol="1" vert="horz" anchor="ctr">
+            <a:noAutofit/>
+          </a:bodyPr>
+          <a:lstStyle/>
+          <a:p>
+            <a:pPr marL="0" indent="0" algn="ctr" latinLnBrk="0" hangingPunct="1"/>
+            <a:endParaRPr lang="ko-KR" altLang="en-US" sz="1800">
+              <a:latin typeface="맑은 고딕" charset="0"/>
+              <a:ea typeface="맑은 고딕" charset="0"/>
+            </a:endParaRPr>
+          </a:p>
+        </p:txBody>
+      </p:sp>
+      <p:sp>
+        <p:nvSpPr>
+          <p:cNvPr id="13" name="텍스트 상자 57"/>
+          <p:cNvSpPr txBox="1">
+            <a:spLocks/>
+          </p:cNvSpPr>
+          <p:nvPr/>
+        </p:nvSpPr>
+        <p:spPr>
+          <a:xfrm rot="0">
+            <a:off x="173355" y="2143125"/>
+            <a:ext cx="1255395" cy="247015"/>
+          </a:xfrm>
+          <a:prstGeom prst="rect"/>
+          <a:noFill/>
+          <a:ln w="0" cap="flat" cmpd="sng">
+            <a:solidFill>
+              <a:srgbClr val="FFFFFF">
+                <a:alpha val="100000"/>
+              </a:srgbClr>
+            </a:solidFill>
+            <a:prstDash/>
+          </a:ln>
+        </p:spPr>
+        <p:txBody>
+          <a:bodyPr wrap="square" lIns="89535" tIns="46355" rIns="89535" bIns="46355" vert="horz" anchor="t">
+            <a:spAutoFit/>
+          </a:bodyPr>
+          <a:lstStyle/>
+          <a:p>
+            <a:pPr marL="0" indent="0" algn="l" hangingPunct="1"/>
+            <a:r>
+              <a:rPr lang="ko-KR" sz="1000" cap="none" i="0" b="0" strike="noStrike">
+                <a:latin typeface="경기천년제목 Light" charset="0"/>
+                <a:ea typeface="경기천년제목 Light" charset="0"/>
+              </a:rPr>
+              <a:t>파일 클릭 시 다운로드</a:t>
+            </a:r>
+            <a:endParaRPr lang="ko-KR" altLang="en-US" sz="1000" cap="none" i="0" b="0" strike="noStrike">
+              <a:latin typeface="경기천년제목 Light" charset="0"/>
+              <a:ea typeface="경기천년제목 Light" charset="0"/>
+            </a:endParaRPr>
+          </a:p>
+        </p:txBody>
+      </p:sp>
+      <p:sp>
+        <p:nvSpPr>
+          <p:cNvPr id="14" name="도형 58"/>
+          <p:cNvSpPr>
+            <a:spLocks/>
+          </p:cNvSpPr>
+          <p:nvPr/>
+        </p:nvSpPr>
+        <p:spPr>
+          <a:xfrm rot="0">
+            <a:off x="5568315" y="3917950"/>
+            <a:ext cx="1303020" cy="364490"/>
+          </a:xfrm>
+          <a:prstGeom prst="wedgeRectCallout">
+            <a:avLst>
+              <a:gd name="adj1" fmla="val 49995"/>
+              <a:gd name="adj2" fmla="val 132153"/>
+            </a:avLst>
+          </a:prstGeom>
+        </p:spPr>
+        <p:style>
+          <a:lnRef idx="2">
+            <a:schemeClr val="dk1"/>
+          </a:lnRef>
+          <a:fillRef idx="1">
+            <a:schemeClr val="lt1"/>
+          </a:fillRef>
+          <a:effectRef idx="0">
+            <a:schemeClr val="dk1"/>
+          </a:effectRef>
+          <a:fontRef idx="minor">
+            <a:schemeClr val="dk1"/>
+          </a:fontRef>
+        </p:style>
+        <p:txBody>
+          <a:bodyPr wrap="square" lIns="91440" tIns="45720" rIns="91440" bIns="45720" numCol="1" vert="horz" anchor="ctr">
+            <a:noAutofit/>
+          </a:bodyPr>
+          <a:lstStyle/>
+          <a:p>
+            <a:pPr marL="0" indent="0" algn="ctr" latinLnBrk="0" hangingPunct="1"/>
+            <a:endParaRPr lang="ko-KR" altLang="en-US" sz="1800">
+              <a:latin typeface="맑은 고딕" charset="0"/>
+              <a:ea typeface="맑은 고딕" charset="0"/>
+            </a:endParaRPr>
+          </a:p>
+        </p:txBody>
+      </p:sp>
+      <p:sp>
+        <p:nvSpPr>
+          <p:cNvPr id="15" name="텍스트 상자 59"/>
+          <p:cNvSpPr txBox="1">
+            <a:spLocks/>
+          </p:cNvSpPr>
+          <p:nvPr/>
+        </p:nvSpPr>
+        <p:spPr>
+          <a:xfrm rot="0">
+            <a:off x="5661660" y="3978910"/>
+            <a:ext cx="1255395" cy="247015"/>
+          </a:xfrm>
+          <a:prstGeom prst="rect"/>
+          <a:noFill/>
+          <a:ln w="0" cap="flat" cmpd="sng">
+            <a:solidFill>
+              <a:srgbClr val="FFFFFF">
+                <a:alpha val="100000"/>
+              </a:srgbClr>
+            </a:solidFill>
+            <a:prstDash/>
+          </a:ln>
+        </p:spPr>
+        <p:txBody>
+          <a:bodyPr wrap="square" lIns="89535" tIns="46355" rIns="89535" bIns="46355" vert="horz" anchor="t">
+            <a:spAutoFit/>
+          </a:bodyPr>
+          <a:lstStyle/>
+          <a:p>
+            <a:pPr marL="0" indent="0" algn="l" hangingPunct="1"/>
+            <a:r>
+              <a:rPr lang="ko-KR" sz="1000" cap="none" i="0" b="0" strike="noStrike">
+                <a:latin typeface="경기천년제목 Light" charset="0"/>
+                <a:ea typeface="경기천년제목 Light" charset="0"/>
+              </a:rPr>
+              <a:t>게시글 삭제,수정</a:t>
+            </a:r>
+            <a:endParaRPr lang="ko-KR" altLang="en-US" sz="1000" cap="none" i="0" b="0" strike="noStrike">
+              <a:latin typeface="경기천년제목 Light" charset="0"/>
+              <a:ea typeface="경기천년제목 Light" charset="0"/>
+            </a:endParaRPr>
+          </a:p>
+        </p:txBody>
+      </p:sp>
+    </p:spTree>
+  </p:cSld>
+  <p:clrMapOvr>
+    <a:masterClrMapping/>
+  </p:clrMapOvr>
+  <mc:AlternateContent xmlns:mc="http://schemas.openxmlformats.org/markup-compatibility/2006">
+    <mc:Choice xmlns:p14="http://schemas.microsoft.com/office/powerpoint/2010/main" Requires="p14">
+      <p:transition spd="slow" p14:dur="2000"/>
+    </mc:Choice>
+    <mc:Fallback>
+      <p:transition spd="slow"/>
+    </mc:Fallback>
+  </mc:AlternateContent>
+  <p:timing>
+    <p:tnLst>
+      <p:par>
+        <p:cTn id="1" dur="indefinite" restart="never" nodeType="tmRoot"/>
+      </p:par>
+    </p:tnLst>
+  </p:timing>
+</p:sld>
+</file>
+
+<file path=ppt/slides/slide16.xml><?xml version="1.0" encoding="utf-8"?>
+<p:sld xmlns:a="http://schemas.openxmlformats.org/drawingml/2006/main" xmlns:r="http://schemas.openxmlformats.org/officeDocument/2006/relationships" xmlns:p="http://schemas.openxmlformats.org/presentationml/2006/main">
+  <p:cSld>
+    <p:spTree>
+      <p:nvGrpSpPr>
+        <p:cNvPr id="1" name=""/>
+        <p:cNvGrpSpPr/>
+        <p:nvPr/>
+      </p:nvGrpSpPr>
+      <p:grpSpPr>
+        <a:xfrm>
+          <a:off x="0" y="0"/>
+          <a:ext cx="0" cy="0"/>
+          <a:chOff x="0" y="0"/>
+          <a:chExt cx="0" cy="0"/>
+        </a:xfrm>
+      </p:grpSpPr>
+      <p:pic>
+        <p:nvPicPr>
+          <p:cNvPr id="10" name="Picture " descr="C:/Users/sonhaewook/AppData/Roaming/PolarisOffice/ETemp/13540_23563136/fImage29605131238145.png"/>
+          <p:cNvPicPr>
+            <a:picLocks noChangeAspect="1"/>
+          </p:cNvPicPr>
+          <p:nvPr/>
+        </p:nvPicPr>
+        <p:blipFill rotWithShape="1">
+          <a:blip r:embed="rId2" cstate="hqprint">
+            <a:extLst>
+              <a:ext uri="{28A0092B-C50C-407E-A947-70E740481C1C}">
+                <a14:useLocalDpi xmlns:a14="http://schemas.microsoft.com/office/drawing/2010/main"/>
+              </a:ext>
+            </a:extLst>
+          </a:blip>
+          <a:stretch>
+            <a:fillRect/>
+          </a:stretch>
+        </p:blipFill>
+        <p:spPr>
+          <a:xfrm rot="0">
+            <a:off x="0" y="260350"/>
+            <a:ext cx="9145270" cy="4623435"/>
+          </a:xfrm>
+          <a:prstGeom prst="rect"/>
+          <a:noFill/>
+        </p:spPr>
+      </p:pic>
+      <p:sp>
+        <p:nvSpPr>
+          <p:cNvPr id="11" name="Rect 0"/>
+          <p:cNvSpPr txBox="1">
+            <a:spLocks/>
+          </p:cNvSpPr>
+          <p:nvPr/>
+        </p:nvSpPr>
+        <p:spPr>
+          <a:xfrm rot="0">
+            <a:off x="40640" y="78740"/>
+            <a:ext cx="3472180" cy="370205"/>
+          </a:xfrm>
+          <a:prstGeom prst="rect"/>
+          <a:noFill/>
+          <a:ln w="0" cap="flat" cmpd="sng">
+            <a:solidFill>
+              <a:srgbClr val="FFFFFF">
+                <a:alpha val="100000"/>
+              </a:srgbClr>
+            </a:solidFill>
+            <a:prstDash val="solid"/>
+          </a:ln>
+        </p:spPr>
+        <p:txBody>
+          <a:bodyPr wrap="none" lIns="89535" tIns="46355" rIns="89535" bIns="46355" numCol="1" vert="horz" anchor="t">
+            <a:spAutoFit/>
+          </a:bodyPr>
+          <a:lstStyle/>
+          <a:p>
+            <a:pPr marL="0" indent="0" algn="l" latinLnBrk="0" hangingPunct="1"/>
+            <a:r>
+              <a:rPr lang="ko-KR" sz="1800">
+                <a:latin typeface="경기천년제목 Bold" charset="0"/>
+                <a:ea typeface="경기천년제목 Bold" charset="0"/>
+              </a:rPr>
+              <a:t>FAQ - 게시글 보기</a:t>
+            </a:r>
+            <a:r>
+              <a:rPr lang="ko-KR" sz="1800">
+                <a:latin typeface="경기천년제목 Bold" charset="0"/>
+                <a:ea typeface="경기천년제목 Bold" charset="0"/>
+              </a:rPr>
+              <a:t> - /faq/detail</a:t>
+            </a:r>
+            <a:endParaRPr lang="ko-KR" altLang="en-US" sz="1800">
+              <a:latin typeface="경기천년제목 Bold" charset="0"/>
+              <a:ea typeface="경기천년제목 Bold" charset="0"/>
+            </a:endParaRPr>
+          </a:p>
+        </p:txBody>
+      </p:sp>
+      <p:sp>
+        <p:nvSpPr>
+          <p:cNvPr id="12" name="Rect 0"/>
+          <p:cNvSpPr>
+            <a:spLocks/>
+          </p:cNvSpPr>
+          <p:nvPr/>
+        </p:nvSpPr>
+        <p:spPr>
+          <a:xfrm rot="0">
+            <a:off x="125730" y="2082165"/>
+            <a:ext cx="1303655" cy="365125"/>
+          </a:xfrm>
+          <a:prstGeom prst="wedgeRectCallout">
+            <a:avLst>
+              <a:gd name="adj1" fmla="val 49995"/>
+              <a:gd name="adj2" fmla="val 132153"/>
+            </a:avLst>
+          </a:prstGeom>
+        </p:spPr>
+        <p:style>
+          <a:lnRef idx="2">
+            <a:schemeClr val="dk1"/>
+          </a:lnRef>
+          <a:fillRef idx="1">
+            <a:schemeClr val="lt1"/>
+          </a:fillRef>
+          <a:effectRef idx="0">
+            <a:schemeClr val="dk1"/>
+          </a:effectRef>
+          <a:fontRef idx="minor">
+            <a:schemeClr val="dk1"/>
+          </a:fontRef>
+        </p:style>
+        <p:txBody>
+          <a:bodyPr wrap="square" lIns="91440" tIns="45720" rIns="91440" bIns="45720" numCol="1" vert="horz" anchor="ctr">
+            <a:noAutofit/>
+          </a:bodyPr>
+          <a:lstStyle/>
+          <a:p>
+            <a:pPr marL="0" indent="0" algn="ctr" latinLnBrk="0" hangingPunct="1"/>
+            <a:endParaRPr lang="ko-KR" altLang="en-US" sz="1800">
+              <a:latin typeface="맑은 고딕" charset="0"/>
+              <a:ea typeface="맑은 고딕" charset="0"/>
+            </a:endParaRPr>
+          </a:p>
+        </p:txBody>
+      </p:sp>
+      <p:sp>
+        <p:nvSpPr>
+          <p:cNvPr id="13" name="Rect 0"/>
+          <p:cNvSpPr txBox="1">
+            <a:spLocks/>
+          </p:cNvSpPr>
+          <p:nvPr/>
+        </p:nvSpPr>
+        <p:spPr>
+          <a:xfrm rot="0">
+            <a:off x="173355" y="2143125"/>
+            <a:ext cx="1256030" cy="247650"/>
+          </a:xfrm>
+          <a:prstGeom prst="rect"/>
+          <a:noFill/>
+          <a:ln w="0" cap="flat" cmpd="sng">
+            <a:solidFill>
+              <a:srgbClr val="FFFFFF">
+                <a:alpha val="100000"/>
+              </a:srgbClr>
+            </a:solidFill>
+            <a:prstDash val="solid"/>
+          </a:ln>
+        </p:spPr>
+        <p:txBody>
+          <a:bodyPr wrap="square" lIns="89535" tIns="46355" rIns="89535" bIns="46355" numCol="1" vert="horz" anchor="t">
+            <a:spAutoFit/>
+          </a:bodyPr>
+          <a:lstStyle/>
+          <a:p>
+            <a:pPr marL="0" indent="0" algn="l" latinLnBrk="0" hangingPunct="1"/>
+            <a:r>
+              <a:rPr lang="ko-KR" sz="1000" cap="none" i="0" b="0" strike="noStrike">
+                <a:latin typeface="경기천년제목 Light" charset="0"/>
+                <a:ea typeface="경기천년제목 Light" charset="0"/>
+              </a:rPr>
+              <a:t>파일 클릭 시 다운로드</a:t>
+            </a:r>
+            <a:endParaRPr lang="ko-KR" altLang="en-US" sz="1000" cap="none" i="0" b="0" strike="noStrike">
+              <a:latin typeface="경기천년제목 Light" charset="0"/>
+              <a:ea typeface="경기천년제목 Light" charset="0"/>
+            </a:endParaRPr>
+          </a:p>
+        </p:txBody>
+      </p:sp>
+      <p:sp>
+        <p:nvSpPr>
+          <p:cNvPr id="14" name="Rect 0"/>
+          <p:cNvSpPr>
+            <a:spLocks/>
+          </p:cNvSpPr>
+          <p:nvPr/>
+        </p:nvSpPr>
+        <p:spPr>
+          <a:xfrm rot="0">
+            <a:off x="5568315" y="3917950"/>
+            <a:ext cx="1303655" cy="365125"/>
+          </a:xfrm>
+          <a:prstGeom prst="wedgeRectCallout">
+            <a:avLst>
+              <a:gd name="adj1" fmla="val 49995"/>
+              <a:gd name="adj2" fmla="val 132153"/>
+            </a:avLst>
+          </a:prstGeom>
+        </p:spPr>
+        <p:style>
+          <a:lnRef idx="2">
+            <a:schemeClr val="dk1"/>
+          </a:lnRef>
+          <a:fillRef idx="1">
+            <a:schemeClr val="lt1"/>
+          </a:fillRef>
+          <a:effectRef idx="0">
+            <a:schemeClr val="dk1"/>
+          </a:effectRef>
+          <a:fontRef idx="minor">
+            <a:schemeClr val="dk1"/>
+          </a:fontRef>
+        </p:style>
+        <p:txBody>
+          <a:bodyPr wrap="square" lIns="91440" tIns="45720" rIns="91440" bIns="45720" numCol="1" vert="horz" anchor="ctr">
+            <a:noAutofit/>
+          </a:bodyPr>
+          <a:lstStyle/>
+          <a:p>
+            <a:pPr marL="0" indent="0" algn="ctr" latinLnBrk="0" hangingPunct="1"/>
+            <a:endParaRPr lang="ko-KR" altLang="en-US" sz="1800">
+              <a:latin typeface="맑은 고딕" charset="0"/>
+              <a:ea typeface="맑은 고딕" charset="0"/>
+            </a:endParaRPr>
+          </a:p>
+        </p:txBody>
+      </p:sp>
+      <p:sp>
+        <p:nvSpPr>
+          <p:cNvPr id="15" name="Rect 0"/>
+          <p:cNvSpPr txBox="1">
+            <a:spLocks/>
+          </p:cNvSpPr>
+          <p:nvPr/>
+        </p:nvSpPr>
+        <p:spPr>
+          <a:xfrm rot="0">
+            <a:off x="5661660" y="3978910"/>
+            <a:ext cx="1256030" cy="247650"/>
+          </a:xfrm>
+          <a:prstGeom prst="rect"/>
+          <a:noFill/>
+          <a:ln w="0" cap="flat" cmpd="sng">
+            <a:solidFill>
+              <a:srgbClr val="FFFFFF">
+                <a:alpha val="100000"/>
+              </a:srgbClr>
+            </a:solidFill>
+            <a:prstDash val="solid"/>
+          </a:ln>
+        </p:spPr>
+        <p:txBody>
+          <a:bodyPr wrap="square" lIns="89535" tIns="46355" rIns="89535" bIns="46355" numCol="1" vert="horz" anchor="t">
+            <a:spAutoFit/>
+          </a:bodyPr>
+          <a:lstStyle/>
+          <a:p>
+            <a:pPr marL="0" indent="0" algn="l" latinLnBrk="0" hangingPunct="1"/>
+            <a:r>
+              <a:rPr lang="ko-KR" sz="1000" cap="none" i="0" b="0" strike="noStrike">
+                <a:latin typeface="경기천년제목 Light" charset="0"/>
+                <a:ea typeface="경기천년제목 Light" charset="0"/>
+              </a:rPr>
+              <a:t>게시글 삭제,수정</a:t>
+            </a:r>
+            <a:endParaRPr lang="ko-KR" altLang="en-US" sz="1000" cap="none" i="0" b="0" strike="noStrike">
+              <a:latin typeface="경기천년제목 Light" charset="0"/>
+              <a:ea typeface="경기천년제목 Light" charset="0"/>
+            </a:endParaRPr>
+          </a:p>
+        </p:txBody>
+      </p:sp>
+    </p:spTree>
+  </p:cSld>
+  <p:clrMapOvr>
+    <a:masterClrMapping/>
+  </p:clrMapOvr>
+  <mc:AlternateContent xmlns:mc="http://schemas.openxmlformats.org/markup-compatibility/2006">
+    <mc:Choice xmlns:p14="http://schemas.microsoft.com/office/powerpoint/2010/main" Requires="p14">
+      <p:transition spd="slow" p14:dur="2000"/>
+    </mc:Choice>
+    <mc:Fallback>
+      <p:transition spd="slow"/>
+    </mc:Fallback>
+  </mc:AlternateContent>
+  <p:timing>
+    <p:tnLst>
+      <p:par>
+        <p:cTn id="1" dur="indefinite" restart="never" nodeType="tmRoot"/>
+      </p:par>
+    </p:tnLst>
+  </p:timing>
+</p:sld>
+</file>
+
+<file path=ppt/slides/slide17.xml><?xml version="1.0" encoding="utf-8"?>
+<p:sld xmlns:a="http://schemas.openxmlformats.org/drawingml/2006/main" xmlns:r="http://schemas.openxmlformats.org/officeDocument/2006/relationships" xmlns:p="http://schemas.openxmlformats.org/presentationml/2006/main">
+  <p:cSld>
+    <p:spTree>
+      <p:nvGrpSpPr>
+        <p:cNvPr id="1" name=""/>
+        <p:cNvGrpSpPr/>
+        <p:nvPr/>
+      </p:nvGrpSpPr>
+      <p:grpSpPr>
+        <a:xfrm>
+          <a:off x="0" y="0"/>
+          <a:ext cx="0" cy="0"/>
+          <a:chOff x="0" y="0"/>
+          <a:chExt cx="0" cy="0"/>
+        </a:xfrm>
+      </p:grpSpPr>
+      <p:sp>
+        <p:nvSpPr>
+          <p:cNvPr id="11" name="Rect 0"/>
+          <p:cNvSpPr txBox="1">
+            <a:spLocks/>
+          </p:cNvSpPr>
+          <p:nvPr/>
+        </p:nvSpPr>
+        <p:spPr>
+          <a:xfrm rot="0">
+            <a:off x="40640" y="78740"/>
+            <a:ext cx="3472180" cy="370205"/>
+          </a:xfrm>
+          <a:prstGeom prst="rect"/>
+          <a:noFill/>
+          <a:ln w="0" cap="flat" cmpd="sng">
+            <a:solidFill>
+              <a:srgbClr val="FFFFFF">
+                <a:alpha val="100000"/>
+              </a:srgbClr>
+            </a:solidFill>
+            <a:prstDash val="solid"/>
+          </a:ln>
+        </p:spPr>
+        <p:txBody>
+          <a:bodyPr wrap="none" lIns="89535" tIns="46355" rIns="89535" bIns="46355" numCol="1" vert="horz" anchor="t">
+            <a:spAutoFit/>
+          </a:bodyPr>
+          <a:lstStyle/>
+          <a:p>
+            <a:pPr marL="0" indent="0" algn="l" latinLnBrk="0" hangingPunct="1"/>
+            <a:r>
+              <a:rPr lang="ko-KR" sz="1800">
+                <a:latin typeface="경기천년제목 Bold" charset="0"/>
+                <a:ea typeface="경기천년제목 Bold" charset="0"/>
+              </a:rPr>
+              <a:t>FAQ - 게시글 보기</a:t>
+            </a:r>
+            <a:r>
+              <a:rPr lang="ko-KR" sz="1800">
+                <a:latin typeface="경기천년제목 Bold" charset="0"/>
+                <a:ea typeface="경기천년제목 Bold" charset="0"/>
+              </a:rPr>
+              <a:t> - /faq/detail</a:t>
+            </a:r>
+            <a:endParaRPr lang="ko-KR" altLang="en-US" sz="1800">
+              <a:latin typeface="경기천년제목 Bold" charset="0"/>
+              <a:ea typeface="경기천년제목 Bold" charset="0"/>
+            </a:endParaRPr>
+          </a:p>
+        </p:txBody>
+      </p:sp>
+      <p:pic>
+        <p:nvPicPr>
+          <p:cNvPr id="12" name="그림 21" descr="C:/Users/sonhaewook/AppData/Roaming/PolarisOffice/ETemp/13540_23563136/fImage70874548145.png"/>
+          <p:cNvPicPr>
+            <a:picLocks noChangeAspect="1"/>
+          </p:cNvPicPr>
+          <p:nvPr/>
+        </p:nvPicPr>
+        <p:blipFill rotWithShape="1">
+          <a:blip r:embed="rId2" cstate="print">
+            <a:extLst>
+              <a:ext uri="{28A0092B-C50C-407E-A947-70E740481C1C}">
+                <a14:useLocalDpi xmlns:a14="http://schemas.microsoft.com/office/drawing/2010/main" val="0"/>
+              </a:ext>
+            </a:extLst>
+          </a:blip>
+          <a:stretch>
+            <a:fillRect/>
+          </a:stretch>
+        </p:blipFill>
+        <p:spPr>
+          <a:xfrm rot="0">
+            <a:off x="149225" y="613410"/>
+            <a:ext cx="8848090" cy="1884680"/>
+          </a:xfrm>
+          <a:prstGeom prst="rect"/>
+          <a:noFill/>
+        </p:spPr>
+      </p:pic>
+    </p:spTree>
+  </p:cSld>
+  <p:clrMapOvr>
+    <a:masterClrMapping/>
+  </p:clrMapOvr>
+  <mc:AlternateContent xmlns:mc="http://schemas.openxmlformats.org/markup-compatibility/2006">
+    <mc:Choice xmlns:p14="http://schemas.microsoft.com/office/powerpoint/2010/main" Requires="p14">
+      <p:transition spd="slow" p14:dur="2000"/>
+    </mc:Choice>
+    <mc:Fallback>
+      <p:transition spd="slow"/>
+    </mc:Fallback>
+  </mc:AlternateContent>
+  <p:timing>
+    <p:tnLst>
+      <p:par>
+        <p:cTn id="1" dur="indefinite" restart="never" nodeType="tmRoot"/>
+      </p:par>
+    </p:tnLst>
+  </p:timing>
+</p:sld>
+</file>
+
+<file path=ppt/slides/slide18.xml><?xml version="1.0" encoding="utf-8"?>
+<p:sld xmlns:a="http://schemas.openxmlformats.org/drawingml/2006/main" xmlns:r="http://schemas.openxmlformats.org/officeDocument/2006/relationships" xmlns:p="http://schemas.openxmlformats.org/presentationml/2006/main">
+  <p:cSld>
+    <p:spTree>
+      <p:nvGrpSpPr>
+        <p:cNvPr id="1" name=""/>
+        <p:cNvGrpSpPr/>
+        <p:nvPr/>
+      </p:nvGrpSpPr>
+      <p:grpSpPr>
+        <a:xfrm>
+          <a:off x="0" y="0"/>
+          <a:ext cx="0" cy="0"/>
+          <a:chOff x="0" y="0"/>
+          <a:chExt cx="0" cy="0"/>
+        </a:xfrm>
+      </p:grpSpPr>
+      <p:sp>
+        <p:nvSpPr>
+          <p:cNvPr id="11" name="Rect 0"/>
+          <p:cNvSpPr txBox="1">
+            <a:spLocks/>
+          </p:cNvSpPr>
+          <p:nvPr/>
+        </p:nvSpPr>
+        <p:spPr>
+          <a:xfrm rot="0">
+            <a:off x="40640" y="78740"/>
+            <a:ext cx="1913255" cy="370840"/>
+          </a:xfrm>
+          <a:prstGeom prst="rect"/>
+          <a:noFill/>
+          <a:ln w="0" cap="flat" cmpd="sng">
+            <a:solidFill>
+              <a:srgbClr val="FFFFFF">
+                <a:alpha val="100000"/>
+              </a:srgbClr>
+            </a:solidFill>
+            <a:prstDash val="solid"/>
+          </a:ln>
+        </p:spPr>
+        <p:txBody>
+          <a:bodyPr wrap="none" lIns="89535" tIns="46355" rIns="89535" bIns="46355" numCol="1" vert="horz" anchor="t">
+            <a:spAutoFit/>
+          </a:bodyPr>
+          <a:lstStyle/>
+          <a:p>
+            <a:pPr marL="0" indent="0" algn="l" latinLnBrk="0" hangingPunct="1"/>
+            <a:r>
+              <a:rPr lang="ko-KR" sz="1800">
+                <a:latin typeface="경기천년제목 Bold" charset="0"/>
+                <a:ea typeface="경기천년제목 Bold" charset="0"/>
+              </a:rPr>
+              <a:t>FAQ - 게시글 보기</a:t>
+            </a:r>
+            <a:endParaRPr lang="ko-KR" altLang="en-US" sz="1800">
+              <a:latin typeface="경기천년제목 Bold" charset="0"/>
+              <a:ea typeface="경기천년제목 Bold" charset="0"/>
+            </a:endParaRPr>
+          </a:p>
+        </p:txBody>
+      </p:sp>
+      <p:pic>
+        <p:nvPicPr>
+          <p:cNvPr id="12" name="그림 14" descr="C:/Users/sonhaewook/AppData/Roaming/PolarisOffice/ETemp/13540_23563136/fImage464404273281.png"/>
+          <p:cNvPicPr>
+            <a:picLocks noChangeAspect="1"/>
+          </p:cNvPicPr>
+          <p:nvPr/>
+        </p:nvPicPr>
+        <p:blipFill rotWithShape="1">
+          <a:blip r:embed="rId2" cstate="print">
+            <a:extLst>
+              <a:ext uri="{28A0092B-C50C-407E-A947-70E740481C1C}">
+                <a14:useLocalDpi xmlns:a14="http://schemas.microsoft.com/office/drawing/2010/main" val="0"/>
+              </a:ext>
+            </a:extLst>
+          </a:blip>
+          <a:stretch>
+            <a:fillRect/>
+          </a:stretch>
+        </p:blipFill>
+        <p:spPr>
+          <a:xfrm rot="0">
+            <a:off x="118745" y="608965"/>
+            <a:ext cx="5271770" cy="2913380"/>
+          </a:xfrm>
+          <a:prstGeom prst="rect"/>
+          <a:noFill/>
+        </p:spPr>
+      </p:pic>
+    </p:spTree>
+  </p:cSld>
+  <p:clrMapOvr>
+    <a:masterClrMapping/>
+  </p:clrMapOvr>
+  <mc:AlternateContent xmlns:mc="http://schemas.openxmlformats.org/markup-compatibility/2006">
+    <mc:Choice xmlns:p14="http://schemas.microsoft.com/office/powerpoint/2010/main" Requires="p14">
+      <p:transition spd="slow" p14:dur="2000"/>
+    </mc:Choice>
+    <mc:Fallback>
+      <p:transition spd="slow"/>
+    </mc:Fallback>
+  </mc:AlternateContent>
+  <p:timing>
+    <p:tnLst>
+      <p:par>
+        <p:cTn id="1" dur="indefinite" restart="never" nodeType="tmRoot"/>
+      </p:par>
+    </p:tnLst>
+  </p:timing>
+</p:sld>
+</file>
+
+<file path=ppt/slides/slide19.xml><?xml version="1.0" encoding="utf-8"?>
+<p:sld xmlns:a="http://schemas.openxmlformats.org/drawingml/2006/main" xmlns:r="http://schemas.openxmlformats.org/officeDocument/2006/relationships" xmlns:p="http://schemas.openxmlformats.org/presentationml/2006/main">
+  <p:cSld>
+    <p:spTree>
+      <p:nvGrpSpPr>
+        <p:cNvPr id="1" name=""/>
+        <p:cNvGrpSpPr/>
+        <p:nvPr/>
+      </p:nvGrpSpPr>
+      <p:grpSpPr>
+        <a:xfrm>
+          <a:off x="0" y="0"/>
+          <a:ext cx="0" cy="0"/>
+          <a:chOff x="0" y="0"/>
+          <a:chExt cx="0" cy="0"/>
+        </a:xfrm>
+      </p:grpSpPr>
+      <p:sp>
+        <p:nvSpPr>
+          <p:cNvPr id="11" name="Rect 0"/>
+          <p:cNvSpPr txBox="1">
+            <a:spLocks/>
+          </p:cNvSpPr>
+          <p:nvPr/>
+        </p:nvSpPr>
+        <p:spPr>
+          <a:xfrm rot="0">
+            <a:off x="40640" y="78740"/>
+            <a:ext cx="3902075" cy="370205"/>
+          </a:xfrm>
+          <a:prstGeom prst="rect"/>
+          <a:noFill/>
+          <a:ln w="0" cap="flat" cmpd="sng">
+            <a:solidFill>
+              <a:srgbClr val="FFFFFF">
+                <a:alpha val="100000"/>
+              </a:srgbClr>
+            </a:solidFill>
+            <a:prstDash val="solid"/>
+          </a:ln>
+        </p:spPr>
+        <p:txBody>
+          <a:bodyPr wrap="none" lIns="89535" tIns="46355" rIns="89535" bIns="46355" numCol="1" vert="horz" anchor="t">
+            <a:spAutoFit/>
+          </a:bodyPr>
+          <a:lstStyle/>
+          <a:p>
+            <a:pPr marL="0" indent="0" algn="l" latinLnBrk="0" hangingPunct="1"/>
+            <a:r>
+              <a:rPr lang="ko-KR" sz="1800">
+                <a:latin typeface="경기천년제목 Bold" charset="0"/>
+                <a:ea typeface="경기천년제목 Bold" charset="0"/>
+              </a:rPr>
+              <a:t>FAQ - </a:t>
+            </a:r>
+            <a:r>
+              <a:rPr lang="ko-KR" sz="1800">
+                <a:latin typeface="경기천년제목 Bold" charset="0"/>
+                <a:ea typeface="경기천년제목 Bold" charset="0"/>
+              </a:rPr>
+              <a:t>다운로드 - faq/downloadFile</a:t>
+            </a:r>
+            <a:endParaRPr lang="ko-KR" altLang="en-US" sz="1800">
+              <a:latin typeface="경기천년제목 Bold" charset="0"/>
+              <a:ea typeface="경기천년제목 Bold" charset="0"/>
+            </a:endParaRPr>
+          </a:p>
+        </p:txBody>
+      </p:sp>
+      <p:pic>
+        <p:nvPicPr>
+          <p:cNvPr id="12" name="그림 15" descr="C:/Users/sonhaewook/AppData/Roaming/PolarisOffice/ETemp/13540_23563136/fImage775804326827.png"/>
+          <p:cNvPicPr>
+            <a:picLocks noChangeAspect="1"/>
+          </p:cNvPicPr>
+          <p:nvPr/>
+        </p:nvPicPr>
+        <p:blipFill rotWithShape="1">
+          <a:blip r:embed="rId2" cstate="print">
+            <a:extLst>
+              <a:ext uri="{28A0092B-C50C-407E-A947-70E740481C1C}">
+                <a14:useLocalDpi xmlns:a14="http://schemas.microsoft.com/office/drawing/2010/main" val="0"/>
+              </a:ext>
+            </a:extLst>
+          </a:blip>
+          <a:stretch>
+            <a:fillRect/>
+          </a:stretch>
+        </p:blipFill>
+        <p:spPr>
+          <a:xfrm rot="0">
+            <a:off x="129540" y="506095"/>
+            <a:ext cx="8893175" cy="3366770"/>
+          </a:xfrm>
+          <a:prstGeom prst="rect"/>
+          <a:noFill/>
+        </p:spPr>
+      </p:pic>
+      <p:sp>
+        <p:nvSpPr>
+          <p:cNvPr id="13" name="텍스트 상자 20"/>
+          <p:cNvSpPr txBox="1">
+            <a:spLocks/>
+          </p:cNvSpPr>
+          <p:nvPr/>
+        </p:nvSpPr>
+        <p:spPr>
+          <a:xfrm rot="0">
+            <a:off x="6123305" y="4780280"/>
+            <a:ext cx="2763520" cy="247015"/>
+          </a:xfrm>
+          <a:prstGeom prst="rect"/>
+          <a:noFill/>
+          <a:ln w="0">
+            <a:noFill/>
+            <a:prstDash/>
+          </a:ln>
+        </p:spPr>
+        <p:txBody>
+          <a:bodyPr wrap="square" lIns="89535" tIns="46355" rIns="89535" bIns="46355" vert="horz" anchor="t">
+            <a:spAutoFit/>
+          </a:bodyPr>
+          <a:lstStyle/>
+          <a:p>
+            <a:pPr marL="0" indent="0" algn="l" hangingPunct="1"/>
+            <a:r>
+              <a:rPr sz="1000">
+                <a:latin typeface="맑은 고딕" charset="0"/>
+                <a:ea typeface="맑은 고딕" charset="0"/>
+              </a:rPr>
+              <a:t>http://192.168.2.83:8080/</a:t>
+            </a:r>
+            <a:endParaRPr lang="ko-KR" altLang="en-US" sz="1000">
+              <a:latin typeface="맑은 고딕" charset="0"/>
+              <a:ea typeface="맑은 고딕" charset="0"/>
             </a:endParaRPr>
           </a:p>
         </p:txBody>
@@ -22027,7 +25201,7 @@
       </p:sp>
       <p:pic>
         <p:nvPicPr>
-          <p:cNvPr id="356" name="그림 5" descr="C:/Users/sonhaewook/AppData/Roaming/PolarisOffice/ETemp/8980_6080624/fImage419241302041.png"/>
+          <p:cNvPr id="356" name="그림 5"/>
           <p:cNvPicPr>
             <a:picLocks noChangeAspect="1"/>
           </p:cNvPicPr>
@@ -22056,7 +25230,7 @@
       </p:pic>
       <p:pic>
         <p:nvPicPr>
-          <p:cNvPr id="357" name="그림 6" descr="C:/Users/sonhaewook/AppData/Roaming/PolarisOffice/ETemp/8980_6080624/fImage51704130258467.png"/>
+          <p:cNvPr id="357" name="그림 6"/>
           <p:cNvPicPr>
             <a:picLocks noChangeAspect="1"/>
           </p:cNvPicPr>
@@ -22085,7 +25259,7 @@
       </p:pic>
       <p:pic>
         <p:nvPicPr>
-          <p:cNvPr id="358" name="그림 7" descr="C:/Users/sonhaewook/AppData/Roaming/PolarisOffice/ETemp/8980_6080624/fImage9743130266334.png"/>
+          <p:cNvPr id="358" name="그림 7"/>
           <p:cNvPicPr>
             <a:picLocks noChangeAspect="1"/>
           </p:cNvPicPr>
@@ -22114,7 +25288,7 @@
       </p:pic>
       <p:pic>
         <p:nvPicPr>
-          <p:cNvPr id="359" name="그림 9" descr="C:/Users/sonhaewook/AppData/Roaming/PolarisOffice/ETemp/8980_6080624/fImage27814130286500.png"/>
+          <p:cNvPr id="359" name="그림 9"/>
           <p:cNvPicPr>
             <a:picLocks noChangeAspect="1"/>
           </p:cNvPicPr>
@@ -22451,9 +25625,9 @@
           <p:nvPr/>
         </p:nvSpPr>
         <p:spPr>
-          <a:xfrm rot="0">
+          <a:xfrm>
             <a:off x="116840" y="201295"/>
-            <a:ext cx="939165" cy="370205"/>
+            <a:ext cx="1380490" cy="370205"/>
           </a:xfrm>
           <a:prstGeom prst="rect"/>
           <a:noFill/>
@@ -22463,18 +25637,39 @@
           </a:ln>
         </p:spPr>
         <p:txBody>
-          <a:bodyPr wrap="none" lIns="89535" tIns="46355" rIns="89535" bIns="46355" vert="horz" anchor="t">
+          <a:bodyPr wrap="none" lIns="89535" tIns="46355" rIns="89535" bIns="46355" numCol="1" vert="horz" anchor="t">
             <a:spAutoFit/>
           </a:bodyPr>
           <a:lstStyle/>
           <a:p>
-            <a:pPr marL="0" indent="0" algn="l" hangingPunct="1"/>
+            <a:pPr marL="0" indent="0" algn="l" latinLnBrk="0" hangingPunct="1"/>
             <a:r>
               <a:rPr lang="ko-KR" sz="1800">
                 <a:latin typeface="경기천년제목 Bold" charset="0"/>
                 <a:ea typeface="경기천년제목 Bold" charset="0"/>
               </a:rPr>
-              <a:t>메인 UI</a:t>
+              <a:t>메인</a:t>
+            </a:r>
+            <a:r>
+              <a:rPr lang="ko-KR" sz="1800">
+                <a:latin typeface="경기천년제목 Bold" charset="0"/>
+                <a:ea typeface="경기천년제목 Bold" charset="0"/>
+              </a:rPr>
+              <a:t> </a:t>
+            </a:r>
+            <a:r>
+              <a:rPr lang="ko-KR" sz="1800">
+                <a:latin typeface="경기천년제목 Bold" charset="0"/>
+                <a:ea typeface="경기천년제목 Bold" charset="0"/>
+              </a:rPr>
+              <a:t>UI</a:t>
+            </a:r>
+            <a:r>
+              <a:rPr lang="ko-KR" sz="1800">
+                <a:latin typeface="경기천년제목 Bold" charset="0"/>
+                <a:ea typeface="경기천년제목 Bold" charset="0"/>
+              </a:rPr>
+              <a:t>  -  /</a:t>
             </a:r>
             <a:endParaRPr lang="ko-KR" altLang="en-US" sz="1800">
               <a:latin typeface="경기천년제목 Bold" charset="0"/>
@@ -22727,7 +25922,7 @@
         <p:spPr>
           <a:xfrm rot="0">
             <a:off x="7583805" y="4029075"/>
-            <a:ext cx="2037080" cy="247015"/>
+            <a:ext cx="2037715" cy="247650"/>
           </a:xfrm>
           <a:prstGeom prst="rect"/>
           <a:noFill/>
@@ -22737,16 +25932,16 @@
                 <a:alpha val="100000"/>
               </a:srgbClr>
             </a:solidFill>
-            <a:prstDash/>
+            <a:prstDash val="solid"/>
           </a:ln>
         </p:spPr>
         <p:txBody>
-          <a:bodyPr wrap="square" lIns="89535" tIns="46355" rIns="89535" bIns="46355" vert="horz" anchor="t">
+          <a:bodyPr wrap="square" lIns="89535" tIns="46355" rIns="89535" bIns="46355" numCol="1" vert="horz" anchor="t">
             <a:spAutoFit/>
           </a:bodyPr>
           <a:lstStyle/>
           <a:p>
-            <a:pPr marL="0" indent="0" algn="l" hangingPunct="1"/>
+            <a:pPr marL="0" indent="0" algn="l" latinLnBrk="0" hangingPunct="1"/>
             <a:r>
               <a:rPr lang="ko-KR" sz="1000" cap="none" i="0" b="0" strike="noStrike">
                 <a:latin typeface="경기천년제목 Light" charset="0"/>
@@ -22785,6 +25980,152 @@
 </file>
 
 <file path=ppt/slides/slide4.xml><?xml version="1.0" encoding="utf-8"?>
+<p:sld xmlns:a="http://schemas.openxmlformats.org/drawingml/2006/main" xmlns:r="http://schemas.openxmlformats.org/officeDocument/2006/relationships" xmlns:p="http://schemas.openxmlformats.org/presentationml/2006/main">
+  <p:cSld>
+    <p:spTree>
+      <p:nvGrpSpPr>
+        <p:cNvPr id="1" name=""/>
+        <p:cNvGrpSpPr/>
+        <p:nvPr/>
+      </p:nvGrpSpPr>
+      <p:grpSpPr>
+        <a:xfrm>
+          <a:off x="0" y="0"/>
+          <a:ext cx="0" cy="0"/>
+          <a:chOff x="0" y="0"/>
+          <a:chExt cx="0" cy="0"/>
+        </a:xfrm>
+      </p:grpSpPr>
+      <p:pic>
+        <p:nvPicPr>
+          <p:cNvPr id="2" name="그림 3" descr="C:/Users/sonhaewook/AppData/Roaming/PolarisOffice/ETemp/13540_23563136/fImage5157037641.png"/>
+          <p:cNvPicPr>
+            <a:picLocks noChangeAspect="1"/>
+          </p:cNvPicPr>
+          <p:nvPr/>
+        </p:nvPicPr>
+        <p:blipFill rotWithShape="1">
+          <a:blip r:embed="rId2" cstate="print">
+            <a:extLst>
+              <a:ext uri="{28A0092B-C50C-407E-A947-70E740481C1C}">
+                <a14:useLocalDpi xmlns:a14="http://schemas.microsoft.com/office/drawing/2010/main" val="0"/>
+              </a:ext>
+            </a:extLst>
+          </a:blip>
+          <a:stretch>
+            <a:fillRect/>
+          </a:stretch>
+        </p:blipFill>
+        <p:spPr>
+          <a:xfrm rot="0">
+            <a:off x="1326515" y="2497455"/>
+            <a:ext cx="5413375" cy="2179955"/>
+          </a:xfrm>
+          <a:prstGeom prst="rect"/>
+          <a:noFill/>
+        </p:spPr>
+      </p:pic>
+      <p:pic>
+        <p:nvPicPr>
+          <p:cNvPr id="3" name="그림 4" descr="C:/Users/sonhaewook/AppData/Roaming/PolarisOffice/ETemp/13540_23563136/fImage94863778467.png"/>
+          <p:cNvPicPr>
+            <a:picLocks noChangeAspect="1"/>
+          </p:cNvPicPr>
+          <p:nvPr/>
+        </p:nvPicPr>
+        <p:blipFill rotWithShape="1">
+          <a:blip r:embed="rId3" cstate="print">
+            <a:extLst>
+              <a:ext uri="{28A0092B-C50C-407E-A947-70E740481C1C}">
+                <a14:useLocalDpi xmlns:a14="http://schemas.microsoft.com/office/drawing/2010/main" val="0"/>
+              </a:ext>
+            </a:extLst>
+          </a:blip>
+          <a:stretch>
+            <a:fillRect/>
+          </a:stretch>
+        </p:blipFill>
+        <p:spPr>
+          <a:xfrm rot="0">
+            <a:off x="1332230" y="1102360"/>
+            <a:ext cx="3319145" cy="1142365"/>
+          </a:xfrm>
+          <a:prstGeom prst="rect"/>
+          <a:noFill/>
+        </p:spPr>
+      </p:pic>
+      <p:sp>
+        <p:nvSpPr>
+          <p:cNvPr id="4" name="텍스트 상자 5"/>
+          <p:cNvSpPr txBox="1">
+            <a:spLocks/>
+          </p:cNvSpPr>
+          <p:nvPr/>
+        </p:nvSpPr>
+        <p:spPr>
+          <a:xfrm rot="0">
+            <a:off x="116840" y="201295"/>
+            <a:ext cx="1026160" cy="370205"/>
+          </a:xfrm>
+          <a:prstGeom prst="rect"/>
+          <a:noFill/>
+          <a:ln w="0">
+            <a:noFill/>
+            <a:prstDash/>
+          </a:ln>
+        </p:spPr>
+        <p:txBody>
+          <a:bodyPr wrap="none" lIns="89535" tIns="46355" rIns="89535" bIns="46355" numCol="1" vert="horz" anchor="t">
+            <a:spAutoFit/>
+          </a:bodyPr>
+          <a:lstStyle/>
+          <a:p>
+            <a:pPr marL="0" indent="0" algn="l" latinLnBrk="0" hangingPunct="1"/>
+            <a:r>
+              <a:rPr lang="ko-KR" sz="1800">
+                <a:latin typeface="경기천년제목 Bold" charset="0"/>
+                <a:ea typeface="경기천년제목 Bold" charset="0"/>
+              </a:rPr>
+              <a:t>메인</a:t>
+            </a:r>
+            <a:r>
+              <a:rPr lang="ko-KR" sz="1800">
+                <a:latin typeface="경기천년제목 Bold" charset="0"/>
+                <a:ea typeface="경기천년제목 Bold" charset="0"/>
+              </a:rPr>
+              <a:t> </a:t>
+            </a:r>
+            <a:r>
+              <a:rPr lang="ko-KR" sz="1800">
+                <a:latin typeface="경기천년제목 Bold" charset="0"/>
+                <a:ea typeface="경기천년제목 Bold" charset="0"/>
+              </a:rPr>
+              <a:t>기능</a:t>
+            </a:r>
+            <a:endParaRPr lang="ko-KR" altLang="en-US" sz="1800">
+              <a:latin typeface="경기천년제목 Bold" charset="0"/>
+              <a:ea typeface="경기천년제목 Bold" charset="0"/>
+            </a:endParaRPr>
+          </a:p>
+        </p:txBody>
+      </p:sp>
+    </p:spTree>
+  </p:cSld>
+  <p:clrMapOvr>
+    <a:masterClrMapping/>
+  </p:clrMapOvr>
+  <mc:AlternateContent xmlns:mc="http://schemas.openxmlformats.org/markup-compatibility/2006">
+    <mc:Choice xmlns:p14="http://schemas.microsoft.com/office/powerpoint/2010/main" Requires="p14">
+      <p:transition spd="slow" p14:dur="2000"/>
+    </mc:Choice>
+    <mc:Fallback>
+      <p:transition spd="slow"/>
+    </mc:Fallback>
+  </mc:AlternateContent>
+</p:sld>
+</file>
+
+<file path=ppt/slides/slide5.xml><?xml version="1.0" encoding="utf-8"?>
 <p:sld xmlns:a="http://schemas.openxmlformats.org/drawingml/2006/main" xmlns:r="http://schemas.openxmlformats.org/officeDocument/2006/relationships" xmlns:mc="http://schemas.openxmlformats.org/markup-compatibility/2006" xmlns:mv="urn:schemas-microsoft-com:mac:vml" xmlns:p="http://schemas.openxmlformats.org/presentationml/2006/main" xmlns:c="http://schemas.openxmlformats.org/drawingml/2006/chart" xmlns:dgm="http://schemas.openxmlformats.org/drawingml/2006/diagram" xmlns:o="urn:schemas-microsoft-com:office:office" xmlns:v="urn:schemas-microsoft-com:vml" xmlns:pvml="urn:schemas-microsoft-com:office:powerpoint" xmlns:com="http://schemas.openxmlformats.org/drawingml/2006/compatibility" xmlns:p14="http://schemas.microsoft.com/office/powerpoint/2010/main" xmlns:p15="http://schemas.microsoft.com/office/powerpoint/2012/main" xmlns:ahyp="http://schemas.microsoft.com/office/drawing/2018/hyperlinkcolor">
   <p:cSld>
     <p:spTree>
@@ -23118,9 +26459,9 @@
           <p:nvPr/>
         </p:nvSpPr>
         <p:spPr>
-          <a:xfrm rot="0">
+          <a:xfrm>
             <a:off x="110490" y="90805"/>
-            <a:ext cx="629920" cy="370205"/>
+            <a:ext cx="1912620" cy="370205"/>
           </a:xfrm>
           <a:prstGeom prst="rect"/>
           <a:noFill/>
@@ -23134,12 +26475,12 @@
           </a:ln>
         </p:spPr>
         <p:txBody>
-          <a:bodyPr wrap="none" lIns="89535" tIns="46355" rIns="89535" bIns="46355" vert="horz" anchor="t">
+          <a:bodyPr wrap="none" lIns="89535" tIns="46355" rIns="89535" bIns="46355" numCol="1" vert="horz" anchor="t">
             <a:spAutoFit/>
           </a:bodyPr>
           <a:lstStyle/>
           <a:p>
-            <a:pPr marL="0" indent="0" algn="l" hangingPunct="1"/>
+            <a:pPr marL="0" indent="0" algn="l" latinLnBrk="0" hangingPunct="1"/>
             <a:r>
               <a:rPr lang="ko-KR" sz="1800">
                 <a:latin typeface="경기천년제목 Bold" charset="0"/>
@@ -23147,216 +26488,16 @@
               </a:rPr>
               <a:t>FAQ</a:t>
             </a:r>
-            <a:endParaRPr lang="ko-KR" altLang="en-US" sz="1800">
-              <a:latin typeface="경기천년제목 Bold" charset="0"/>
-              <a:ea typeface="경기천년제목 Bold" charset="0"/>
-            </a:endParaRPr>
-          </a:p>
-        </p:txBody>
-      </p:sp>
-    </p:spTree>
-  </p:cSld>
-  <p:clrMapOvr>
-    <a:masterClrMapping/>
-  </p:clrMapOvr>
-  <mc:AlternateContent xmlns:mc="http://schemas.openxmlformats.org/markup-compatibility/2006">
-    <mc:Choice xmlns:p14="http://schemas.microsoft.com/office/powerpoint/2010/main" Requires="p14">
-      <p:transition spd="slow" p14:dur="2000"/>
-    </mc:Choice>
-    <mc:Fallback>
-      <p:transition spd="slow"/>
-    </mc:Fallback>
-  </mc:AlternateContent>
-  <p:timing>
-    <p:tnLst>
-      <p:par>
-        <p:cTn id="1" dur="indefinite" restart="never" nodeType="tmRoot"/>
-      </p:par>
-    </p:tnLst>
-  </p:timing>
-</p:sld>
-</file>
-
-<file path=ppt/slides/slide5.xml><?xml version="1.0" encoding="utf-8"?>
-<p:sld xmlns:a="http://schemas.openxmlformats.org/drawingml/2006/main" xmlns:r="http://schemas.openxmlformats.org/officeDocument/2006/relationships" xmlns:p="http://schemas.openxmlformats.org/presentationml/2006/main" xmlns:p14="http://schemas.microsoft.com/office/powerpoint/2010/main">
-  <p:cSld>
-    <p:spTree>
-      <p:nvGrpSpPr>
-        <p:cNvPr id="1" name=""/>
-        <p:cNvGrpSpPr/>
-        <p:nvPr/>
-      </p:nvGrpSpPr>
-      <p:grpSpPr>
-        <a:xfrm>
-          <a:off x="0" y="0"/>
-          <a:ext cx="0" cy="0"/>
-          <a:chOff x="0" y="0"/>
-          <a:chExt cx="0" cy="0"/>
-        </a:xfrm>
-      </p:grpSpPr>
-      <p:pic>
-        <p:nvPicPr>
-          <p:cNvPr id="2" name="그림 26"/>
-          <p:cNvPicPr>
-            <a:picLocks noChangeAspect="1"/>
-          </p:cNvPicPr>
-          <p:nvPr/>
-        </p:nvPicPr>
-        <p:blipFill rotWithShape="1">
-          <a:blip r:embed="rId2" cstate="print">
-            <a:extLst>
-              <a:ext uri="{28A0092B-C50C-407E-A947-70E740481C1C}">
-                <a14:useLocalDpi xmlns:a14="http://schemas.microsoft.com/office/drawing/2010/main" val="0"/>
-              </a:ext>
-            </a:extLst>
-          </a:blip>
-          <a:stretch>
-            <a:fillRect/>
-          </a:stretch>
-        </p:blipFill>
-        <p:spPr>
-          <a:xfrm rot="0">
-            <a:off x="0" y="267335"/>
-            <a:ext cx="9144635" cy="4608830"/>
-          </a:xfrm>
-          <a:prstGeom prst="rect"/>
-          <a:noFill/>
-        </p:spPr>
-      </p:pic>
-      <p:sp>
-        <p:nvSpPr>
-          <p:cNvPr id="3" name="텍스트 상자 37"/>
-          <p:cNvSpPr txBox="1">
-            <a:spLocks/>
-          </p:cNvSpPr>
-          <p:nvPr/>
-        </p:nvSpPr>
-        <p:spPr>
-          <a:xfrm rot="0">
-            <a:off x="110490" y="90805"/>
-            <a:ext cx="2643505" cy="370205"/>
-          </a:xfrm>
-          <a:prstGeom prst="rect"/>
-          <a:noFill/>
-          <a:ln w="0" cap="flat" cmpd="sng">
-            <a:solidFill>
-              <a:srgbClr val="FFFFFF">
-                <a:alpha val="100000"/>
-              </a:srgbClr>
-            </a:solidFill>
-            <a:prstDash/>
-          </a:ln>
-        </p:spPr>
-        <p:txBody>
-          <a:bodyPr wrap="none" lIns="89535" tIns="46355" rIns="89535" bIns="46355" vert="horz" anchor="t">
-            <a:spAutoFit/>
-          </a:bodyPr>
-          <a:lstStyle/>
-          <a:p>
-            <a:pPr marL="0" indent="0" algn="l" hangingPunct="1"/>
             <a:r>
               <a:rPr lang="ko-KR" sz="1800">
                 <a:latin typeface="경기천년제목 Bold" charset="0"/>
                 <a:ea typeface="경기천년제목 Bold" charset="0"/>
               </a:rPr>
-              <a:t>FAQ - 검색 결과가 없을 때</a:t>
+              <a:t> - /faq/list</a:t>
             </a:r>
             <a:endParaRPr lang="ko-KR" altLang="en-US" sz="1800">
               <a:latin typeface="경기천년제목 Bold" charset="0"/>
               <a:ea typeface="경기천년제목 Bold" charset="0"/>
-            </a:endParaRPr>
-          </a:p>
-        </p:txBody>
-      </p:sp>
-      <p:sp>
-        <p:nvSpPr>
-          <p:cNvPr id="4" name="도형 39"/>
-          <p:cNvSpPr>
-            <a:spLocks/>
-          </p:cNvSpPr>
-          <p:nvPr/>
-        </p:nvSpPr>
-        <p:spPr>
-          <a:xfrm rot="0">
-            <a:off x="5527675" y="2809240"/>
-            <a:ext cx="1465580" cy="358140"/>
-          </a:xfrm>
-          <a:prstGeom prst="wedgeRectCallout">
-            <a:avLst>
-              <a:gd name="adj1" fmla="val 35255"/>
-              <a:gd name="adj2" fmla="val 128162"/>
-            </a:avLst>
-          </a:prstGeom>
-        </p:spPr>
-        <p:style>
-          <a:lnRef idx="2">
-            <a:schemeClr val="dk1"/>
-          </a:lnRef>
-          <a:fillRef idx="1">
-            <a:schemeClr val="lt1"/>
-          </a:fillRef>
-          <a:effectRef idx="0">
-            <a:schemeClr val="dk1"/>
-          </a:effectRef>
-          <a:fontRef idx="minor">
-            <a:schemeClr val="dk1"/>
-          </a:fontRef>
-        </p:style>
-        <p:txBody>
-          <a:bodyPr wrap="square" lIns="91440" tIns="45720" rIns="91440" bIns="45720" numCol="1" vert="horz" anchor="ctr">
-            <a:noAutofit/>
-          </a:bodyPr>
-          <a:lstStyle/>
-          <a:p>
-            <a:pPr marL="0" indent="0" algn="ctr" latinLnBrk="0" hangingPunct="1"/>
-            <a:endParaRPr lang="ko-KR" altLang="en-US" sz="1800">
-              <a:latin typeface="맑은 고딕" charset="0"/>
-              <a:ea typeface="맑은 고딕" charset="0"/>
-            </a:endParaRPr>
-          </a:p>
-        </p:txBody>
-      </p:sp>
-      <p:sp>
-        <p:nvSpPr>
-          <p:cNvPr id="5" name="텍스트 상자 40"/>
-          <p:cNvSpPr txBox="1">
-            <a:spLocks/>
-          </p:cNvSpPr>
-          <p:nvPr/>
-        </p:nvSpPr>
-        <p:spPr>
-          <a:xfrm rot="0">
-            <a:off x="5528310" y="2861945"/>
-            <a:ext cx="2037080" cy="247015"/>
-          </a:xfrm>
-          <a:prstGeom prst="rect"/>
-          <a:noFill/>
-          <a:ln w="0" cap="flat" cmpd="sng">
-            <a:solidFill>
-              <a:srgbClr val="FFFFFF">
-                <a:alpha val="100000"/>
-              </a:srgbClr>
-            </a:solidFill>
-            <a:prstDash/>
-          </a:ln>
-        </p:spPr>
-        <p:txBody>
-          <a:bodyPr wrap="square" lIns="89535" tIns="46355" rIns="89535" bIns="46355" vert="horz" anchor="t">
-            <a:spAutoFit/>
-          </a:bodyPr>
-          <a:lstStyle/>
-          <a:p>
-            <a:pPr marL="0" indent="0" algn="l" hangingPunct="1"/>
-            <a:r>
-              <a:rPr lang="ko-KR" sz="1000" cap="none" i="0" b="0" strike="noStrike">
-                <a:latin typeface="경기천년제목 Light" charset="0"/>
-                <a:ea typeface="경기천년제목 Light" charset="0"/>
-              </a:rPr>
-              <a:t>전체 리스트 페이지로 이동</a:t>
-            </a:r>
-            <a:endParaRPr lang="ko-KR" altLang="en-US" sz="1000" cap="none" i="0" b="0" strike="noStrike">
-              <a:latin typeface="경기천년제목 Light" charset="0"/>
-              <a:ea typeface="경기천년제목 Light" charset="0"/>
             </a:endParaRPr>
           </a:p>
         </p:txBody>
@@ -23439,9 +26580,9 @@
           <p:nvPr/>
         </p:nvSpPr>
         <p:spPr>
-          <a:xfrm rot="0">
+          <a:xfrm>
             <a:off x="110490" y="90805"/>
-            <a:ext cx="1991360" cy="370205"/>
+            <a:ext cx="1912620" cy="370205"/>
           </a:xfrm>
           <a:prstGeom prst="rect"/>
           <a:noFill/>
@@ -23455,18 +26596,25 @@
           </a:ln>
         </p:spPr>
         <p:txBody>
-          <a:bodyPr wrap="none" lIns="89535" tIns="46355" rIns="89535" bIns="46355" vert="horz" anchor="t">
+          <a:bodyPr wrap="none" lIns="89535" tIns="46355" rIns="89535" bIns="46355" numCol="1" vert="horz" anchor="t">
             <a:spAutoFit/>
           </a:bodyPr>
           <a:lstStyle/>
           <a:p>
-            <a:pPr marL="0" indent="0" algn="l" hangingPunct="1"/>
+            <a:pPr marL="0" indent="0" algn="l" latinLnBrk="0" hangingPunct="1"/>
             <a:r>
               <a:rPr lang="ko-KR" sz="1800">
                 <a:latin typeface="경기천년제목 Bold" charset="0"/>
                 <a:ea typeface="경기천년제목 Bold" charset="0"/>
               </a:rPr>
-              <a:t>FAQ - 검색 결과 창</a:t>
+              <a:t>FAQ -</a:t>
+            </a:r>
+            <a:r>
+              <a:rPr lang="ko-KR" sz="1800">
+                <a:latin typeface="경기천년제목 Bold" charset="0"/>
+                <a:ea typeface="경기천년제목 Bold" charset="0"/>
+              </a:rPr>
+              <a:t> /faq/list</a:t>
             </a:r>
             <a:endParaRPr lang="ko-KR" altLang="en-US" sz="1800">
               <a:latin typeface="경기천년제목 Bold" charset="0"/>
@@ -23568,123 +26716,9 @@
           </a:p>
         </p:txBody>
       </p:sp>
-    </p:spTree>
-  </p:cSld>
-  <p:clrMapOvr>
-    <a:masterClrMapping/>
-  </p:clrMapOvr>
-  <mc:AlternateContent xmlns:mc="http://schemas.openxmlformats.org/markup-compatibility/2006">
-    <mc:Choice xmlns:p14="http://schemas.microsoft.com/office/powerpoint/2010/main" Requires="p14">
-      <p:transition spd="slow" p14:dur="2000"/>
-    </mc:Choice>
-    <mc:Fallback>
-      <p:transition spd="slow"/>
-    </mc:Fallback>
-  </mc:AlternateContent>
-  <p:timing>
-    <p:tnLst>
-      <p:par>
-        <p:cTn id="1" dur="indefinite" restart="never" nodeType="tmRoot"/>
-      </p:par>
-    </p:tnLst>
-  </p:timing>
-</p:sld>
-</file>
-
-<file path=ppt/slides/slide7.xml><?xml version="1.0" encoding="utf-8"?>
-<p:sld xmlns:a="http://schemas.openxmlformats.org/drawingml/2006/main" xmlns:r="http://schemas.openxmlformats.org/officeDocument/2006/relationships" xmlns:p="http://schemas.openxmlformats.org/presentationml/2006/main" xmlns:p14="http://schemas.microsoft.com/office/powerpoint/2010/main">
-  <p:cSld>
-    <p:spTree>
-      <p:nvGrpSpPr>
-        <p:cNvPr id="1" name=""/>
-        <p:cNvGrpSpPr/>
-        <p:nvPr/>
-      </p:nvGrpSpPr>
-      <p:grpSpPr>
-        <a:xfrm>
-          <a:off x="0" y="0"/>
-          <a:ext cx="0" cy="0"/>
-          <a:chOff x="0" y="0"/>
-          <a:chExt cx="0" cy="0"/>
-        </a:xfrm>
-      </p:grpSpPr>
-      <p:pic>
-        <p:nvPicPr>
-          <p:cNvPr id="4" name="그림 43"/>
-          <p:cNvPicPr>
-            <a:picLocks noChangeAspect="1"/>
-          </p:cNvPicPr>
-          <p:nvPr/>
-        </p:nvPicPr>
-        <p:blipFill rotWithShape="1">
-          <a:blip r:embed="rId2" cstate="print">
-            <a:extLst>
-              <a:ext uri="{28A0092B-C50C-407E-A947-70E740481C1C}">
-                <a14:useLocalDpi xmlns:a14="http://schemas.microsoft.com/office/drawing/2010/main" val="0"/>
-              </a:ext>
-            </a:extLst>
-          </a:blip>
-          <a:stretch>
-            <a:fillRect/>
-          </a:stretch>
-        </p:blipFill>
-        <p:spPr>
-          <a:xfrm rot="0">
-            <a:off x="0" y="284480"/>
-            <a:ext cx="9144635" cy="4574540"/>
-          </a:xfrm>
-          <a:prstGeom prst="rect"/>
-          <a:noFill/>
-        </p:spPr>
-      </p:pic>
       <p:sp>
         <p:nvSpPr>
-          <p:cNvPr id="5" name="텍스트 상자 44"/>
-          <p:cNvSpPr txBox="1">
-            <a:spLocks/>
-          </p:cNvSpPr>
-          <p:nvPr/>
-        </p:nvSpPr>
-        <p:spPr>
-          <a:xfrm rot="0">
-            <a:off x="91440" y="104140"/>
-            <a:ext cx="1913255" cy="370205"/>
-          </a:xfrm>
-          <a:prstGeom prst="rect"/>
-          <a:noFill/>
-          <a:ln w="0" cap="flat" cmpd="sng">
-            <a:solidFill>
-              <a:srgbClr val="FFFFFF">
-                <a:alpha val="100000"/>
-              </a:srgbClr>
-            </a:solidFill>
-            <a:prstDash/>
-          </a:ln>
-        </p:spPr>
-        <p:txBody>
-          <a:bodyPr wrap="none" lIns="89535" tIns="46355" rIns="89535" bIns="46355" vert="horz" anchor="t">
-            <a:spAutoFit/>
-          </a:bodyPr>
-          <a:lstStyle/>
-          <a:p>
-            <a:pPr marL="0" indent="0" algn="l" hangingPunct="1"/>
-            <a:r>
-              <a:rPr lang="ko-KR" sz="1800">
-                <a:latin typeface="경기천년제목 Bold" charset="0"/>
-                <a:ea typeface="경기천년제목 Bold" charset="0"/>
-              </a:rPr>
-              <a:t>FAQ - 게시글 등록</a:t>
-            </a:r>
-            <a:endParaRPr lang="ko-KR" altLang="en-US" sz="1800">
-              <a:latin typeface="경기천년제목 Bold" charset="0"/>
-              <a:ea typeface="경기천년제목 Bold" charset="0"/>
-            </a:endParaRPr>
-          </a:p>
-        </p:txBody>
-      </p:sp>
-      <p:sp>
-        <p:nvSpPr>
-          <p:cNvPr id="6" name="도형 45"/>
+          <p:cNvPr id="6" name="도형 16"/>
           <p:cNvSpPr>
             <a:spLocks/>
           </p:cNvSpPr>
@@ -23692,8 +26726,8 @@
         </p:nvSpPr>
         <p:spPr>
           <a:xfrm rot="0">
-            <a:off x="6286500" y="2893695"/>
-            <a:ext cx="1465580" cy="358140"/>
+            <a:off x="5507990" y="3717290"/>
+            <a:ext cx="1466215" cy="358775"/>
           </a:xfrm>
           <a:prstGeom prst="wedgeRectCallout">
             <a:avLst>
@@ -23732,7 +26766,7 @@
       </p:sp>
       <p:sp>
         <p:nvSpPr>
-          <p:cNvPr id="7" name="텍스트 상자 46"/>
+          <p:cNvPr id="7" name="텍스트 상자 17"/>
           <p:cNvSpPr txBox="1">
             <a:spLocks/>
           </p:cNvSpPr>
@@ -23740,8 +26774,8 @@
         </p:nvSpPr>
         <p:spPr>
           <a:xfrm rot="0">
-            <a:off x="6287135" y="2946400"/>
-            <a:ext cx="2037080" cy="247015"/>
+            <a:off x="5508625" y="3769995"/>
+            <a:ext cx="2037715" cy="247650"/>
           </a:xfrm>
           <a:prstGeom prst="rect"/>
           <a:noFill/>
@@ -23751,16 +26785,16 @@
                 <a:alpha val="100000"/>
               </a:srgbClr>
             </a:solidFill>
-            <a:prstDash/>
+            <a:prstDash val="solid"/>
           </a:ln>
         </p:spPr>
         <p:txBody>
-          <a:bodyPr wrap="square" lIns="89535" tIns="46355" rIns="89535" bIns="46355" vert="horz" anchor="t">
+          <a:bodyPr wrap="square" lIns="89535" tIns="46355" rIns="89535" bIns="46355" numCol="1" vert="horz" anchor="t">
             <a:spAutoFit/>
           </a:bodyPr>
           <a:lstStyle/>
           <a:p>
-            <a:pPr marL="0" indent="0" algn="l" hangingPunct="1"/>
+            <a:pPr marL="0" indent="0" algn="l" latinLnBrk="0" hangingPunct="1"/>
             <a:r>
               <a:rPr lang="ko-KR" sz="1000" cap="none" i="0" b="0" strike="noStrike">
                 <a:latin typeface="경기천년제목 Light" charset="0"/>
@@ -23775,6 +26809,178 @@
           </a:p>
         </p:txBody>
       </p:sp>
+    </p:spTree>
+  </p:cSld>
+  <p:clrMapOvr>
+    <a:masterClrMapping/>
+  </p:clrMapOvr>
+  <mc:AlternateContent xmlns:mc="http://schemas.openxmlformats.org/markup-compatibility/2006">
+    <mc:Choice xmlns:p14="http://schemas.microsoft.com/office/powerpoint/2010/main" Requires="p14">
+      <p:transition spd="slow" p14:dur="2000"/>
+    </mc:Choice>
+    <mc:Fallback>
+      <p:transition spd="slow"/>
+    </mc:Fallback>
+  </mc:AlternateContent>
+  <p:timing>
+    <p:tnLst>
+      <p:par>
+        <p:cTn id="1" dur="indefinite" restart="never" nodeType="tmRoot"/>
+      </p:par>
+    </p:tnLst>
+  </p:timing>
+</p:sld>
+</file>
+
+<file path=ppt/slides/slide7.xml><?xml version="1.0" encoding="utf-8"?>
+<p:sld xmlns:a="http://schemas.openxmlformats.org/drawingml/2006/main" xmlns:r="http://schemas.openxmlformats.org/officeDocument/2006/relationships" xmlns:p="http://schemas.openxmlformats.org/presentationml/2006/main">
+  <p:cSld>
+    <p:spTree>
+      <p:nvGrpSpPr>
+        <p:cNvPr id="1" name=""/>
+        <p:cNvGrpSpPr/>
+        <p:nvPr/>
+      </p:nvGrpSpPr>
+      <p:grpSpPr>
+        <a:xfrm>
+          <a:off x="0" y="0"/>
+          <a:ext cx="0" cy="0"/>
+          <a:chOff x="0" y="0"/>
+          <a:chExt cx="0" cy="0"/>
+        </a:xfrm>
+      </p:grpSpPr>
+      <p:sp>
+        <p:nvSpPr>
+          <p:cNvPr id="9" name="Rect 0"/>
+          <p:cNvSpPr txBox="1">
+            <a:spLocks/>
+          </p:cNvSpPr>
+          <p:nvPr/>
+        </p:nvSpPr>
+        <p:spPr>
+          <a:xfrm rot="0">
+            <a:off x="110490" y="90805"/>
+            <a:ext cx="629920" cy="370205"/>
+          </a:xfrm>
+          <a:prstGeom prst="rect"/>
+          <a:noFill/>
+          <a:ln w="0" cap="flat" cmpd="sng">
+            <a:solidFill>
+              <a:srgbClr val="FFFFFF">
+                <a:alpha val="100000"/>
+              </a:srgbClr>
+            </a:solidFill>
+            <a:prstDash val="solid"/>
+          </a:ln>
+        </p:spPr>
+        <p:txBody>
+          <a:bodyPr wrap="none" lIns="89535" tIns="46355" rIns="89535" bIns="46355" numCol="1" vert="horz" anchor="t">
+            <a:spAutoFit/>
+          </a:bodyPr>
+          <a:lstStyle/>
+          <a:p>
+            <a:pPr marL="0" indent="0" algn="l" latinLnBrk="0" hangingPunct="1"/>
+            <a:r>
+              <a:rPr lang="ko-KR" sz="1800">
+                <a:latin typeface="경기천년제목 Bold" charset="0"/>
+                <a:ea typeface="경기천년제목 Bold" charset="0"/>
+              </a:rPr>
+              <a:t>FAQ</a:t>
+            </a:r>
+            <a:endParaRPr lang="ko-KR" altLang="en-US" sz="1800">
+              <a:latin typeface="경기천년제목 Bold" charset="0"/>
+              <a:ea typeface="경기천년제목 Bold" charset="0"/>
+            </a:endParaRPr>
+          </a:p>
+        </p:txBody>
+      </p:sp>
+      <p:pic>
+        <p:nvPicPr>
+          <p:cNvPr id="10" name="그림 7" descr="C:/Users/sonhaewook/AppData/Roaming/PolarisOffice/ETemp/13540_23563136/fImage74773906334.png"/>
+          <p:cNvPicPr>
+            <a:picLocks noChangeAspect="1"/>
+          </p:cNvPicPr>
+          <p:nvPr/>
+        </p:nvPicPr>
+        <p:blipFill rotWithShape="1">
+          <a:blip r:embed="rId2" cstate="print">
+            <a:extLst>
+              <a:ext uri="{28A0092B-C50C-407E-A947-70E740481C1C}">
+                <a14:useLocalDpi xmlns:a14="http://schemas.microsoft.com/office/drawing/2010/main" val="0"/>
+              </a:ext>
+            </a:extLst>
+          </a:blip>
+          <a:stretch>
+            <a:fillRect/>
+          </a:stretch>
+        </p:blipFill>
+        <p:spPr>
+          <a:xfrm rot="0">
+            <a:off x="792480" y="189865"/>
+            <a:ext cx="2341245" cy="543560"/>
+          </a:xfrm>
+          <a:prstGeom prst="rect"/>
+          <a:noFill/>
+        </p:spPr>
+      </p:pic>
+      <p:pic>
+        <p:nvPicPr>
+          <p:cNvPr id="11" name="그림 8" descr="C:/Users/sonhaewook/AppData/Roaming/PolarisOffice/ETemp/13540_23563136/fImage657353916500.png"/>
+          <p:cNvPicPr>
+            <a:picLocks noChangeAspect="1"/>
+          </p:cNvPicPr>
+          <p:nvPr/>
+        </p:nvPicPr>
+        <p:blipFill rotWithShape="1">
+          <a:blip r:embed="rId3" cstate="print">
+            <a:extLst>
+              <a:ext uri="{28A0092B-C50C-407E-A947-70E740481C1C}">
+                <a14:useLocalDpi xmlns:a14="http://schemas.microsoft.com/office/drawing/2010/main" val="0"/>
+              </a:ext>
+            </a:extLst>
+          </a:blip>
+          <a:stretch>
+            <a:fillRect/>
+          </a:stretch>
+        </p:blipFill>
+        <p:spPr>
+          <a:xfrm rot="0">
+            <a:off x="739775" y="771525"/>
+            <a:ext cx="6759575" cy="2588895"/>
+          </a:xfrm>
+          <a:prstGeom prst="rect"/>
+          <a:noFill/>
+        </p:spPr>
+      </p:pic>
+      <p:pic>
+        <p:nvPicPr>
+          <p:cNvPr id="12" name="그림 18" descr="C:/Users/sonhaewook/AppData/Roaming/PolarisOffice/ETemp/13540_23563136/fImage290454359169.png"/>
+          <p:cNvPicPr>
+            <a:picLocks noChangeAspect="1"/>
+          </p:cNvPicPr>
+          <p:nvPr/>
+        </p:nvPicPr>
+        <p:blipFill rotWithShape="1">
+          <a:blip r:embed="rId4" cstate="print">
+            <a:extLst>
+              <a:ext uri="{28A0092B-C50C-407E-A947-70E740481C1C}">
+                <a14:useLocalDpi xmlns:a14="http://schemas.microsoft.com/office/drawing/2010/main" val="0"/>
+              </a:ext>
+            </a:extLst>
+          </a:blip>
+          <a:stretch>
+            <a:fillRect/>
+          </a:stretch>
+        </p:blipFill>
+        <p:spPr>
+          <a:xfrm rot="0">
+            <a:off x="736600" y="3574415"/>
+            <a:ext cx="6424930" cy="1297305"/>
+          </a:xfrm>
+          <a:prstGeom prst="rect"/>
+          <a:noFill/>
+        </p:spPr>
+      </p:pic>
     </p:spTree>
   </p:cSld>
   <p:clrMapOvr>
@@ -23815,102 +27021,9 @@
           <a:chExt cx="0" cy="0"/>
         </a:xfrm>
       </p:grpSpPr>
-      <p:sp>
-        <p:nvSpPr>
-          <p:cNvPr id="6" name="Rect 0"/>
-          <p:cNvSpPr>
-            <a:spLocks/>
-          </p:cNvSpPr>
-          <p:nvPr/>
-        </p:nvSpPr>
-        <p:spPr>
-          <a:xfrm rot="0">
-            <a:off x="6286500" y="2893695"/>
-            <a:ext cx="1464945" cy="357505"/>
-          </a:xfrm>
-          <a:prstGeom prst="wedgeRectCallout">
-            <a:avLst>
-              <a:gd name="adj1" fmla="val 35255"/>
-              <a:gd name="adj2" fmla="val 128162"/>
-            </a:avLst>
-          </a:prstGeom>
-        </p:spPr>
-        <p:style>
-          <a:lnRef idx="3">
-            <a:schemeClr val="lt1"/>
-          </a:lnRef>
-          <a:fillRef idx="1">
-            <a:schemeClr val="accent5"/>
-          </a:fillRef>
-          <a:effectRef idx="1">
-            <a:schemeClr val="accent5"/>
-          </a:effectRef>
-          <a:fontRef idx="minor">
-            <a:schemeClr val="lt1"/>
-          </a:fontRef>
-        </p:style>
-        <p:txBody>
-          <a:bodyPr wrap="square" lIns="91440" tIns="45720" rIns="91440" bIns="45720" vert="horz" anchor="ctr">
-            <a:noAutofit/>
-          </a:bodyPr>
-          <a:lstStyle/>
-          <a:p>
-            <a:pPr marL="0" indent="0" algn="ctr" hangingPunct="1"/>
-            <a:endParaRPr lang="ko-KR" altLang="en-US" sz="1800">
-              <a:latin typeface="맑은 고딕" charset="0"/>
-              <a:ea typeface="맑은 고딕" charset="0"/>
-            </a:endParaRPr>
-          </a:p>
-        </p:txBody>
-      </p:sp>
-      <p:sp>
-        <p:nvSpPr>
-          <p:cNvPr id="7" name="Rect 0"/>
-          <p:cNvSpPr txBox="1">
-            <a:spLocks/>
-          </p:cNvSpPr>
-          <p:nvPr/>
-        </p:nvSpPr>
-        <p:spPr>
-          <a:xfrm rot="0">
-            <a:off x="6287135" y="2946400"/>
-            <a:ext cx="2037080" cy="247015"/>
-          </a:xfrm>
-          <a:prstGeom prst="rect"/>
-          <a:noFill/>
-          <a:ln w="0" cap="flat" cmpd="sng">
-            <a:solidFill>
-              <a:srgbClr val="FFFFFF">
-                <a:alpha val="100000"/>
-              </a:srgbClr>
-            </a:solidFill>
-            <a:prstDash/>
-          </a:ln>
-        </p:spPr>
-        <p:txBody>
-          <a:bodyPr wrap="square" lIns="89535" tIns="46355" rIns="89535" bIns="46355" vert="horz" anchor="t">
-            <a:spAutoFit/>
-          </a:bodyPr>
-          <a:lstStyle/>
-          <a:p>
-            <a:pPr marL="0" indent="0" algn="l" hangingPunct="1"/>
-            <a:r>
-              <a:rPr lang="ko-KR" sz="1000" cap="none" i="0" b="0" strike="noStrike">
-                <a:latin typeface="경기천년제목 Light" charset="0"/>
-                <a:ea typeface="경기천년제목 Light" charset="0"/>
-              </a:rPr>
-              <a:t>전체 리스트 페이지로 이동</a:t>
-            </a:r>
-            <a:endParaRPr lang="ko-KR" altLang="en-US" sz="1000" cap="none" i="0" b="0" strike="noStrike">
-              <a:latin typeface="경기천년제목 Light" charset="0"/>
-              <a:ea typeface="경기천년제목 Light" charset="0"/>
-            </a:endParaRPr>
-          </a:p>
-        </p:txBody>
-      </p:sp>
       <p:pic>
         <p:nvPicPr>
-          <p:cNvPr id="8" name="그림 48"/>
+          <p:cNvPr id="2" name="그림 26"/>
           <p:cNvPicPr>
             <a:picLocks noChangeAspect="1"/>
           </p:cNvPicPr>
@@ -23930,8 +27043,8 @@
         </p:blipFill>
         <p:spPr>
           <a:xfrm rot="0">
-            <a:off x="0" y="268605"/>
-            <a:ext cx="9144635" cy="4606290"/>
+            <a:off x="0" y="267335"/>
+            <a:ext cx="9144635" cy="4608830"/>
           </a:xfrm>
           <a:prstGeom prst="rect"/>
           <a:noFill/>
@@ -23939,16 +27052,16 @@
       </p:pic>
       <p:sp>
         <p:nvSpPr>
-          <p:cNvPr id="9" name="텍스트 상자 49"/>
+          <p:cNvPr id="3" name="텍스트 상자 37"/>
           <p:cNvSpPr txBox="1">
             <a:spLocks/>
           </p:cNvSpPr>
           <p:nvPr/>
         </p:nvSpPr>
         <p:spPr>
-          <a:xfrm rot="0">
-            <a:off x="53340" y="85090"/>
-            <a:ext cx="3265805" cy="370205"/>
+          <a:xfrm>
+            <a:off x="110490" y="90805"/>
+            <a:ext cx="3926205" cy="370205"/>
           </a:xfrm>
           <a:prstGeom prst="rect"/>
           <a:noFill/>
@@ -23962,208 +27075,29 @@
           </a:ln>
         </p:spPr>
         <p:txBody>
-          <a:bodyPr wrap="none" lIns="89535" tIns="46355" rIns="89535" bIns="46355" vert="horz" anchor="t">
+          <a:bodyPr wrap="none" lIns="89535" tIns="46355" rIns="89535" bIns="46355" numCol="1" vert="horz" anchor="t">
             <a:spAutoFit/>
           </a:bodyPr>
           <a:lstStyle/>
           <a:p>
-            <a:pPr marL="0" indent="0" algn="l" hangingPunct="1"/>
+            <a:pPr marL="0" indent="0" algn="l" latinLnBrk="0" hangingPunct="1"/>
             <a:r>
               <a:rPr lang="ko-KR" sz="1800">
                 <a:latin typeface="경기천년제목 Bold" charset="0"/>
                 <a:ea typeface="경기천년제목 Bold" charset="0"/>
               </a:rPr>
-              <a:t>FAQ - 게시글 등록(validation)</a:t>
+              <a:t>FAQ - 검색 결과가 없을 때</a:t>
+            </a:r>
+            <a:r>
+              <a:rPr lang="ko-KR" sz="1800">
+                <a:latin typeface="경기천년제목 Bold" charset="0"/>
+                <a:ea typeface="경기천년제목 Bold" charset="0"/>
+              </a:rPr>
+              <a:t> - /faq/list</a:t>
             </a:r>
             <a:endParaRPr lang="ko-KR" altLang="en-US" sz="1800">
               <a:latin typeface="경기천년제목 Bold" charset="0"/>
               <a:ea typeface="경기천년제목 Bold" charset="0"/>
-            </a:endParaRPr>
-          </a:p>
-        </p:txBody>
-      </p:sp>
-      <p:sp>
-        <p:nvSpPr>
-          <p:cNvPr id="10" name="도형 50"/>
-          <p:cNvSpPr>
-            <a:spLocks/>
-          </p:cNvSpPr>
-          <p:nvPr/>
-        </p:nvSpPr>
-        <p:spPr>
-          <a:xfrm rot="0">
-            <a:off x="3089275" y="920750"/>
-            <a:ext cx="2503170" cy="364490"/>
-          </a:xfrm>
-          <a:prstGeom prst="wedgeRectCallout">
-            <a:avLst>
-              <a:gd name="adj1" fmla="val -58176"/>
-              <a:gd name="adj2" fmla="val 93773"/>
-            </a:avLst>
-          </a:prstGeom>
-        </p:spPr>
-        <p:style>
-          <a:lnRef idx="2">
-            <a:schemeClr val="dk1"/>
-          </a:lnRef>
-          <a:fillRef idx="1">
-            <a:schemeClr val="lt1"/>
-          </a:fillRef>
-          <a:effectRef idx="0">
-            <a:schemeClr val="dk1"/>
-          </a:effectRef>
-          <a:fontRef idx="minor">
-            <a:schemeClr val="dk1"/>
-          </a:fontRef>
-        </p:style>
-        <p:txBody>
-          <a:bodyPr wrap="square" lIns="91440" tIns="45720" rIns="91440" bIns="45720" numCol="1" vert="horz" anchor="ctr">
-            <a:noAutofit/>
-          </a:bodyPr>
-          <a:lstStyle/>
-          <a:p>
-            <a:pPr marL="0" indent="0" algn="ctr" latinLnBrk="0" hangingPunct="1"/>
-            <a:endParaRPr lang="ko-KR" altLang="en-US" sz="1800">
-              <a:latin typeface="맑은 고딕" charset="0"/>
-              <a:ea typeface="맑은 고딕" charset="0"/>
-            </a:endParaRPr>
-          </a:p>
-        </p:txBody>
-      </p:sp>
-      <p:sp>
-        <p:nvSpPr>
-          <p:cNvPr id="11" name="텍스트 상자 51"/>
-          <p:cNvSpPr txBox="1">
-            <a:spLocks/>
-          </p:cNvSpPr>
-          <p:nvPr/>
-        </p:nvSpPr>
-        <p:spPr>
-          <a:xfrm rot="0">
-            <a:off x="3154680" y="981710"/>
-            <a:ext cx="3753485" cy="247015"/>
-          </a:xfrm>
-          <a:prstGeom prst="rect"/>
-          <a:noFill/>
-          <a:ln w="0" cap="flat" cmpd="sng">
-            <a:solidFill>
-              <a:srgbClr val="FFFFFF">
-                <a:alpha val="100000"/>
-              </a:srgbClr>
-            </a:solidFill>
-            <a:prstDash/>
-          </a:ln>
-        </p:spPr>
-        <p:txBody>
-          <a:bodyPr wrap="square" lIns="89535" tIns="46355" rIns="89535" bIns="46355" vert="horz" anchor="t">
-            <a:spAutoFit/>
-          </a:bodyPr>
-          <a:lstStyle/>
-          <a:p>
-            <a:pPr marL="0" indent="0" algn="l" hangingPunct="1"/>
-            <a:r>
-              <a:rPr lang="ko-KR" sz="1000" cap="none" i="0" b="0" strike="noStrike">
-                <a:latin typeface="경기천년제목 Light" charset="0"/>
-                <a:ea typeface="경기천년제목 Light" charset="0"/>
-              </a:rPr>
-              <a:t>게시글 작성 규칙과 맞지 않을 시 경고창 출력</a:t>
-            </a:r>
-            <a:endParaRPr lang="ko-KR" altLang="en-US" sz="1000" cap="none" i="0" b="0" strike="noStrike">
-              <a:latin typeface="경기천년제목 Light" charset="0"/>
-              <a:ea typeface="경기천년제목 Light" charset="0"/>
-            </a:endParaRPr>
-          </a:p>
-        </p:txBody>
-      </p:sp>
-      <p:sp>
-        <p:nvSpPr>
-          <p:cNvPr id="12" name="도형 52"/>
-          <p:cNvSpPr>
-            <a:spLocks/>
-          </p:cNvSpPr>
-          <p:nvPr/>
-        </p:nvSpPr>
-        <p:spPr>
-          <a:xfrm rot="0">
-            <a:off x="80010" y="2386965"/>
-            <a:ext cx="1303020" cy="364490"/>
-          </a:xfrm>
-          <a:prstGeom prst="wedgeRectCallout">
-            <a:avLst>
-              <a:gd name="adj1" fmla="val 49995"/>
-              <a:gd name="adj2" fmla="val 132153"/>
-            </a:avLst>
-          </a:prstGeom>
-        </p:spPr>
-        <p:style>
-          <a:lnRef idx="2">
-            <a:schemeClr val="dk1"/>
-          </a:lnRef>
-          <a:fillRef idx="1">
-            <a:schemeClr val="lt1"/>
-          </a:fillRef>
-          <a:effectRef idx="0">
-            <a:schemeClr val="dk1"/>
-          </a:effectRef>
-          <a:fontRef idx="minor">
-            <a:schemeClr val="dk1"/>
-          </a:fontRef>
-        </p:style>
-        <p:txBody>
-          <a:bodyPr wrap="square" lIns="91440" tIns="45720" rIns="91440" bIns="45720" numCol="1" vert="horz" anchor="ctr">
-            <a:noAutofit/>
-          </a:bodyPr>
-          <a:lstStyle/>
-          <a:p>
-            <a:pPr marL="0" indent="0" algn="ctr" latinLnBrk="0" hangingPunct="1"/>
-            <a:endParaRPr lang="ko-KR" altLang="en-US" sz="1800">
-              <a:latin typeface="맑은 고딕" charset="0"/>
-              <a:ea typeface="맑은 고딕" charset="0"/>
-            </a:endParaRPr>
-          </a:p>
-        </p:txBody>
-      </p:sp>
-      <p:sp>
-        <p:nvSpPr>
-          <p:cNvPr id="13" name="텍스트 상자 53"/>
-          <p:cNvSpPr txBox="1">
-            <a:spLocks/>
-          </p:cNvSpPr>
-          <p:nvPr/>
-        </p:nvSpPr>
-        <p:spPr>
-          <a:xfrm rot="0">
-            <a:off x="198755" y="2447925"/>
-            <a:ext cx="1255395" cy="247015"/>
-          </a:xfrm>
-          <a:prstGeom prst="rect"/>
-          <a:noFill/>
-          <a:ln w="0" cap="flat" cmpd="sng">
-            <a:solidFill>
-              <a:srgbClr val="FFFFFF">
-                <a:alpha val="100000"/>
-              </a:srgbClr>
-            </a:solidFill>
-            <a:prstDash/>
-          </a:ln>
-        </p:spPr>
-        <p:txBody>
-          <a:bodyPr wrap="square" lIns="89535" tIns="46355" rIns="89535" bIns="46355" vert="horz" anchor="t">
-            <a:spAutoFit/>
-          </a:bodyPr>
-          <a:lstStyle/>
-          <a:p>
-            <a:pPr marL="0" indent="0" algn="l" hangingPunct="1"/>
-            <a:r>
-              <a:rPr lang="ko-KR" sz="1000" cap="none" i="0" b="0" strike="noStrike">
-                <a:latin typeface="경기천년제목 Light" charset="0"/>
-                <a:ea typeface="경기천년제목 Light" charset="0"/>
-              </a:rPr>
-              <a:t>파일 등록은 자유</a:t>
-            </a:r>
-            <a:endParaRPr lang="ko-KR" altLang="en-US" sz="1000" cap="none" i="0" b="0" strike="noStrike">
-              <a:latin typeface="경기천년제목 Light" charset="0"/>
-              <a:ea typeface="경기천년제목 Light" charset="0"/>
             </a:endParaRPr>
           </a:p>
         </p:txBody>
@@ -24192,7 +27126,7 @@
 </file>
 
 <file path=ppt/slides/slide9.xml><?xml version="1.0" encoding="utf-8"?>
-<p:sld xmlns:a="http://schemas.openxmlformats.org/drawingml/2006/main" xmlns:r="http://schemas.openxmlformats.org/officeDocument/2006/relationships" xmlns:p="http://schemas.openxmlformats.org/presentationml/2006/main" xmlns:p14="http://schemas.microsoft.com/office/powerpoint/2010/main">
+<p:sld xmlns:a="http://schemas.openxmlformats.org/drawingml/2006/main" xmlns:r="http://schemas.openxmlformats.org/officeDocument/2006/relationships" xmlns:p="http://schemas.openxmlformats.org/presentationml/2006/main">
   <p:cSld>
     <p:spTree>
       <p:nvGrpSpPr>
@@ -24208,9 +27142,54 @@
           <a:chExt cx="0" cy="0"/>
         </a:xfrm>
       </p:grpSpPr>
+      <p:sp>
+        <p:nvSpPr>
+          <p:cNvPr id="3" name="Rect 0"/>
+          <p:cNvSpPr txBox="1">
+            <a:spLocks/>
+          </p:cNvSpPr>
+          <p:nvPr/>
+        </p:nvSpPr>
+        <p:spPr>
+          <a:xfrm rot="0">
+            <a:off x="110490" y="90805"/>
+            <a:ext cx="2644140" cy="370840"/>
+          </a:xfrm>
+          <a:prstGeom prst="rect"/>
+          <a:noFill/>
+          <a:ln w="0" cap="flat" cmpd="sng">
+            <a:solidFill>
+              <a:srgbClr val="FFFFFF">
+                <a:alpha val="100000"/>
+              </a:srgbClr>
+            </a:solidFill>
+            <a:prstDash val="solid"/>
+          </a:ln>
+        </p:spPr>
+        <p:txBody>
+          <a:bodyPr wrap="none" lIns="89535" tIns="46355" rIns="89535" bIns="46355" numCol="1" vert="horz" anchor="t">
+            <a:spAutoFit/>
+          </a:bodyPr>
+          <a:lstStyle/>
+          <a:p>
+            <a:pPr marL="0" indent="0" algn="l" latinLnBrk="0" hangingPunct="1"/>
+            <a:r>
+              <a:rPr lang="ko-KR" sz="1800">
+                <a:latin typeface="경기천년제목 Bold" charset="0"/>
+                <a:ea typeface="경기천년제목 Bold" charset="0"/>
+              </a:rPr>
+              <a:t>FAQ - 검색 결과가 없을 때</a:t>
+            </a:r>
+            <a:endParaRPr lang="ko-KR" altLang="en-US" sz="1800">
+              <a:latin typeface="경기천년제목 Bold" charset="0"/>
+              <a:ea typeface="경기천년제목 Bold" charset="0"/>
+            </a:endParaRPr>
+          </a:p>
+        </p:txBody>
+      </p:sp>
       <p:pic>
         <p:nvPicPr>
-          <p:cNvPr id="10" name="그림 54"/>
+          <p:cNvPr id="4" name="그림 9" descr="C:/Users/sonhaewook/AppData/Roaming/PolarisOffice/ETemp/13540_23563136/fImage475833985724.png"/>
           <p:cNvPicPr>
             <a:picLocks noChangeAspect="1"/>
           </p:cNvPicPr>
@@ -24230,244 +27209,13 @@
         </p:blipFill>
         <p:spPr>
           <a:xfrm rot="0">
-            <a:off x="0" y="260350"/>
-            <a:ext cx="9144635" cy="4622800"/>
+            <a:off x="311150" y="1039495"/>
+            <a:ext cx="8529955" cy="3027680"/>
           </a:xfrm>
           <a:prstGeom prst="rect"/>
           <a:noFill/>
         </p:spPr>
       </p:pic>
-      <p:sp>
-        <p:nvSpPr>
-          <p:cNvPr id="11" name="텍스트 상자 55"/>
-          <p:cNvSpPr txBox="1">
-            <a:spLocks/>
-          </p:cNvSpPr>
-          <p:nvPr/>
-        </p:nvSpPr>
-        <p:spPr>
-          <a:xfrm rot="0">
-            <a:off x="40640" y="78740"/>
-            <a:ext cx="1912620" cy="370205"/>
-          </a:xfrm>
-          <a:prstGeom prst="rect"/>
-          <a:noFill/>
-          <a:ln w="0" cap="flat" cmpd="sng">
-            <a:solidFill>
-              <a:srgbClr val="FFFFFF">
-                <a:alpha val="100000"/>
-              </a:srgbClr>
-            </a:solidFill>
-            <a:prstDash/>
-          </a:ln>
-        </p:spPr>
-        <p:txBody>
-          <a:bodyPr wrap="none" lIns="89535" tIns="46355" rIns="89535" bIns="46355" vert="horz" anchor="t">
-            <a:spAutoFit/>
-          </a:bodyPr>
-          <a:lstStyle/>
-          <a:p>
-            <a:pPr marL="0" indent="0" algn="l" hangingPunct="1"/>
-            <a:r>
-              <a:rPr lang="ko-KR" sz="1800">
-                <a:latin typeface="경기천년제목 Bold" charset="0"/>
-                <a:ea typeface="경기천년제목 Bold" charset="0"/>
-              </a:rPr>
-              <a:t>FAQ - 게시글 보기</a:t>
-            </a:r>
-            <a:endParaRPr lang="ko-KR" altLang="en-US" sz="1800">
-              <a:latin typeface="경기천년제목 Bold" charset="0"/>
-              <a:ea typeface="경기천년제목 Bold" charset="0"/>
-            </a:endParaRPr>
-          </a:p>
-        </p:txBody>
-      </p:sp>
-      <p:sp>
-        <p:nvSpPr>
-          <p:cNvPr id="12" name="도형 56"/>
-          <p:cNvSpPr>
-            <a:spLocks/>
-          </p:cNvSpPr>
-          <p:nvPr/>
-        </p:nvSpPr>
-        <p:spPr>
-          <a:xfrm rot="0">
-            <a:off x="125730" y="2082165"/>
-            <a:ext cx="1303020" cy="364490"/>
-          </a:xfrm>
-          <a:prstGeom prst="wedgeRectCallout">
-            <a:avLst>
-              <a:gd name="adj1" fmla="val 49995"/>
-              <a:gd name="adj2" fmla="val 132153"/>
-            </a:avLst>
-          </a:prstGeom>
-        </p:spPr>
-        <p:style>
-          <a:lnRef idx="2">
-            <a:schemeClr val="dk1"/>
-          </a:lnRef>
-          <a:fillRef idx="1">
-            <a:schemeClr val="lt1"/>
-          </a:fillRef>
-          <a:effectRef idx="0">
-            <a:schemeClr val="dk1"/>
-          </a:effectRef>
-          <a:fontRef idx="minor">
-            <a:schemeClr val="dk1"/>
-          </a:fontRef>
-        </p:style>
-        <p:txBody>
-          <a:bodyPr wrap="square" lIns="91440" tIns="45720" rIns="91440" bIns="45720" numCol="1" vert="horz" anchor="ctr">
-            <a:noAutofit/>
-          </a:bodyPr>
-          <a:lstStyle/>
-          <a:p>
-            <a:pPr marL="0" indent="0" algn="ctr" latinLnBrk="0" hangingPunct="1"/>
-            <a:endParaRPr lang="ko-KR" altLang="en-US" sz="1800">
-              <a:latin typeface="맑은 고딕" charset="0"/>
-              <a:ea typeface="맑은 고딕" charset="0"/>
-            </a:endParaRPr>
-          </a:p>
-        </p:txBody>
-      </p:sp>
-      <p:sp>
-        <p:nvSpPr>
-          <p:cNvPr id="13" name="텍스트 상자 57"/>
-          <p:cNvSpPr txBox="1">
-            <a:spLocks/>
-          </p:cNvSpPr>
-          <p:nvPr/>
-        </p:nvSpPr>
-        <p:spPr>
-          <a:xfrm rot="0">
-            <a:off x="173355" y="2143125"/>
-            <a:ext cx="1255395" cy="247015"/>
-          </a:xfrm>
-          <a:prstGeom prst="rect"/>
-          <a:noFill/>
-          <a:ln w="0" cap="flat" cmpd="sng">
-            <a:solidFill>
-              <a:srgbClr val="FFFFFF">
-                <a:alpha val="100000"/>
-              </a:srgbClr>
-            </a:solidFill>
-            <a:prstDash/>
-          </a:ln>
-        </p:spPr>
-        <p:txBody>
-          <a:bodyPr wrap="square" lIns="89535" tIns="46355" rIns="89535" bIns="46355" vert="horz" anchor="t">
-            <a:spAutoFit/>
-          </a:bodyPr>
-          <a:lstStyle/>
-          <a:p>
-            <a:pPr marL="0" indent="0" algn="l" hangingPunct="1"/>
-            <a:r>
-              <a:rPr lang="ko-KR" sz="1000" cap="none" i="0" b="0" strike="noStrike">
-                <a:latin typeface="경기천년제목 Light" charset="0"/>
-                <a:ea typeface="경기천년제목 Light" charset="0"/>
-              </a:rPr>
-              <a:t>파일 클릭 시 다운로드</a:t>
-            </a:r>
-            <a:endParaRPr lang="ko-KR" altLang="en-US" sz="1000" cap="none" i="0" b="0" strike="noStrike">
-              <a:latin typeface="경기천년제목 Light" charset="0"/>
-              <a:ea typeface="경기천년제목 Light" charset="0"/>
-            </a:endParaRPr>
-          </a:p>
-        </p:txBody>
-      </p:sp>
-      <p:sp>
-        <p:nvSpPr>
-          <p:cNvPr id="14" name="도형 58"/>
-          <p:cNvSpPr>
-            <a:spLocks/>
-          </p:cNvSpPr>
-          <p:nvPr/>
-        </p:nvSpPr>
-        <p:spPr>
-          <a:xfrm rot="0">
-            <a:off x="5568315" y="3917950"/>
-            <a:ext cx="1303020" cy="364490"/>
-          </a:xfrm>
-          <a:prstGeom prst="wedgeRectCallout">
-            <a:avLst>
-              <a:gd name="adj1" fmla="val 49995"/>
-              <a:gd name="adj2" fmla="val 132153"/>
-            </a:avLst>
-          </a:prstGeom>
-        </p:spPr>
-        <p:style>
-          <a:lnRef idx="2">
-            <a:schemeClr val="dk1"/>
-          </a:lnRef>
-          <a:fillRef idx="1">
-            <a:schemeClr val="lt1"/>
-          </a:fillRef>
-          <a:effectRef idx="0">
-            <a:schemeClr val="dk1"/>
-          </a:effectRef>
-          <a:fontRef idx="minor">
-            <a:schemeClr val="dk1"/>
-          </a:fontRef>
-        </p:style>
-        <p:txBody>
-          <a:bodyPr wrap="square" lIns="91440" tIns="45720" rIns="91440" bIns="45720" numCol="1" vert="horz" anchor="ctr">
-            <a:noAutofit/>
-          </a:bodyPr>
-          <a:lstStyle/>
-          <a:p>
-            <a:pPr marL="0" indent="0" algn="ctr" latinLnBrk="0" hangingPunct="1"/>
-            <a:endParaRPr lang="ko-KR" altLang="en-US" sz="1800">
-              <a:latin typeface="맑은 고딕" charset="0"/>
-              <a:ea typeface="맑은 고딕" charset="0"/>
-            </a:endParaRPr>
-          </a:p>
-        </p:txBody>
-      </p:sp>
-      <p:sp>
-        <p:nvSpPr>
-          <p:cNvPr id="15" name="텍스트 상자 59"/>
-          <p:cNvSpPr txBox="1">
-            <a:spLocks/>
-          </p:cNvSpPr>
-          <p:nvPr/>
-        </p:nvSpPr>
-        <p:spPr>
-          <a:xfrm rot="0">
-            <a:off x="5661660" y="3978910"/>
-            <a:ext cx="1255395" cy="247015"/>
-          </a:xfrm>
-          <a:prstGeom prst="rect"/>
-          <a:noFill/>
-          <a:ln w="0" cap="flat" cmpd="sng">
-            <a:solidFill>
-              <a:srgbClr val="FFFFFF">
-                <a:alpha val="100000"/>
-              </a:srgbClr>
-            </a:solidFill>
-            <a:prstDash/>
-          </a:ln>
-        </p:spPr>
-        <p:txBody>
-          <a:bodyPr wrap="square" lIns="89535" tIns="46355" rIns="89535" bIns="46355" vert="horz" anchor="t">
-            <a:spAutoFit/>
-          </a:bodyPr>
-          <a:lstStyle/>
-          <a:p>
-            <a:pPr marL="0" indent="0" algn="l" hangingPunct="1"/>
-            <a:r>
-              <a:rPr lang="ko-KR" sz="1000" cap="none" i="0" b="0" strike="noStrike">
-                <a:latin typeface="경기천년제목 Light" charset="0"/>
-                <a:ea typeface="경기천년제목 Light" charset="0"/>
-              </a:rPr>
-              <a:t>게시글 삭제,수정</a:t>
-            </a:r>
-            <a:endParaRPr lang="ko-KR" altLang="en-US" sz="1000" cap="none" i="0" b="0" strike="noStrike">
-              <a:latin typeface="경기천년제목 Light" charset="0"/>
-              <a:ea typeface="경기천년제목 Light" charset="0"/>
-            </a:endParaRPr>
-          </a:p>
-        </p:txBody>
-      </p:sp>
     </p:spTree>
   </p:cSld>
   <p:clrMapOvr>
